--- a/Machine learning-ustep2020.pptx
+++ b/Machine learning-ustep2020.pptx
@@ -5,32 +5,39 @@
     <p:sldMasterId id="2147483669" r:id="rId4"/>
   </p:sldMasterIdLst>
   <p:notesMasterIdLst>
-    <p:notesMasterId r:id="rId25"/>
+    <p:notesMasterId r:id="rId32"/>
   </p:notesMasterIdLst>
   <p:handoutMasterIdLst>
-    <p:handoutMasterId r:id="rId26"/>
+    <p:handoutMasterId r:id="rId33"/>
   </p:handoutMasterIdLst>
   <p:sldIdLst>
     <p:sldId id="256" r:id="rId5"/>
     <p:sldId id="262" r:id="rId6"/>
     <p:sldId id="264" r:id="rId7"/>
-    <p:sldId id="263" r:id="rId8"/>
-    <p:sldId id="265" r:id="rId9"/>
-    <p:sldId id="270" r:id="rId10"/>
-    <p:sldId id="267" r:id="rId11"/>
-    <p:sldId id="269" r:id="rId12"/>
-    <p:sldId id="271" r:id="rId13"/>
-    <p:sldId id="266" r:id="rId14"/>
-    <p:sldId id="273" r:id="rId15"/>
-    <p:sldId id="272" r:id="rId16"/>
-    <p:sldId id="274" r:id="rId17"/>
-    <p:sldId id="279" r:id="rId18"/>
-    <p:sldId id="280" r:id="rId19"/>
-    <p:sldId id="275" r:id="rId20"/>
-    <p:sldId id="277" r:id="rId21"/>
-    <p:sldId id="278" r:id="rId22"/>
-    <p:sldId id="276" r:id="rId23"/>
-    <p:sldId id="257" r:id="rId24"/>
+    <p:sldId id="287" r:id="rId8"/>
+    <p:sldId id="288" r:id="rId9"/>
+    <p:sldId id="263" r:id="rId10"/>
+    <p:sldId id="265" r:id="rId11"/>
+    <p:sldId id="270" r:id="rId12"/>
+    <p:sldId id="267" r:id="rId13"/>
+    <p:sldId id="269" r:id="rId14"/>
+    <p:sldId id="271" r:id="rId15"/>
+    <p:sldId id="289" r:id="rId16"/>
+    <p:sldId id="266" r:id="rId17"/>
+    <p:sldId id="273" r:id="rId18"/>
+    <p:sldId id="272" r:id="rId19"/>
+    <p:sldId id="274" r:id="rId20"/>
+    <p:sldId id="279" r:id="rId21"/>
+    <p:sldId id="286" r:id="rId22"/>
+    <p:sldId id="280" r:id="rId23"/>
+    <p:sldId id="281" r:id="rId24"/>
+    <p:sldId id="283" r:id="rId25"/>
+    <p:sldId id="285" r:id="rId26"/>
+    <p:sldId id="275" r:id="rId27"/>
+    <p:sldId id="277" r:id="rId28"/>
+    <p:sldId id="278" r:id="rId29"/>
+    <p:sldId id="276" r:id="rId30"/>
+    <p:sldId id="257" r:id="rId31"/>
   </p:sldIdLst>
   <p:sldSz cx="12192000" cy="6858000"/>
   <p:notesSz cx="6858000" cy="9144000"/>
@@ -234,7 +241,7 @@
           <a:p>
             <a:fld id="{75438802-F28A-42D1-9BCA-40E34B52D6F0}" type="datetimeFigureOut">
               <a:rPr lang="en-US" smtClean="0"/>
-              <a:t>1/26/2021</a:t>
+              <a:t>2/20/2021</a:t>
             </a:fld>
             <a:endParaRPr lang="en-US" dirty="0"/>
           </a:p>
@@ -411,7 +418,7 @@
           <a:p>
             <a:fld id="{6865794D-BDB5-4811-AA4A-B25E4EF28521}" type="datetimeFigureOut">
               <a:rPr lang="en-US" smtClean="0"/>
-              <a:t>1/26/2021</a:t>
+              <a:t>2/20/2021</a:t>
             </a:fld>
             <a:endParaRPr lang="en-US" dirty="0"/>
           </a:p>
@@ -827,7 +834,7 @@
           <a:p>
             <a:fld id="{69BB1A04-13E8-48CD-97F9-AC2568E1A8D4}" type="slidenum">
               <a:rPr lang="en-US" smtClean="0"/>
-              <a:t>20</a:t>
+              <a:t>27</a:t>
             </a:fld>
             <a:endParaRPr lang="en-US" dirty="0"/>
           </a:p>
@@ -903,7 +910,7 @@
           <a:noFill/>
           <a:extLst>
             <a:ext uri="{909E8E84-426E-40dd-AFC4-6F175D3DCCD1}">
-              <a14:hiddenFill xmlns="" xmlns:a14="http://schemas.microsoft.com/office/drawing/2010/main">
+              <a14:hiddenFill xmlns:a14="http://schemas.microsoft.com/office/drawing/2010/main" xmlns="">
                 <a:solidFill>
                   <a:srgbClr val="FFFFFF"/>
                 </a:solidFill>
@@ -962,7 +969,7 @@
             </a:ln>
             <a:extLst>
               <a:ext uri="{91240B29-F687-4f45-9708-019B960494DF}">
-                <a14:hiddenLine xmlns="" xmlns:a14="http://schemas.microsoft.com/office/drawing/2010/main" w="9525">
+                <a14:hiddenLine xmlns:a14="http://schemas.microsoft.com/office/drawing/2010/main" xmlns="" w="9525">
                   <a:solidFill>
                     <a:srgbClr val="000000"/>
                   </a:solidFill>
@@ -1052,7 +1059,7 @@
             </a:ln>
             <a:extLst>
               <a:ext uri="{91240B29-F687-4f45-9708-019B960494DF}">
-                <a14:hiddenLine xmlns="" xmlns:a14="http://schemas.microsoft.com/office/drawing/2010/main" w="9525">
+                <a14:hiddenLine xmlns:a14="http://schemas.microsoft.com/office/drawing/2010/main" xmlns="" w="9525">
                   <a:solidFill>
                     <a:srgbClr val="000000"/>
                   </a:solidFill>
@@ -1142,7 +1149,7 @@
             </a:ln>
             <a:extLst>
               <a:ext uri="{91240B29-F687-4f45-9708-019B960494DF}">
-                <a14:hiddenLine xmlns="" xmlns:a14="http://schemas.microsoft.com/office/drawing/2010/main" w="9525">
+                <a14:hiddenLine xmlns:a14="http://schemas.microsoft.com/office/drawing/2010/main" xmlns="" w="9525">
                   <a:solidFill>
                     <a:srgbClr val="000000"/>
                   </a:solidFill>
@@ -1176,7 +1183,7 @@
             </a:ln>
             <a:extLst>
               <a:ext uri="{91240B29-F687-4f45-9708-019B960494DF}">
-                <a14:hiddenLine xmlns="" xmlns:a14="http://schemas.microsoft.com/office/drawing/2010/main" w="9525">
+                <a14:hiddenLine xmlns:a14="http://schemas.microsoft.com/office/drawing/2010/main" xmlns="" w="9525">
                   <a:solidFill>
                     <a:srgbClr val="000000"/>
                   </a:solidFill>
@@ -1266,7 +1273,7 @@
             </a:ln>
             <a:extLst>
               <a:ext uri="{91240B29-F687-4f45-9708-019B960494DF}">
-                <a14:hiddenLine xmlns="" xmlns:a14="http://schemas.microsoft.com/office/drawing/2010/main" w="9525">
+                <a14:hiddenLine xmlns:a14="http://schemas.microsoft.com/office/drawing/2010/main" xmlns="" w="9525">
                   <a:solidFill>
                     <a:srgbClr val="000000"/>
                   </a:solidFill>
@@ -1328,7 +1335,7 @@
             </a:ln>
             <a:extLst>
               <a:ext uri="{91240B29-F687-4f45-9708-019B960494DF}">
-                <a14:hiddenLine xmlns="" xmlns:a14="http://schemas.microsoft.com/office/drawing/2010/main" w="9525">
+                <a14:hiddenLine xmlns:a14="http://schemas.microsoft.com/office/drawing/2010/main" xmlns="" w="9525">
                   <a:solidFill>
                     <a:srgbClr val="000000"/>
                   </a:solidFill>
@@ -1390,7 +1397,7 @@
             </a:ln>
             <a:extLst>
               <a:ext uri="{91240B29-F687-4f45-9708-019B960494DF}">
-                <a14:hiddenLine xmlns="" xmlns:a14="http://schemas.microsoft.com/office/drawing/2010/main" w="9525">
+                <a14:hiddenLine xmlns:a14="http://schemas.microsoft.com/office/drawing/2010/main" xmlns="" w="9525">
                   <a:solidFill>
                     <a:srgbClr val="000000"/>
                   </a:solidFill>
@@ -1480,7 +1487,7 @@
             </a:ln>
             <a:extLst>
               <a:ext uri="{91240B29-F687-4f45-9708-019B960494DF}">
-                <a14:hiddenLine xmlns="" xmlns:a14="http://schemas.microsoft.com/office/drawing/2010/main" w="9525">
+                <a14:hiddenLine xmlns:a14="http://schemas.microsoft.com/office/drawing/2010/main" xmlns="" w="9525">
                   <a:solidFill>
                     <a:srgbClr val="000000"/>
                   </a:solidFill>
@@ -1542,7 +1549,7 @@
             </a:ln>
             <a:extLst>
               <a:ext uri="{91240B29-F687-4f45-9708-019B960494DF}">
-                <a14:hiddenLine xmlns="" xmlns:a14="http://schemas.microsoft.com/office/drawing/2010/main" w="9525">
+                <a14:hiddenLine xmlns:a14="http://schemas.microsoft.com/office/drawing/2010/main" xmlns="" w="9525">
                   <a:solidFill>
                     <a:srgbClr val="000000"/>
                   </a:solidFill>
@@ -1604,7 +1611,7 @@
             </a:ln>
             <a:extLst>
               <a:ext uri="{91240B29-F687-4f45-9708-019B960494DF}">
-                <a14:hiddenLine xmlns="" xmlns:a14="http://schemas.microsoft.com/office/drawing/2010/main" w="9525">
+                <a14:hiddenLine xmlns:a14="http://schemas.microsoft.com/office/drawing/2010/main" xmlns="" w="9525">
                   <a:solidFill>
                     <a:srgbClr val="000000"/>
                   </a:solidFill>
@@ -1694,7 +1701,7 @@
             </a:ln>
             <a:extLst>
               <a:ext uri="{91240B29-F687-4f45-9708-019B960494DF}">
-                <a14:hiddenLine xmlns="" xmlns:a14="http://schemas.microsoft.com/office/drawing/2010/main" w="9525">
+                <a14:hiddenLine xmlns:a14="http://schemas.microsoft.com/office/drawing/2010/main" xmlns="" w="9525">
                   <a:solidFill>
                     <a:srgbClr val="000000"/>
                   </a:solidFill>
@@ -1784,7 +1791,7 @@
             </a:ln>
             <a:extLst>
               <a:ext uri="{91240B29-F687-4f45-9708-019B960494DF}">
-                <a14:hiddenLine xmlns="" xmlns:a14="http://schemas.microsoft.com/office/drawing/2010/main" w="9525">
+                <a14:hiddenLine xmlns:a14="http://schemas.microsoft.com/office/drawing/2010/main" xmlns="" w="9525">
                   <a:solidFill>
                     <a:srgbClr val="000000"/>
                   </a:solidFill>
@@ -1846,7 +1853,7 @@
             </a:ln>
             <a:extLst>
               <a:ext uri="{91240B29-F687-4f45-9708-019B960494DF}">
-                <a14:hiddenLine xmlns="" xmlns:a14="http://schemas.microsoft.com/office/drawing/2010/main" w="9525">
+                <a14:hiddenLine xmlns:a14="http://schemas.microsoft.com/office/drawing/2010/main" xmlns="" w="9525">
                   <a:solidFill>
                     <a:srgbClr val="000000"/>
                   </a:solidFill>
@@ -1956,7 +1963,7 @@
             </a:ln>
             <a:extLst>
               <a:ext uri="{91240B29-F687-4f45-9708-019B960494DF}">
-                <a14:hiddenLine xmlns="" xmlns:a14="http://schemas.microsoft.com/office/drawing/2010/main" w="9525">
+                <a14:hiddenLine xmlns:a14="http://schemas.microsoft.com/office/drawing/2010/main" xmlns="" w="9525">
                   <a:solidFill>
                     <a:srgbClr val="000000"/>
                   </a:solidFill>
@@ -2018,7 +2025,7 @@
             </a:ln>
             <a:extLst>
               <a:ext uri="{91240B29-F687-4f45-9708-019B960494DF}">
-                <a14:hiddenLine xmlns="" xmlns:a14="http://schemas.microsoft.com/office/drawing/2010/main" w="9525">
+                <a14:hiddenLine xmlns:a14="http://schemas.microsoft.com/office/drawing/2010/main" xmlns="" w="9525">
                   <a:solidFill>
                     <a:srgbClr val="000000"/>
                   </a:solidFill>
@@ -2108,7 +2115,7 @@
             </a:ln>
             <a:extLst>
               <a:ext uri="{91240B29-F687-4f45-9708-019B960494DF}">
-                <a14:hiddenLine xmlns="" xmlns:a14="http://schemas.microsoft.com/office/drawing/2010/main" w="9525">
+                <a14:hiddenLine xmlns:a14="http://schemas.microsoft.com/office/drawing/2010/main" xmlns="" w="9525">
                   <a:solidFill>
                     <a:srgbClr val="000000"/>
                   </a:solidFill>
@@ -2198,7 +2205,7 @@
             </a:ln>
             <a:extLst>
               <a:ext uri="{91240B29-F687-4f45-9708-019B960494DF}">
-                <a14:hiddenLine xmlns="" xmlns:a14="http://schemas.microsoft.com/office/drawing/2010/main" w="9525">
+                <a14:hiddenLine xmlns:a14="http://schemas.microsoft.com/office/drawing/2010/main" xmlns="" w="9525">
                   <a:solidFill>
                     <a:srgbClr val="000000"/>
                   </a:solidFill>
@@ -2260,7 +2267,7 @@
             </a:ln>
             <a:extLst>
               <a:ext uri="{91240B29-F687-4f45-9708-019B960494DF}">
-                <a14:hiddenLine xmlns="" xmlns:a14="http://schemas.microsoft.com/office/drawing/2010/main" w="9525">
+                <a14:hiddenLine xmlns:a14="http://schemas.microsoft.com/office/drawing/2010/main" xmlns="" w="9525">
                   <a:solidFill>
                     <a:srgbClr val="000000"/>
                   </a:solidFill>
@@ -2350,7 +2357,7 @@
             </a:ln>
             <a:extLst>
               <a:ext uri="{91240B29-F687-4f45-9708-019B960494DF}">
-                <a14:hiddenLine xmlns="" xmlns:a14="http://schemas.microsoft.com/office/drawing/2010/main" w="9525">
+                <a14:hiddenLine xmlns:a14="http://schemas.microsoft.com/office/drawing/2010/main" xmlns="" w="9525">
                   <a:solidFill>
                     <a:srgbClr val="000000"/>
                   </a:solidFill>
@@ -2440,7 +2447,7 @@
             </a:ln>
             <a:extLst>
               <a:ext uri="{91240B29-F687-4f45-9708-019B960494DF}">
-                <a14:hiddenLine xmlns="" xmlns:a14="http://schemas.microsoft.com/office/drawing/2010/main" w="9525">
+                <a14:hiddenLine xmlns:a14="http://schemas.microsoft.com/office/drawing/2010/main" xmlns="" w="9525">
                   <a:solidFill>
                     <a:srgbClr val="000000"/>
                   </a:solidFill>
@@ -2496,7 +2503,7 @@
             </a:ln>
             <a:extLst>
               <a:ext uri="{91240B29-F687-4f45-9708-019B960494DF}">
-                <a14:hiddenLine xmlns="" xmlns:a14="http://schemas.microsoft.com/office/drawing/2010/main" w="9525">
+                <a14:hiddenLine xmlns:a14="http://schemas.microsoft.com/office/drawing/2010/main" xmlns="" w="9525">
                   <a:solidFill>
                     <a:srgbClr val="000000"/>
                   </a:solidFill>
@@ -2586,7 +2593,7 @@
             </a:ln>
             <a:extLst>
               <a:ext uri="{91240B29-F687-4f45-9708-019B960494DF}">
-                <a14:hiddenLine xmlns="" xmlns:a14="http://schemas.microsoft.com/office/drawing/2010/main" w="9525">
+                <a14:hiddenLine xmlns:a14="http://schemas.microsoft.com/office/drawing/2010/main" xmlns="" w="9525">
                   <a:solidFill>
                     <a:srgbClr val="000000"/>
                   </a:solidFill>
@@ -2642,7 +2649,7 @@
             </a:ln>
             <a:extLst>
               <a:ext uri="{91240B29-F687-4f45-9708-019B960494DF}">
-                <a14:hiddenLine xmlns="" xmlns:a14="http://schemas.microsoft.com/office/drawing/2010/main" w="9525">
+                <a14:hiddenLine xmlns:a14="http://schemas.microsoft.com/office/drawing/2010/main" xmlns="" w="9525">
                   <a:solidFill>
                     <a:srgbClr val="000000"/>
                   </a:solidFill>
@@ -2732,7 +2739,7 @@
             </a:ln>
             <a:extLst>
               <a:ext uri="{91240B29-F687-4f45-9708-019B960494DF}">
-                <a14:hiddenLine xmlns="" xmlns:a14="http://schemas.microsoft.com/office/drawing/2010/main" w="9525">
+                <a14:hiddenLine xmlns:a14="http://schemas.microsoft.com/office/drawing/2010/main" xmlns="" w="9525">
                   <a:solidFill>
                     <a:srgbClr val="000000"/>
                   </a:solidFill>
@@ -2800,7 +2807,7 @@
             </a:ln>
             <a:extLst>
               <a:ext uri="{91240B29-F687-4f45-9708-019B960494DF}">
-                <a14:hiddenLine xmlns="" xmlns:a14="http://schemas.microsoft.com/office/drawing/2010/main" w="9525">
+                <a14:hiddenLine xmlns:a14="http://schemas.microsoft.com/office/drawing/2010/main" xmlns="" w="9525">
                   <a:solidFill>
                     <a:srgbClr val="000000"/>
                   </a:solidFill>
@@ -2890,7 +2897,7 @@
             </a:ln>
             <a:extLst>
               <a:ext uri="{91240B29-F687-4f45-9708-019B960494DF}">
-                <a14:hiddenLine xmlns="" xmlns:a14="http://schemas.microsoft.com/office/drawing/2010/main" w="9525">
+                <a14:hiddenLine xmlns:a14="http://schemas.microsoft.com/office/drawing/2010/main" xmlns="" w="9525">
                   <a:solidFill>
                     <a:srgbClr val="000000"/>
                   </a:solidFill>
@@ -2958,7 +2965,7 @@
             </a:ln>
             <a:extLst>
               <a:ext uri="{91240B29-F687-4f45-9708-019B960494DF}">
-                <a14:hiddenLine xmlns="" xmlns:a14="http://schemas.microsoft.com/office/drawing/2010/main" w="9525">
+                <a14:hiddenLine xmlns:a14="http://schemas.microsoft.com/office/drawing/2010/main" xmlns="" w="9525">
                   <a:solidFill>
                     <a:srgbClr val="000000"/>
                   </a:solidFill>
@@ -3048,7 +3055,7 @@
             </a:ln>
             <a:extLst>
               <a:ext uri="{91240B29-F687-4f45-9708-019B960494DF}">
-                <a14:hiddenLine xmlns="" xmlns:a14="http://schemas.microsoft.com/office/drawing/2010/main" w="9525">
+                <a14:hiddenLine xmlns:a14="http://schemas.microsoft.com/office/drawing/2010/main" xmlns="" w="9525">
                   <a:solidFill>
                     <a:srgbClr val="000000"/>
                   </a:solidFill>
@@ -3082,7 +3089,7 @@
             </a:ln>
             <a:extLst>
               <a:ext uri="{91240B29-F687-4f45-9708-019B960494DF}">
-                <a14:hiddenLine xmlns="" xmlns:a14="http://schemas.microsoft.com/office/drawing/2010/main" w="9525">
+                <a14:hiddenLine xmlns:a14="http://schemas.microsoft.com/office/drawing/2010/main" xmlns="" w="9525">
                   <a:solidFill>
                     <a:srgbClr val="000000"/>
                   </a:solidFill>
@@ -3172,7 +3179,7 @@
             </a:ln>
             <a:extLst>
               <a:ext uri="{91240B29-F687-4f45-9708-019B960494DF}">
-                <a14:hiddenLine xmlns="" xmlns:a14="http://schemas.microsoft.com/office/drawing/2010/main" w="9525">
+                <a14:hiddenLine xmlns:a14="http://schemas.microsoft.com/office/drawing/2010/main" xmlns="" w="9525">
                   <a:solidFill>
                     <a:srgbClr val="000000"/>
                   </a:solidFill>
@@ -3234,7 +3241,7 @@
             </a:ln>
             <a:extLst>
               <a:ext uri="{91240B29-F687-4f45-9708-019B960494DF}">
-                <a14:hiddenLine xmlns="" xmlns:a14="http://schemas.microsoft.com/office/drawing/2010/main" w="9525">
+                <a14:hiddenLine xmlns:a14="http://schemas.microsoft.com/office/drawing/2010/main" xmlns="" w="9525">
                   <a:solidFill>
                     <a:srgbClr val="000000"/>
                   </a:solidFill>
@@ -3296,7 +3303,7 @@
             </a:ln>
             <a:extLst>
               <a:ext uri="{91240B29-F687-4f45-9708-019B960494DF}">
-                <a14:hiddenLine xmlns="" xmlns:a14="http://schemas.microsoft.com/office/drawing/2010/main" w="9525">
+                <a14:hiddenLine xmlns:a14="http://schemas.microsoft.com/office/drawing/2010/main" xmlns="" w="9525">
                   <a:solidFill>
                     <a:srgbClr val="000000"/>
                   </a:solidFill>
@@ -3386,7 +3393,7 @@
             </a:ln>
             <a:extLst>
               <a:ext uri="{91240B29-F687-4f45-9708-019B960494DF}">
-                <a14:hiddenLine xmlns="" xmlns:a14="http://schemas.microsoft.com/office/drawing/2010/main" w="9525">
+                <a14:hiddenLine xmlns:a14="http://schemas.microsoft.com/office/drawing/2010/main" xmlns="" w="9525">
                   <a:solidFill>
                     <a:srgbClr val="000000"/>
                   </a:solidFill>
@@ -3454,7 +3461,7 @@
             </a:ln>
             <a:extLst>
               <a:ext uri="{91240B29-F687-4f45-9708-019B960494DF}">
-                <a14:hiddenLine xmlns="" xmlns:a14="http://schemas.microsoft.com/office/drawing/2010/main" w="9525">
+                <a14:hiddenLine xmlns:a14="http://schemas.microsoft.com/office/drawing/2010/main" xmlns="" w="9525">
                   <a:solidFill>
                     <a:srgbClr val="000000"/>
                   </a:solidFill>
@@ -3516,7 +3523,7 @@
             </a:ln>
             <a:extLst>
               <a:ext uri="{91240B29-F687-4f45-9708-019B960494DF}">
-                <a14:hiddenLine xmlns="" xmlns:a14="http://schemas.microsoft.com/office/drawing/2010/main" w="9525">
+                <a14:hiddenLine xmlns:a14="http://schemas.microsoft.com/office/drawing/2010/main" xmlns="" w="9525">
                   <a:solidFill>
                     <a:srgbClr val="000000"/>
                   </a:solidFill>
@@ -3606,7 +3613,7 @@
             </a:ln>
             <a:extLst>
               <a:ext uri="{91240B29-F687-4f45-9708-019B960494DF}">
-                <a14:hiddenLine xmlns="" xmlns:a14="http://schemas.microsoft.com/office/drawing/2010/main" w="9525">
+                <a14:hiddenLine xmlns:a14="http://schemas.microsoft.com/office/drawing/2010/main" xmlns="" w="9525">
                   <a:solidFill>
                     <a:srgbClr val="000000"/>
                   </a:solidFill>
@@ -3668,7 +3675,7 @@
             </a:ln>
             <a:extLst>
               <a:ext uri="{91240B29-F687-4f45-9708-019B960494DF}">
-                <a14:hiddenLine xmlns="" xmlns:a14="http://schemas.microsoft.com/office/drawing/2010/main" w="9525">
+                <a14:hiddenLine xmlns:a14="http://schemas.microsoft.com/office/drawing/2010/main" xmlns="" w="9525">
                   <a:solidFill>
                     <a:srgbClr val="000000"/>
                   </a:solidFill>
@@ -3758,7 +3765,7 @@
             </a:ln>
             <a:extLst>
               <a:ext uri="{91240B29-F687-4f45-9708-019B960494DF}">
-                <a14:hiddenLine xmlns="" xmlns:a14="http://schemas.microsoft.com/office/drawing/2010/main" w="9525">
+                <a14:hiddenLine xmlns:a14="http://schemas.microsoft.com/office/drawing/2010/main" xmlns="" w="9525">
                   <a:solidFill>
                     <a:srgbClr val="000000"/>
                   </a:solidFill>
@@ -3820,7 +3827,7 @@
             </a:ln>
             <a:extLst>
               <a:ext uri="{91240B29-F687-4f45-9708-019B960494DF}">
-                <a14:hiddenLine xmlns="" xmlns:a14="http://schemas.microsoft.com/office/drawing/2010/main" w="9525">
+                <a14:hiddenLine xmlns:a14="http://schemas.microsoft.com/office/drawing/2010/main" xmlns="" w="9525">
                   <a:solidFill>
                     <a:srgbClr val="000000"/>
                   </a:solidFill>
@@ -3910,7 +3917,7 @@
             </a:ln>
             <a:extLst>
               <a:ext uri="{91240B29-F687-4f45-9708-019B960494DF}">
-                <a14:hiddenLine xmlns="" xmlns:a14="http://schemas.microsoft.com/office/drawing/2010/main" w="9525">
+                <a14:hiddenLine xmlns:a14="http://schemas.microsoft.com/office/drawing/2010/main" xmlns="" w="9525">
                   <a:solidFill>
                     <a:srgbClr val="000000"/>
                   </a:solidFill>
@@ -3944,7 +3951,7 @@
             </a:ln>
             <a:extLst>
               <a:ext uri="{91240B29-F687-4f45-9708-019B960494DF}">
-                <a14:hiddenLine xmlns="" xmlns:a14="http://schemas.microsoft.com/office/drawing/2010/main" w="9525">
+                <a14:hiddenLine xmlns:a14="http://schemas.microsoft.com/office/drawing/2010/main" xmlns="" w="9525">
                   <a:solidFill>
                     <a:srgbClr val="000000"/>
                   </a:solidFill>
@@ -4009,7 +4016,7 @@
             </a:ln>
             <a:extLst>
               <a:ext uri="{91240B29-F687-4f45-9708-019B960494DF}">
-                <a14:hiddenLine xmlns="" xmlns:a14="http://schemas.microsoft.com/office/drawing/2010/main" w="9525">
+                <a14:hiddenLine xmlns:a14="http://schemas.microsoft.com/office/drawing/2010/main" xmlns="" w="9525">
                   <a:solidFill>
                     <a:srgbClr val="000000"/>
                   </a:solidFill>
@@ -4099,7 +4106,7 @@
             </a:ln>
             <a:extLst>
               <a:ext uri="{91240B29-F687-4f45-9708-019B960494DF}">
-                <a14:hiddenLine xmlns="" xmlns:a14="http://schemas.microsoft.com/office/drawing/2010/main" w="9525">
+                <a14:hiddenLine xmlns:a14="http://schemas.microsoft.com/office/drawing/2010/main" xmlns="" w="9525">
                   <a:solidFill>
                     <a:srgbClr val="000000"/>
                   </a:solidFill>
@@ -4161,7 +4168,7 @@
             </a:ln>
             <a:extLst>
               <a:ext uri="{91240B29-F687-4f45-9708-019B960494DF}">
-                <a14:hiddenLine xmlns="" xmlns:a14="http://schemas.microsoft.com/office/drawing/2010/main" w="9525">
+                <a14:hiddenLine xmlns:a14="http://schemas.microsoft.com/office/drawing/2010/main" xmlns="" w="9525">
                   <a:solidFill>
                     <a:srgbClr val="000000"/>
                   </a:solidFill>
@@ -4251,7 +4258,7 @@
             </a:ln>
             <a:extLst>
               <a:ext uri="{91240B29-F687-4f45-9708-019B960494DF}">
-                <a14:hiddenLine xmlns="" xmlns:a14="http://schemas.microsoft.com/office/drawing/2010/main" w="9525">
+                <a14:hiddenLine xmlns:a14="http://schemas.microsoft.com/office/drawing/2010/main" xmlns="" w="9525">
                   <a:solidFill>
                     <a:srgbClr val="000000"/>
                   </a:solidFill>
@@ -4341,7 +4348,7 @@
             </a:ln>
             <a:extLst>
               <a:ext uri="{91240B29-F687-4f45-9708-019B960494DF}">
-                <a14:hiddenLine xmlns="" xmlns:a14="http://schemas.microsoft.com/office/drawing/2010/main" w="9525">
+                <a14:hiddenLine xmlns:a14="http://schemas.microsoft.com/office/drawing/2010/main" xmlns="" w="9525">
                   <a:solidFill>
                     <a:srgbClr val="000000"/>
                   </a:solidFill>
@@ -4406,7 +4413,7 @@
             </a:ln>
             <a:extLst>
               <a:ext uri="{91240B29-F687-4f45-9708-019B960494DF}">
-                <a14:hiddenLine xmlns="" xmlns:a14="http://schemas.microsoft.com/office/drawing/2010/main" w="9525">
+                <a14:hiddenLine xmlns:a14="http://schemas.microsoft.com/office/drawing/2010/main" xmlns="" w="9525">
                   <a:solidFill>
                     <a:srgbClr val="000000"/>
                   </a:solidFill>
@@ -4468,7 +4475,7 @@
             </a:ln>
             <a:extLst>
               <a:ext uri="{91240B29-F687-4f45-9708-019B960494DF}">
-                <a14:hiddenLine xmlns="" xmlns:a14="http://schemas.microsoft.com/office/drawing/2010/main" w="9525">
+                <a14:hiddenLine xmlns:a14="http://schemas.microsoft.com/office/drawing/2010/main" xmlns="" w="9525">
                   <a:solidFill>
                     <a:srgbClr val="000000"/>
                   </a:solidFill>
@@ -4558,7 +4565,7 @@
             </a:ln>
             <a:extLst>
               <a:ext uri="{91240B29-F687-4f45-9708-019B960494DF}">
-                <a14:hiddenLine xmlns="" xmlns:a14="http://schemas.microsoft.com/office/drawing/2010/main" w="9525">
+                <a14:hiddenLine xmlns:a14="http://schemas.microsoft.com/office/drawing/2010/main" xmlns="" w="9525">
                   <a:solidFill>
                     <a:srgbClr val="000000"/>
                   </a:solidFill>
@@ -4648,7 +4655,7 @@
             </a:ln>
             <a:extLst>
               <a:ext uri="{91240B29-F687-4f45-9708-019B960494DF}">
-                <a14:hiddenLine xmlns="" xmlns:a14="http://schemas.microsoft.com/office/drawing/2010/main" w="9525">
+                <a14:hiddenLine xmlns:a14="http://schemas.microsoft.com/office/drawing/2010/main" xmlns="" w="9525">
                   <a:solidFill>
                     <a:srgbClr val="000000"/>
                   </a:solidFill>
@@ -4710,7 +4717,7 @@
             </a:ln>
             <a:extLst>
               <a:ext uri="{91240B29-F687-4f45-9708-019B960494DF}">
-                <a14:hiddenLine xmlns="" xmlns:a14="http://schemas.microsoft.com/office/drawing/2010/main" w="9525">
+                <a14:hiddenLine xmlns:a14="http://schemas.microsoft.com/office/drawing/2010/main" xmlns="" w="9525">
                   <a:solidFill>
                     <a:srgbClr val="000000"/>
                   </a:solidFill>
@@ -4830,7 +4837,7 @@
             </a:ln>
             <a:extLst>
               <a:ext uri="{91240B29-F687-4f45-9708-019B960494DF}">
-                <a14:hiddenLine xmlns="" xmlns:a14="http://schemas.microsoft.com/office/drawing/2010/main" w="9525">
+                <a14:hiddenLine xmlns:a14="http://schemas.microsoft.com/office/drawing/2010/main" xmlns="" w="9525">
                   <a:solidFill>
                     <a:srgbClr val="000000"/>
                   </a:solidFill>
@@ -4898,7 +4905,7 @@
             </a:ln>
             <a:extLst>
               <a:ext uri="{91240B29-F687-4f45-9708-019B960494DF}">
-                <a14:hiddenLine xmlns="" xmlns:a14="http://schemas.microsoft.com/office/drawing/2010/main" w="9525">
+                <a14:hiddenLine xmlns:a14="http://schemas.microsoft.com/office/drawing/2010/main" xmlns="" w="9525">
                   <a:solidFill>
                     <a:srgbClr val="000000"/>
                   </a:solidFill>
@@ -4988,7 +4995,7 @@
             </a:ln>
             <a:extLst>
               <a:ext uri="{91240B29-F687-4f45-9708-019B960494DF}">
-                <a14:hiddenLine xmlns="" xmlns:a14="http://schemas.microsoft.com/office/drawing/2010/main" w="9525">
+                <a14:hiddenLine xmlns:a14="http://schemas.microsoft.com/office/drawing/2010/main" xmlns="" w="9525">
                   <a:solidFill>
                     <a:srgbClr val="000000"/>
                   </a:solidFill>
@@ -5128,7 +5135,7 @@
           <a:p>
             <a:fld id="{48A87A34-81AB-432B-8DAE-1953F412C126}" type="datetimeFigureOut">
               <a:rPr lang="en-US" smtClean="0"/>
-              <a:t>1/26/2021</a:t>
+              <a:t>2/20/2021</a:t>
             </a:fld>
             <a:endParaRPr lang="en-US" dirty="0"/>
           </a:p>
@@ -5395,7 +5402,7 @@
           <a:p>
             <a:fld id="{48A87A34-81AB-432B-8DAE-1953F412C126}" type="datetimeFigureOut">
               <a:rPr lang="en-US" smtClean="0"/>
-              <a:t>1/26/2021</a:t>
+              <a:t>2/20/2021</a:t>
             </a:fld>
             <a:endParaRPr lang="en-US" dirty="0"/>
           </a:p>
@@ -5591,7 +5598,7 @@
           <a:p>
             <a:fld id="{48A87A34-81AB-432B-8DAE-1953F412C126}" type="datetimeFigureOut">
               <a:rPr lang="en-US" smtClean="0"/>
-              <a:t>1/26/2021</a:t>
+              <a:t>2/20/2021</a:t>
             </a:fld>
             <a:endParaRPr lang="en-US" dirty="0"/>
           </a:p>
@@ -5854,7 +5861,7 @@
           <a:p>
             <a:fld id="{48A87A34-81AB-432B-8DAE-1953F412C126}" type="datetimeFigureOut">
               <a:rPr lang="en-US" smtClean="0"/>
-              <a:t>1/26/2021</a:t>
+              <a:t>2/20/2021</a:t>
             </a:fld>
             <a:endParaRPr lang="en-US" dirty="0"/>
           </a:p>
@@ -6288,7 +6295,7 @@
           <a:p>
             <a:fld id="{48A87A34-81AB-432B-8DAE-1953F412C126}" type="datetimeFigureOut">
               <a:rPr lang="en-US" smtClean="0"/>
-              <a:t>1/26/2021</a:t>
+              <a:t>2/20/2021</a:t>
             </a:fld>
             <a:endParaRPr lang="en-US" dirty="0"/>
           </a:p>
@@ -6834,7 +6841,7 @@
           <a:p>
             <a:fld id="{48A87A34-81AB-432B-8DAE-1953F412C126}" type="datetimeFigureOut">
               <a:rPr lang="en-US" smtClean="0"/>
-              <a:t>1/26/2021</a:t>
+              <a:t>2/20/2021</a:t>
             </a:fld>
             <a:endParaRPr lang="en-US" dirty="0"/>
           </a:p>
@@ -7554,7 +7561,7 @@
           <a:p>
             <a:fld id="{48A87A34-81AB-432B-8DAE-1953F412C126}" type="datetimeFigureOut">
               <a:rPr lang="en-US" smtClean="0"/>
-              <a:t>1/26/2021</a:t>
+              <a:t>2/20/2021</a:t>
             </a:fld>
             <a:endParaRPr lang="en-US" dirty="0"/>
           </a:p>
@@ -7724,7 +7731,7 @@
           <a:p>
             <a:fld id="{48A87A34-81AB-432B-8DAE-1953F412C126}" type="datetimeFigureOut">
               <a:rPr lang="en-US" smtClean="0"/>
-              <a:t>1/26/2021</a:t>
+              <a:t>2/20/2021</a:t>
             </a:fld>
             <a:endParaRPr lang="en-US" dirty="0"/>
           </a:p>
@@ -7904,7 +7911,7 @@
           <a:p>
             <a:fld id="{48A87A34-81AB-432B-8DAE-1953F412C126}" type="datetimeFigureOut">
               <a:rPr lang="en-US" smtClean="0"/>
-              <a:t>1/26/2021</a:t>
+              <a:t>2/20/2021</a:t>
             </a:fld>
             <a:endParaRPr lang="en-US" dirty="0"/>
           </a:p>
@@ -8074,7 +8081,7 @@
           <a:p>
             <a:fld id="{48A87A34-81AB-432B-8DAE-1953F412C126}" type="datetimeFigureOut">
               <a:rPr lang="en-US" smtClean="0"/>
-              <a:t>1/26/2021</a:t>
+              <a:t>2/20/2021</a:t>
             </a:fld>
             <a:endParaRPr lang="en-US" dirty="0"/>
           </a:p>
@@ -8324,7 +8331,7 @@
           <a:p>
             <a:fld id="{48A87A34-81AB-432B-8DAE-1953F412C126}" type="datetimeFigureOut">
               <a:rPr lang="en-US" smtClean="0"/>
-              <a:t>1/26/2021</a:t>
+              <a:t>2/20/2021</a:t>
             </a:fld>
             <a:endParaRPr lang="en-US" dirty="0"/>
           </a:p>
@@ -8556,7 +8563,7 @@
           <a:p>
             <a:fld id="{48A87A34-81AB-432B-8DAE-1953F412C126}" type="datetimeFigureOut">
               <a:rPr lang="en-US" smtClean="0"/>
-              <a:t>1/26/2021</a:t>
+              <a:t>2/20/2021</a:t>
             </a:fld>
             <a:endParaRPr lang="en-US" dirty="0"/>
           </a:p>
@@ -8937,7 +8944,7 @@
           <a:p>
             <a:fld id="{48A87A34-81AB-432B-8DAE-1953F412C126}" type="datetimeFigureOut">
               <a:rPr lang="en-US" smtClean="0"/>
-              <a:t>1/26/2021</a:t>
+              <a:t>2/20/2021</a:t>
             </a:fld>
             <a:endParaRPr lang="en-US" dirty="0"/>
           </a:p>
@@ -9055,7 +9062,7 @@
           <a:p>
             <a:fld id="{48A87A34-81AB-432B-8DAE-1953F412C126}" type="datetimeFigureOut">
               <a:rPr lang="en-US" smtClean="0"/>
-              <a:t>1/26/2021</a:t>
+              <a:t>2/20/2021</a:t>
             </a:fld>
             <a:endParaRPr lang="en-US" dirty="0"/>
           </a:p>
@@ -9150,7 +9157,7 @@
           <a:p>
             <a:fld id="{48A87A34-81AB-432B-8DAE-1953F412C126}" type="datetimeFigureOut">
               <a:rPr lang="en-US" smtClean="0"/>
-              <a:t>1/26/2021</a:t>
+              <a:t>2/20/2021</a:t>
             </a:fld>
             <a:endParaRPr lang="en-US" dirty="0"/>
           </a:p>
@@ -9399,7 +9406,7 @@
           <a:p>
             <a:fld id="{48A87A34-81AB-432B-8DAE-1953F412C126}" type="datetimeFigureOut">
               <a:rPr lang="en-US" smtClean="0"/>
-              <a:t>1/26/2021</a:t>
+              <a:t>2/20/2021</a:t>
             </a:fld>
             <a:endParaRPr lang="en-US" dirty="0"/>
           </a:p>
@@ -9679,7 +9686,7 @@
           <a:p>
             <a:fld id="{48A87A34-81AB-432B-8DAE-1953F412C126}" type="datetimeFigureOut">
               <a:rPr lang="en-US" smtClean="0"/>
-              <a:t>1/26/2021</a:t>
+              <a:t>2/20/2021</a:t>
             </a:fld>
             <a:endParaRPr lang="en-US" dirty="0"/>
           </a:p>
@@ -9802,7 +9809,7 @@
           <a:noFill/>
           <a:extLst>
             <a:ext uri="{909E8E84-426E-40dd-AFC4-6F175D3DCCD1}">
-              <a14:hiddenFill xmlns="" xmlns:a14="http://schemas.microsoft.com/office/drawing/2010/main">
+              <a14:hiddenFill xmlns:a14="http://schemas.microsoft.com/office/drawing/2010/main" xmlns="">
                 <a:solidFill>
                   <a:srgbClr val="FFFFFF"/>
                 </a:solidFill>
@@ -9876,7 +9883,7 @@
               </a:ln>
               <a:extLst>
                 <a:ext uri="{91240B29-F687-4f45-9708-019B960494DF}">
-                  <a14:hiddenLine xmlns="" xmlns:a14="http://schemas.microsoft.com/office/drawing/2010/main" w="9525">
+                  <a14:hiddenLine xmlns:a14="http://schemas.microsoft.com/office/drawing/2010/main" xmlns="" w="9525">
                     <a:solidFill>
                       <a:srgbClr val="000000"/>
                     </a:solidFill>
@@ -9966,7 +9973,7 @@
               </a:ln>
               <a:extLst>
                 <a:ext uri="{91240B29-F687-4f45-9708-019B960494DF}">
-                  <a14:hiddenLine xmlns="" xmlns:a14="http://schemas.microsoft.com/office/drawing/2010/main" w="9525">
+                  <a14:hiddenLine xmlns:a14="http://schemas.microsoft.com/office/drawing/2010/main" xmlns="" w="9525">
                     <a:solidFill>
                       <a:srgbClr val="000000"/>
                     </a:solidFill>
@@ -10056,7 +10063,7 @@
               </a:ln>
               <a:extLst>
                 <a:ext uri="{91240B29-F687-4f45-9708-019B960494DF}">
-                  <a14:hiddenLine xmlns="" xmlns:a14="http://schemas.microsoft.com/office/drawing/2010/main" w="9525">
+                  <a14:hiddenLine xmlns:a14="http://schemas.microsoft.com/office/drawing/2010/main" xmlns="" w="9525">
                     <a:solidFill>
                       <a:srgbClr val="000000"/>
                     </a:solidFill>
@@ -10118,7 +10125,7 @@
               </a:ln>
               <a:extLst>
                 <a:ext uri="{91240B29-F687-4f45-9708-019B960494DF}">
-                  <a14:hiddenLine xmlns="" xmlns:a14="http://schemas.microsoft.com/office/drawing/2010/main" w="9525">
+                  <a14:hiddenLine xmlns:a14="http://schemas.microsoft.com/office/drawing/2010/main" xmlns="" w="9525">
                     <a:solidFill>
                       <a:srgbClr val="000000"/>
                     </a:solidFill>
@@ -10208,7 +10215,7 @@
               </a:ln>
               <a:extLst>
                 <a:ext uri="{91240B29-F687-4f45-9708-019B960494DF}">
-                  <a14:hiddenLine xmlns="" xmlns:a14="http://schemas.microsoft.com/office/drawing/2010/main" w="9525">
+                  <a14:hiddenLine xmlns:a14="http://schemas.microsoft.com/office/drawing/2010/main" xmlns="" w="9525">
                     <a:solidFill>
                       <a:srgbClr val="000000"/>
                     </a:solidFill>
@@ -10270,7 +10277,7 @@
               </a:ln>
               <a:extLst>
                 <a:ext uri="{91240B29-F687-4f45-9708-019B960494DF}">
-                  <a14:hiddenLine xmlns="" xmlns:a14="http://schemas.microsoft.com/office/drawing/2010/main" w="9525">
+                  <a14:hiddenLine xmlns:a14="http://schemas.microsoft.com/office/drawing/2010/main" xmlns="" w="9525">
                     <a:solidFill>
                       <a:srgbClr val="000000"/>
                     </a:solidFill>
@@ -10332,7 +10339,7 @@
               </a:ln>
               <a:extLst>
                 <a:ext uri="{91240B29-F687-4f45-9708-019B960494DF}">
-                  <a14:hiddenLine xmlns="" xmlns:a14="http://schemas.microsoft.com/office/drawing/2010/main" w="9525">
+                  <a14:hiddenLine xmlns:a14="http://schemas.microsoft.com/office/drawing/2010/main" xmlns="" w="9525">
                     <a:solidFill>
                       <a:srgbClr val="000000"/>
                     </a:solidFill>
@@ -10422,7 +10429,7 @@
               </a:ln>
               <a:extLst>
                 <a:ext uri="{91240B29-F687-4f45-9708-019B960494DF}">
-                  <a14:hiddenLine xmlns="" xmlns:a14="http://schemas.microsoft.com/office/drawing/2010/main" w="9525">
+                  <a14:hiddenLine xmlns:a14="http://schemas.microsoft.com/office/drawing/2010/main" xmlns="" w="9525">
                     <a:solidFill>
                       <a:srgbClr val="000000"/>
                     </a:solidFill>
@@ -10512,7 +10519,7 @@
               </a:ln>
               <a:extLst>
                 <a:ext uri="{91240B29-F687-4f45-9708-019B960494DF}">
-                  <a14:hiddenLine xmlns="" xmlns:a14="http://schemas.microsoft.com/office/drawing/2010/main" w="9525">
+                  <a14:hiddenLine xmlns:a14="http://schemas.microsoft.com/office/drawing/2010/main" xmlns="" w="9525">
                     <a:solidFill>
                       <a:srgbClr val="000000"/>
                     </a:solidFill>
@@ -10574,7 +10581,7 @@
               </a:ln>
               <a:extLst>
                 <a:ext uri="{91240B29-F687-4f45-9708-019B960494DF}">
-                  <a14:hiddenLine xmlns="" xmlns:a14="http://schemas.microsoft.com/office/drawing/2010/main" w="9525">
+                  <a14:hiddenLine xmlns:a14="http://schemas.microsoft.com/office/drawing/2010/main" xmlns="" w="9525">
                     <a:solidFill>
                       <a:srgbClr val="000000"/>
                     </a:solidFill>
@@ -10684,7 +10691,7 @@
               </a:ln>
               <a:extLst>
                 <a:ext uri="{91240B29-F687-4f45-9708-019B960494DF}">
-                  <a14:hiddenLine xmlns="" xmlns:a14="http://schemas.microsoft.com/office/drawing/2010/main" w="9525">
+                  <a14:hiddenLine xmlns:a14="http://schemas.microsoft.com/office/drawing/2010/main" xmlns="" w="9525">
                     <a:solidFill>
                       <a:srgbClr val="000000"/>
                     </a:solidFill>
@@ -10768,7 +10775,7 @@
               </a:ln>
               <a:extLst>
                 <a:ext uri="{91240B29-F687-4f45-9708-019B960494DF}">
-                  <a14:hiddenLine xmlns="" xmlns:a14="http://schemas.microsoft.com/office/drawing/2010/main" w="9525">
+                  <a14:hiddenLine xmlns:a14="http://schemas.microsoft.com/office/drawing/2010/main" xmlns="" w="9525">
                     <a:solidFill>
                       <a:srgbClr val="000000"/>
                     </a:solidFill>
@@ -10830,7 +10837,7 @@
               </a:ln>
               <a:extLst>
                 <a:ext uri="{91240B29-F687-4f45-9708-019B960494DF}">
-                  <a14:hiddenLine xmlns="" xmlns:a14="http://schemas.microsoft.com/office/drawing/2010/main" w="9525">
+                  <a14:hiddenLine xmlns:a14="http://schemas.microsoft.com/office/drawing/2010/main" xmlns="" w="9525">
                     <a:solidFill>
                       <a:srgbClr val="000000"/>
                     </a:solidFill>
@@ -10892,7 +10899,7 @@
               </a:ln>
               <a:extLst>
                 <a:ext uri="{91240B29-F687-4f45-9708-019B960494DF}">
-                  <a14:hiddenLine xmlns="" xmlns:a14="http://schemas.microsoft.com/office/drawing/2010/main" w="9525">
+                  <a14:hiddenLine xmlns:a14="http://schemas.microsoft.com/office/drawing/2010/main" xmlns="" w="9525">
                     <a:solidFill>
                       <a:srgbClr val="000000"/>
                     </a:solidFill>
@@ -10982,7 +10989,7 @@
               </a:ln>
               <a:extLst>
                 <a:ext uri="{91240B29-F687-4f45-9708-019B960494DF}">
-                  <a14:hiddenLine xmlns="" xmlns:a14="http://schemas.microsoft.com/office/drawing/2010/main" w="9525">
+                  <a14:hiddenLine xmlns:a14="http://schemas.microsoft.com/office/drawing/2010/main" xmlns="" w="9525">
                     <a:solidFill>
                       <a:srgbClr val="000000"/>
                     </a:solidFill>
@@ -11016,7 +11023,7 @@
               </a:ln>
               <a:extLst>
                 <a:ext uri="{91240B29-F687-4f45-9708-019B960494DF}">
-                  <a14:hiddenLine xmlns="" xmlns:a14="http://schemas.microsoft.com/office/drawing/2010/main" w="9525">
+                  <a14:hiddenLine xmlns:a14="http://schemas.microsoft.com/office/drawing/2010/main" xmlns="" w="9525">
                     <a:solidFill>
                       <a:srgbClr val="000000"/>
                     </a:solidFill>
@@ -11081,7 +11088,7 @@
               </a:ln>
               <a:extLst>
                 <a:ext uri="{91240B29-F687-4f45-9708-019B960494DF}">
-                  <a14:hiddenLine xmlns="" xmlns:a14="http://schemas.microsoft.com/office/drawing/2010/main" w="9525">
+                  <a14:hiddenLine xmlns:a14="http://schemas.microsoft.com/office/drawing/2010/main" xmlns="" w="9525">
                     <a:solidFill>
                       <a:srgbClr val="000000"/>
                     </a:solidFill>
@@ -11171,7 +11178,7 @@
               </a:ln>
               <a:extLst>
                 <a:ext uri="{91240B29-F687-4f45-9708-019B960494DF}">
-                  <a14:hiddenLine xmlns="" xmlns:a14="http://schemas.microsoft.com/office/drawing/2010/main" w="9525">
+                  <a14:hiddenLine xmlns:a14="http://schemas.microsoft.com/office/drawing/2010/main" xmlns="" w="9525">
                     <a:solidFill>
                       <a:srgbClr val="000000"/>
                     </a:solidFill>
@@ -11233,7 +11240,7 @@
               </a:ln>
               <a:extLst>
                 <a:ext uri="{91240B29-F687-4f45-9708-019B960494DF}">
-                  <a14:hiddenLine xmlns="" xmlns:a14="http://schemas.microsoft.com/office/drawing/2010/main" w="9525">
+                  <a14:hiddenLine xmlns:a14="http://schemas.microsoft.com/office/drawing/2010/main" xmlns="" w="9525">
                     <a:solidFill>
                       <a:srgbClr val="000000"/>
                     </a:solidFill>
@@ -11323,7 +11330,7 @@
               </a:ln>
               <a:extLst>
                 <a:ext uri="{91240B29-F687-4f45-9708-019B960494DF}">
-                  <a14:hiddenLine xmlns="" xmlns:a14="http://schemas.microsoft.com/office/drawing/2010/main" w="9525">
+                  <a14:hiddenLine xmlns:a14="http://schemas.microsoft.com/office/drawing/2010/main" xmlns="" w="9525">
                     <a:solidFill>
                       <a:srgbClr val="000000"/>
                     </a:solidFill>
@@ -11388,7 +11395,7 @@
               </a:ln>
               <a:extLst>
                 <a:ext uri="{91240B29-F687-4f45-9708-019B960494DF}">
-                  <a14:hiddenLine xmlns="" xmlns:a14="http://schemas.microsoft.com/office/drawing/2010/main" w="9525">
+                  <a14:hiddenLine xmlns:a14="http://schemas.microsoft.com/office/drawing/2010/main" xmlns="" w="9525">
                     <a:solidFill>
                       <a:srgbClr val="000000"/>
                     </a:solidFill>
@@ -11450,7 +11457,7 @@
               </a:ln>
               <a:extLst>
                 <a:ext uri="{91240B29-F687-4f45-9708-019B960494DF}">
-                  <a14:hiddenLine xmlns="" xmlns:a14="http://schemas.microsoft.com/office/drawing/2010/main" w="9525">
+                  <a14:hiddenLine xmlns:a14="http://schemas.microsoft.com/office/drawing/2010/main" xmlns="" w="9525">
                     <a:solidFill>
                       <a:srgbClr val="000000"/>
                     </a:solidFill>
@@ -11540,7 +11547,7 @@
               </a:ln>
               <a:extLst>
                 <a:ext uri="{91240B29-F687-4f45-9708-019B960494DF}">
-                  <a14:hiddenLine xmlns="" xmlns:a14="http://schemas.microsoft.com/office/drawing/2010/main" w="9525">
+                  <a14:hiddenLine xmlns:a14="http://schemas.microsoft.com/office/drawing/2010/main" xmlns="" w="9525">
                     <a:solidFill>
                       <a:srgbClr val="000000"/>
                     </a:solidFill>
@@ -11630,7 +11637,7 @@
               </a:ln>
               <a:extLst>
                 <a:ext uri="{91240B29-F687-4f45-9708-019B960494DF}">
-                  <a14:hiddenLine xmlns="" xmlns:a14="http://schemas.microsoft.com/office/drawing/2010/main" w="9525">
+                  <a14:hiddenLine xmlns:a14="http://schemas.microsoft.com/office/drawing/2010/main" xmlns="" w="9525">
                     <a:solidFill>
                       <a:srgbClr val="000000"/>
                     </a:solidFill>
@@ -11695,7 +11702,7 @@
               </a:ln>
               <a:extLst>
                 <a:ext uri="{91240B29-F687-4f45-9708-019B960494DF}">
-                  <a14:hiddenLine xmlns="" xmlns:a14="http://schemas.microsoft.com/office/drawing/2010/main" w="9525">
+                  <a14:hiddenLine xmlns:a14="http://schemas.microsoft.com/office/drawing/2010/main" xmlns="" w="9525">
                     <a:solidFill>
                       <a:srgbClr val="000000"/>
                     </a:solidFill>
@@ -11815,7 +11822,7 @@
               </a:ln>
               <a:extLst>
                 <a:ext uri="{91240B29-F687-4f45-9708-019B960494DF}">
-                  <a14:hiddenLine xmlns="" xmlns:a14="http://schemas.microsoft.com/office/drawing/2010/main" w="9525">
+                  <a14:hiddenLine xmlns:a14="http://schemas.microsoft.com/office/drawing/2010/main" xmlns="" w="9525">
                     <a:solidFill>
                       <a:srgbClr val="000000"/>
                     </a:solidFill>
@@ -11896,7 +11903,7 @@
               </a:ln>
               <a:extLst>
                 <a:ext uri="{91240B29-F687-4f45-9708-019B960494DF}">
-                  <a14:hiddenLine xmlns="" xmlns:a14="http://schemas.microsoft.com/office/drawing/2010/main" w="9525">
+                  <a14:hiddenLine xmlns:a14="http://schemas.microsoft.com/office/drawing/2010/main" xmlns="" w="9525">
                     <a:solidFill>
                       <a:srgbClr val="000000"/>
                     </a:solidFill>
@@ -12011,7 +12018,7 @@
               </a:ln>
               <a:extLst>
                 <a:ext uri="{91240B29-F687-4f45-9708-019B960494DF}">
-                  <a14:hiddenLine xmlns="" xmlns:a14="http://schemas.microsoft.com/office/drawing/2010/main" w="9525">
+                  <a14:hiddenLine xmlns:a14="http://schemas.microsoft.com/office/drawing/2010/main" xmlns="" w="9525">
                     <a:solidFill>
                       <a:srgbClr val="000000"/>
                     </a:solidFill>
@@ -12101,7 +12108,7 @@
               </a:ln>
               <a:extLst>
                 <a:ext uri="{91240B29-F687-4f45-9708-019B960494DF}">
-                  <a14:hiddenLine xmlns="" xmlns:a14="http://schemas.microsoft.com/office/drawing/2010/main" w="9525">
+                  <a14:hiddenLine xmlns:a14="http://schemas.microsoft.com/office/drawing/2010/main" xmlns="" w="9525">
                     <a:solidFill>
                       <a:srgbClr val="000000"/>
                     </a:solidFill>
@@ -12166,7 +12173,7 @@
               </a:ln>
               <a:extLst>
                 <a:ext uri="{91240B29-F687-4f45-9708-019B960494DF}">
-                  <a14:hiddenLine xmlns="" xmlns:a14="http://schemas.microsoft.com/office/drawing/2010/main" w="9525">
+                  <a14:hiddenLine xmlns:a14="http://schemas.microsoft.com/office/drawing/2010/main" xmlns="" w="9525">
                     <a:solidFill>
                       <a:srgbClr val="000000"/>
                     </a:solidFill>
@@ -12256,7 +12263,7 @@
               </a:ln>
               <a:extLst>
                 <a:ext uri="{91240B29-F687-4f45-9708-019B960494DF}">
-                  <a14:hiddenLine xmlns="" xmlns:a14="http://schemas.microsoft.com/office/drawing/2010/main" w="9525">
+                  <a14:hiddenLine xmlns:a14="http://schemas.microsoft.com/office/drawing/2010/main" xmlns="" w="9525">
                     <a:solidFill>
                       <a:srgbClr val="000000"/>
                     </a:solidFill>
@@ -12324,7 +12331,7 @@
               </a:ln>
               <a:extLst>
                 <a:ext uri="{91240B29-F687-4f45-9708-019B960494DF}">
-                  <a14:hiddenLine xmlns="" xmlns:a14="http://schemas.microsoft.com/office/drawing/2010/main" w="9525">
+                  <a14:hiddenLine xmlns:a14="http://schemas.microsoft.com/office/drawing/2010/main" xmlns="" w="9525">
                     <a:solidFill>
                       <a:srgbClr val="000000"/>
                     </a:solidFill>
@@ -12414,7 +12421,7 @@
               </a:ln>
               <a:extLst>
                 <a:ext uri="{91240B29-F687-4f45-9708-019B960494DF}">
-                  <a14:hiddenLine xmlns="" xmlns:a14="http://schemas.microsoft.com/office/drawing/2010/main" w="9525">
+                  <a14:hiddenLine xmlns:a14="http://schemas.microsoft.com/office/drawing/2010/main" xmlns="" w="9525">
                     <a:solidFill>
                       <a:srgbClr val="000000"/>
                     </a:solidFill>
@@ -12482,7 +12489,7 @@
               </a:ln>
               <a:extLst>
                 <a:ext uri="{91240B29-F687-4f45-9708-019B960494DF}">
-                  <a14:hiddenLine xmlns="" xmlns:a14="http://schemas.microsoft.com/office/drawing/2010/main" w="9525">
+                  <a14:hiddenLine xmlns:a14="http://schemas.microsoft.com/office/drawing/2010/main" xmlns="" w="9525">
                     <a:solidFill>
                       <a:srgbClr val="000000"/>
                     </a:solidFill>
@@ -12572,7 +12579,7 @@
               </a:ln>
               <a:extLst>
                 <a:ext uri="{91240B29-F687-4f45-9708-019B960494DF}">
-                  <a14:hiddenLine xmlns="" xmlns:a14="http://schemas.microsoft.com/office/drawing/2010/main" w="9525">
+                  <a14:hiddenLine xmlns:a14="http://schemas.microsoft.com/office/drawing/2010/main" xmlns="" w="9525">
                     <a:solidFill>
                       <a:srgbClr val="000000"/>
                     </a:solidFill>
@@ -12606,7 +12613,7 @@
               </a:ln>
               <a:extLst>
                 <a:ext uri="{91240B29-F687-4f45-9708-019B960494DF}">
-                  <a14:hiddenLine xmlns="" xmlns:a14="http://schemas.microsoft.com/office/drawing/2010/main" w="9525">
+                  <a14:hiddenLine xmlns:a14="http://schemas.microsoft.com/office/drawing/2010/main" xmlns="" w="9525">
                     <a:solidFill>
                       <a:srgbClr val="000000"/>
                     </a:solidFill>
@@ -12747,7 +12754,7 @@
             <a:fld id="{48A87A34-81AB-432B-8DAE-1953F412C126}" type="datetimeFigureOut">
               <a:rPr lang="en-US" smtClean="0"/>
               <a:pPr/>
-              <a:t>1/26/2021</a:t>
+              <a:t>2/20/2021</a:t>
             </a:fld>
             <a:endParaRPr lang="en-US" dirty="0"/>
           </a:p>
@@ -13341,7 +13348,7 @@
             <a:noFill/>
             <a:extLst>
               <a:ext uri="{909E8E84-426E-40dd-AFC4-6F175D3DCCD1}">
-                <a14:hiddenFill xmlns="" xmlns:a16="http://schemas.microsoft.com/office/drawing/2014/main" xmlns:a14="http://schemas.microsoft.com/office/drawing/2010/main" xmlns:p14="http://schemas.microsoft.com/office/powerpoint/2010/main">
+                <a14:hiddenFill xmlns:p14="http://schemas.microsoft.com/office/powerpoint/2010/main" xmlns:a14="http://schemas.microsoft.com/office/drawing/2010/main" xmlns:a16="http://schemas.microsoft.com/office/drawing/2014/main" xmlns="">
                   <a:solidFill>
                     <a:srgbClr val="FFFFFF"/>
                   </a:solidFill>
@@ -15622,6 +15629,1455 @@
           <p:cNvPr id="2" name="Title 1">
             <a:extLst>
               <a:ext uri="{FF2B5EF4-FFF2-40B4-BE49-F238E27FC236}">
+                <a16:creationId xmlns:a16="http://schemas.microsoft.com/office/drawing/2014/main" id="{7401FFD5-704F-4BD8-ABE9-3389E9942F84}"/>
+              </a:ext>
+            </a:extLst>
+          </p:cNvPr>
+          <p:cNvSpPr>
+            <a:spLocks noGrp="1"/>
+          </p:cNvSpPr>
+          <p:nvPr>
+            <p:ph type="title"/>
+          </p:nvPr>
+        </p:nvSpPr>
+        <p:spPr>
+          <a:xfrm>
+            <a:off x="1042049" y="-243314"/>
+            <a:ext cx="9905998" cy="1478570"/>
+          </a:xfrm>
+        </p:spPr>
+        <p:txBody>
+          <a:bodyPr/>
+          <a:lstStyle/>
+          <a:p>
+            <a:r>
+              <a:rPr lang="en-US" dirty="0"/>
+              <a:t>Supervised Machine learning (simplified)</a:t>
+            </a:r>
+          </a:p>
+        </p:txBody>
+      </p:sp>
+      <p:grpSp>
+        <p:nvGrpSpPr>
+          <p:cNvPr id="37" name="Group 36">
+            <a:extLst>
+              <a:ext uri="{FF2B5EF4-FFF2-40B4-BE49-F238E27FC236}">
+                <a16:creationId xmlns:a16="http://schemas.microsoft.com/office/drawing/2014/main" id="{8E5D0662-DB93-44AB-A2F7-8A79732412BA}"/>
+              </a:ext>
+            </a:extLst>
+          </p:cNvPr>
+          <p:cNvGrpSpPr/>
+          <p:nvPr/>
+        </p:nvGrpSpPr>
+        <p:grpSpPr>
+          <a:xfrm>
+            <a:off x="5114786" y="1776408"/>
+            <a:ext cx="3305184" cy="3305184"/>
+            <a:chOff x="8886816" y="2743047"/>
+            <a:chExt cx="3305184" cy="3305184"/>
+          </a:xfrm>
+        </p:grpSpPr>
+        <p:pic>
+          <p:nvPicPr>
+            <p:cNvPr id="31" name="Picture 30">
+              <a:extLst>
+                <a:ext uri="{FF2B5EF4-FFF2-40B4-BE49-F238E27FC236}">
+                  <a16:creationId xmlns:a16="http://schemas.microsoft.com/office/drawing/2014/main" id="{2C964BBE-11B4-41C3-9FEF-7C6239DD063D}"/>
+                </a:ext>
+              </a:extLst>
+            </p:cNvPr>
+            <p:cNvPicPr>
+              <a:picLocks noChangeAspect="1"/>
+            </p:cNvPicPr>
+            <p:nvPr/>
+          </p:nvPicPr>
+          <p:blipFill>
+            <a:blip r:embed="rId2">
+              <a:extLst>
+                <a:ext uri="{BEBA8EAE-BF5A-486C-A8C5-ECC9F3942E4B}">
+                  <a14:imgProps xmlns:a14="http://schemas.microsoft.com/office/drawing/2010/main">
+                    <a14:imgLayer r:embed="rId3">
+                      <a14:imgEffect>
+                        <a14:colorTemperature colorTemp="2216"/>
+                      </a14:imgEffect>
+                      <a14:imgEffect>
+                        <a14:saturation sat="43000"/>
+                      </a14:imgEffect>
+                    </a14:imgLayer>
+                  </a14:imgProps>
+                </a:ext>
+                <a:ext uri="{837473B0-CC2E-450A-ABE3-18F120FF3D39}">
+                  <a1611:picAttrSrcUrl xmlns:a1611="http://schemas.microsoft.com/office/drawing/2016/11/main" r:id="rId4"/>
+                </a:ext>
+              </a:extLst>
+            </a:blip>
+            <a:stretch>
+              <a:fillRect/>
+            </a:stretch>
+          </p:blipFill>
+          <p:spPr>
+            <a:xfrm>
+              <a:off x="8886816" y="2743047"/>
+              <a:ext cx="3305184" cy="3305184"/>
+            </a:xfrm>
+            <a:prstGeom prst="rect">
+              <a:avLst/>
+            </a:prstGeom>
+            <a:effectLst>
+              <a:glow rad="127000">
+                <a:schemeClr val="accent1">
+                  <a:alpha val="14000"/>
+                </a:schemeClr>
+              </a:glow>
+            </a:effectLst>
+          </p:spPr>
+        </p:pic>
+        <p:sp>
+          <p:nvSpPr>
+            <p:cNvPr id="35" name="Flowchart: Connector 34">
+              <a:extLst>
+                <a:ext uri="{FF2B5EF4-FFF2-40B4-BE49-F238E27FC236}">
+                  <a16:creationId xmlns:a16="http://schemas.microsoft.com/office/drawing/2014/main" id="{55838AC1-DD56-4813-879D-D7B284A40D0B}"/>
+                </a:ext>
+              </a:extLst>
+            </p:cNvPr>
+            <p:cNvSpPr/>
+            <p:nvPr/>
+          </p:nvSpPr>
+          <p:spPr>
+            <a:xfrm>
+              <a:off x="10079182" y="5133831"/>
+              <a:ext cx="228600" cy="227878"/>
+            </a:xfrm>
+            <a:prstGeom prst="flowChartConnector">
+              <a:avLst/>
+            </a:prstGeom>
+            <a:solidFill>
+              <a:srgbClr val="FFFF00"/>
+            </a:solidFill>
+          </p:spPr>
+          <p:style>
+            <a:lnRef idx="2">
+              <a:schemeClr val="accent1">
+                <a:shade val="50000"/>
+              </a:schemeClr>
+            </a:lnRef>
+            <a:fillRef idx="1">
+              <a:schemeClr val="accent1"/>
+            </a:fillRef>
+            <a:effectRef idx="0">
+              <a:schemeClr val="accent1"/>
+            </a:effectRef>
+            <a:fontRef idx="minor">
+              <a:schemeClr val="lt1"/>
+            </a:fontRef>
+          </p:style>
+          <p:txBody>
+            <a:bodyPr rtlCol="0" anchor="ctr"/>
+            <a:lstStyle/>
+            <a:p>
+              <a:pPr algn="ctr"/>
+              <a:endParaRPr lang="en-US"/>
+            </a:p>
+          </p:txBody>
+        </p:sp>
+      </p:grpSp>
+      <p:grpSp>
+        <p:nvGrpSpPr>
+          <p:cNvPr id="3" name="Group 2">
+            <a:extLst>
+              <a:ext uri="{FF2B5EF4-FFF2-40B4-BE49-F238E27FC236}">
+                <a16:creationId xmlns:a16="http://schemas.microsoft.com/office/drawing/2014/main" id="{D2206E3B-B0B0-4980-9FF6-449DA725C181}"/>
+              </a:ext>
+            </a:extLst>
+          </p:cNvPr>
+          <p:cNvGrpSpPr/>
+          <p:nvPr/>
+        </p:nvGrpSpPr>
+        <p:grpSpPr>
+          <a:xfrm>
+            <a:off x="2028870" y="1552362"/>
+            <a:ext cx="2489734" cy="3581622"/>
+            <a:chOff x="4538993" y="1717598"/>
+            <a:chExt cx="2078485" cy="3427522"/>
+          </a:xfrm>
+        </p:grpSpPr>
+        <p:sp>
+          <p:nvSpPr>
+            <p:cNvPr id="21" name="Rectangle 20">
+              <a:extLst>
+                <a:ext uri="{FF2B5EF4-FFF2-40B4-BE49-F238E27FC236}">
+                  <a16:creationId xmlns:a16="http://schemas.microsoft.com/office/drawing/2014/main" id="{20428E07-B38C-41D8-A385-5EB15214B03A}"/>
+                </a:ext>
+              </a:extLst>
+            </p:cNvPr>
+            <p:cNvSpPr/>
+            <p:nvPr/>
+          </p:nvSpPr>
+          <p:spPr>
+            <a:xfrm>
+              <a:off x="4538993" y="1717598"/>
+              <a:ext cx="2038368" cy="1197262"/>
+            </a:xfrm>
+            <a:prstGeom prst="rect">
+              <a:avLst/>
+            </a:prstGeom>
+          </p:spPr>
+          <p:style>
+            <a:lnRef idx="2">
+              <a:schemeClr val="accent1">
+                <a:shade val="50000"/>
+              </a:schemeClr>
+            </a:lnRef>
+            <a:fillRef idx="1">
+              <a:schemeClr val="accent1"/>
+            </a:fillRef>
+            <a:effectRef idx="0">
+              <a:schemeClr val="accent1"/>
+            </a:effectRef>
+            <a:fontRef idx="minor">
+              <a:schemeClr val="lt1"/>
+            </a:fontRef>
+          </p:style>
+          <p:txBody>
+            <a:bodyPr rtlCol="0" anchor="ctr"/>
+            <a:lstStyle/>
+            <a:p>
+              <a:pPr algn="ctr"/>
+              <a:r>
+                <a:rPr lang="en-US" dirty="0">
+                  <a:solidFill>
+                    <a:schemeClr val="bg1"/>
+                  </a:solidFill>
+                </a:rPr>
+                <a:t>Update guess</a:t>
+              </a:r>
+            </a:p>
+          </p:txBody>
+        </p:sp>
+        <p:sp>
+          <p:nvSpPr>
+            <p:cNvPr id="13" name="Rectangle 12">
+              <a:extLst>
+                <a:ext uri="{FF2B5EF4-FFF2-40B4-BE49-F238E27FC236}">
+                  <a16:creationId xmlns:a16="http://schemas.microsoft.com/office/drawing/2014/main" id="{BCE79FB8-D867-4141-B8A7-19743C737DF1}"/>
+                </a:ext>
+              </a:extLst>
+            </p:cNvPr>
+            <p:cNvSpPr/>
+            <p:nvPr/>
+          </p:nvSpPr>
+          <p:spPr>
+            <a:xfrm>
+              <a:off x="4579110" y="3947858"/>
+              <a:ext cx="2038368" cy="1197262"/>
+            </a:xfrm>
+            <a:prstGeom prst="rect">
+              <a:avLst/>
+            </a:prstGeom>
+          </p:spPr>
+          <p:style>
+            <a:lnRef idx="2">
+              <a:schemeClr val="accent1">
+                <a:shade val="50000"/>
+              </a:schemeClr>
+            </a:lnRef>
+            <a:fillRef idx="1">
+              <a:schemeClr val="accent1"/>
+            </a:fillRef>
+            <a:effectRef idx="0">
+              <a:schemeClr val="accent1"/>
+            </a:effectRef>
+            <a:fontRef idx="minor">
+              <a:schemeClr val="lt1"/>
+            </a:fontRef>
+          </p:style>
+          <p:txBody>
+            <a:bodyPr rtlCol="0" anchor="ctr"/>
+            <a:lstStyle/>
+            <a:p>
+              <a:pPr algn="ctr"/>
+              <a:r>
+                <a:rPr lang="en-US" dirty="0">
+                  <a:solidFill>
+                    <a:schemeClr val="bg1"/>
+                  </a:solidFill>
+                </a:rPr>
+                <a:t>Also called the learning rate or step size</a:t>
+              </a:r>
+            </a:p>
+          </p:txBody>
+        </p:sp>
+      </p:grpSp>
+      <p:pic>
+        <p:nvPicPr>
+          <p:cNvPr id="5" name="Picture 4">
+            <a:extLst>
+              <a:ext uri="{FF2B5EF4-FFF2-40B4-BE49-F238E27FC236}">
+                <a16:creationId xmlns:a16="http://schemas.microsoft.com/office/drawing/2014/main" id="{6CC46ED1-2764-400B-9E7D-8E9F8132238D}"/>
+              </a:ext>
+            </a:extLst>
+          </p:cNvPr>
+          <p:cNvPicPr>
+            <a:picLocks noChangeAspect="1"/>
+          </p:cNvPicPr>
+          <p:nvPr/>
+        </p:nvPicPr>
+        <p:blipFill>
+          <a:blip r:embed="rId5">
+            <a:extLst>
+              <a:ext uri="{837473B0-CC2E-450A-ABE3-18F120FF3D39}">
+                <a1611:picAttrSrcUrl xmlns:a1611="http://schemas.microsoft.com/office/drawing/2016/11/main" r:id="rId6"/>
+              </a:ext>
+            </a:extLst>
+          </a:blip>
+          <a:stretch>
+            <a:fillRect/>
+          </a:stretch>
+        </p:blipFill>
+        <p:spPr>
+          <a:xfrm>
+            <a:off x="9403641" y="2000301"/>
+            <a:ext cx="2240583" cy="3133683"/>
+          </a:xfrm>
+          <a:prstGeom prst="rect">
+            <a:avLst/>
+          </a:prstGeom>
+        </p:spPr>
+      </p:pic>
+      <p:sp>
+        <p:nvSpPr>
+          <p:cNvPr id="18" name="Rectangle 17">
+            <a:extLst>
+              <a:ext uri="{FF2B5EF4-FFF2-40B4-BE49-F238E27FC236}">
+                <a16:creationId xmlns:a16="http://schemas.microsoft.com/office/drawing/2014/main" id="{B12C4A1D-29FB-4562-A906-0B71592EEF6F}"/>
+              </a:ext>
+            </a:extLst>
+          </p:cNvPr>
+          <p:cNvSpPr/>
+          <p:nvPr/>
+        </p:nvSpPr>
+        <p:spPr>
+          <a:xfrm>
+            <a:off x="8402522" y="4844929"/>
+            <a:ext cx="2441679" cy="1251090"/>
+          </a:xfrm>
+          <a:prstGeom prst="rect">
+            <a:avLst/>
+          </a:prstGeom>
+        </p:spPr>
+        <p:style>
+          <a:lnRef idx="2">
+            <a:schemeClr val="accent1">
+              <a:shade val="50000"/>
+            </a:schemeClr>
+          </a:lnRef>
+          <a:fillRef idx="1">
+            <a:schemeClr val="accent1"/>
+          </a:fillRef>
+          <a:effectRef idx="0">
+            <a:schemeClr val="accent1"/>
+          </a:effectRef>
+          <a:fontRef idx="minor">
+            <a:schemeClr val="lt1"/>
+          </a:fontRef>
+        </p:style>
+        <p:txBody>
+          <a:bodyPr rtlCol="0" anchor="ctr"/>
+          <a:lstStyle/>
+          <a:p>
+            <a:pPr algn="ctr"/>
+            <a:r>
+              <a:rPr lang="en-US" dirty="0">
+                <a:solidFill>
+                  <a:schemeClr val="bg1"/>
+                </a:solidFill>
+              </a:rPr>
+              <a:t>Small steps, learning rate must be small</a:t>
+            </a:r>
+          </a:p>
+        </p:txBody>
+      </p:sp>
+    </p:spTree>
+    <p:extLst>
+      <p:ext uri="{BB962C8B-B14F-4D97-AF65-F5344CB8AC3E}">
+        <p14:creationId xmlns:p14="http://schemas.microsoft.com/office/powerpoint/2010/main" val="2917960337"/>
+      </p:ext>
+    </p:extLst>
+  </p:cSld>
+  <p:clrMapOvr>
+    <a:masterClrMapping/>
+  </p:clrMapOvr>
+</p:sld>
+</file>
+
+<file path=ppt/slides/slide11.xml><?xml version="1.0" encoding="utf-8"?>
+<p:sld xmlns:a="http://schemas.openxmlformats.org/drawingml/2006/main" xmlns:r="http://schemas.openxmlformats.org/officeDocument/2006/relationships" xmlns:p="http://schemas.openxmlformats.org/presentationml/2006/main">
+  <p:cSld>
+    <p:spTree>
+      <p:nvGrpSpPr>
+        <p:cNvPr id="1" name=""/>
+        <p:cNvGrpSpPr/>
+        <p:nvPr/>
+      </p:nvGrpSpPr>
+      <p:grpSpPr>
+        <a:xfrm>
+          <a:off x="0" y="0"/>
+          <a:ext cx="0" cy="0"/>
+          <a:chOff x="0" y="0"/>
+          <a:chExt cx="0" cy="0"/>
+        </a:xfrm>
+      </p:grpSpPr>
+      <p:sp>
+        <p:nvSpPr>
+          <p:cNvPr id="2" name="Title 1">
+            <a:extLst>
+              <a:ext uri="{FF2B5EF4-FFF2-40B4-BE49-F238E27FC236}">
+                <a16:creationId xmlns:a16="http://schemas.microsoft.com/office/drawing/2014/main" id="{7401FFD5-704F-4BD8-ABE9-3389E9942F84}"/>
+              </a:ext>
+            </a:extLst>
+          </p:cNvPr>
+          <p:cNvSpPr>
+            <a:spLocks noGrp="1"/>
+          </p:cNvSpPr>
+          <p:nvPr>
+            <p:ph type="title"/>
+          </p:nvPr>
+        </p:nvSpPr>
+        <p:spPr>
+          <a:xfrm>
+            <a:off x="1042049" y="-243314"/>
+            <a:ext cx="9905998" cy="1478570"/>
+          </a:xfrm>
+        </p:spPr>
+        <p:txBody>
+          <a:bodyPr/>
+          <a:lstStyle/>
+          <a:p>
+            <a:r>
+              <a:rPr lang="en-US" dirty="0"/>
+              <a:t>Supervised Machine learning (simplified)</a:t>
+            </a:r>
+          </a:p>
+        </p:txBody>
+      </p:sp>
+      <p:grpSp>
+        <p:nvGrpSpPr>
+          <p:cNvPr id="37" name="Group 36">
+            <a:extLst>
+              <a:ext uri="{FF2B5EF4-FFF2-40B4-BE49-F238E27FC236}">
+                <a16:creationId xmlns:a16="http://schemas.microsoft.com/office/drawing/2014/main" id="{8E5D0662-DB93-44AB-A2F7-8A79732412BA}"/>
+              </a:ext>
+            </a:extLst>
+          </p:cNvPr>
+          <p:cNvGrpSpPr/>
+          <p:nvPr/>
+        </p:nvGrpSpPr>
+        <p:grpSpPr>
+          <a:xfrm>
+            <a:off x="7303803" y="1150860"/>
+            <a:ext cx="3305184" cy="3305184"/>
+            <a:chOff x="8886816" y="2743047"/>
+            <a:chExt cx="3305184" cy="3305184"/>
+          </a:xfrm>
+        </p:grpSpPr>
+        <p:pic>
+          <p:nvPicPr>
+            <p:cNvPr id="31" name="Picture 30">
+              <a:extLst>
+                <a:ext uri="{FF2B5EF4-FFF2-40B4-BE49-F238E27FC236}">
+                  <a16:creationId xmlns:a16="http://schemas.microsoft.com/office/drawing/2014/main" id="{2C964BBE-11B4-41C3-9FEF-7C6239DD063D}"/>
+                </a:ext>
+              </a:extLst>
+            </p:cNvPr>
+            <p:cNvPicPr>
+              <a:picLocks noChangeAspect="1"/>
+            </p:cNvPicPr>
+            <p:nvPr/>
+          </p:nvPicPr>
+          <p:blipFill>
+            <a:blip r:embed="rId2">
+              <a:extLst>
+                <a:ext uri="{BEBA8EAE-BF5A-486C-A8C5-ECC9F3942E4B}">
+                  <a14:imgProps xmlns:a14="http://schemas.microsoft.com/office/drawing/2010/main">
+                    <a14:imgLayer r:embed="rId3">
+                      <a14:imgEffect>
+                        <a14:colorTemperature colorTemp="2216"/>
+                      </a14:imgEffect>
+                      <a14:imgEffect>
+                        <a14:saturation sat="43000"/>
+                      </a14:imgEffect>
+                    </a14:imgLayer>
+                  </a14:imgProps>
+                </a:ext>
+                <a:ext uri="{837473B0-CC2E-450A-ABE3-18F120FF3D39}">
+                  <a1611:picAttrSrcUrl xmlns:a1611="http://schemas.microsoft.com/office/drawing/2016/11/main" r:id="rId4"/>
+                </a:ext>
+              </a:extLst>
+            </a:blip>
+            <a:stretch>
+              <a:fillRect/>
+            </a:stretch>
+          </p:blipFill>
+          <p:spPr>
+            <a:xfrm>
+              <a:off x="8886816" y="2743047"/>
+              <a:ext cx="3305184" cy="3305184"/>
+            </a:xfrm>
+            <a:prstGeom prst="rect">
+              <a:avLst/>
+            </a:prstGeom>
+            <a:effectLst>
+              <a:glow rad="127000">
+                <a:schemeClr val="accent1">
+                  <a:alpha val="14000"/>
+                </a:schemeClr>
+              </a:glow>
+            </a:effectLst>
+          </p:spPr>
+        </p:pic>
+        <p:sp>
+          <p:nvSpPr>
+            <p:cNvPr id="35" name="Flowchart: Connector 34">
+              <a:extLst>
+                <a:ext uri="{FF2B5EF4-FFF2-40B4-BE49-F238E27FC236}">
+                  <a16:creationId xmlns:a16="http://schemas.microsoft.com/office/drawing/2014/main" id="{55838AC1-DD56-4813-879D-D7B284A40D0B}"/>
+                </a:ext>
+              </a:extLst>
+            </p:cNvPr>
+            <p:cNvSpPr/>
+            <p:nvPr/>
+          </p:nvSpPr>
+          <p:spPr>
+            <a:xfrm>
+              <a:off x="10079182" y="5133831"/>
+              <a:ext cx="228600" cy="227878"/>
+            </a:xfrm>
+            <a:prstGeom prst="flowChartConnector">
+              <a:avLst/>
+            </a:prstGeom>
+            <a:solidFill>
+              <a:srgbClr val="FFFF00"/>
+            </a:solidFill>
+          </p:spPr>
+          <p:style>
+            <a:lnRef idx="2">
+              <a:schemeClr val="accent1">
+                <a:shade val="50000"/>
+              </a:schemeClr>
+            </a:lnRef>
+            <a:fillRef idx="1">
+              <a:schemeClr val="accent1"/>
+            </a:fillRef>
+            <a:effectRef idx="0">
+              <a:schemeClr val="accent1"/>
+            </a:effectRef>
+            <a:fontRef idx="minor">
+              <a:schemeClr val="lt1"/>
+            </a:fontRef>
+          </p:style>
+          <p:txBody>
+            <a:bodyPr rtlCol="0" anchor="ctr"/>
+            <a:lstStyle/>
+            <a:p>
+              <a:pPr algn="ctr"/>
+              <a:endParaRPr lang="en-US"/>
+            </a:p>
+          </p:txBody>
+        </p:sp>
+      </p:grpSp>
+      <p:grpSp>
+        <p:nvGrpSpPr>
+          <p:cNvPr id="3" name="Group 2">
+            <a:extLst>
+              <a:ext uri="{FF2B5EF4-FFF2-40B4-BE49-F238E27FC236}">
+                <a16:creationId xmlns:a16="http://schemas.microsoft.com/office/drawing/2014/main" id="{D2206E3B-B0B0-4980-9FF6-449DA725C181}"/>
+              </a:ext>
+            </a:extLst>
+          </p:cNvPr>
+          <p:cNvGrpSpPr/>
+          <p:nvPr/>
+        </p:nvGrpSpPr>
+        <p:grpSpPr>
+          <a:xfrm>
+            <a:off x="2028870" y="1552362"/>
+            <a:ext cx="2489734" cy="3581622"/>
+            <a:chOff x="4538993" y="1717598"/>
+            <a:chExt cx="2078485" cy="3427522"/>
+          </a:xfrm>
+        </p:grpSpPr>
+        <p:sp>
+          <p:nvSpPr>
+            <p:cNvPr id="21" name="Rectangle 20">
+              <a:extLst>
+                <a:ext uri="{FF2B5EF4-FFF2-40B4-BE49-F238E27FC236}">
+                  <a16:creationId xmlns:a16="http://schemas.microsoft.com/office/drawing/2014/main" id="{20428E07-B38C-41D8-A385-5EB15214B03A}"/>
+                </a:ext>
+              </a:extLst>
+            </p:cNvPr>
+            <p:cNvSpPr/>
+            <p:nvPr/>
+          </p:nvSpPr>
+          <p:spPr>
+            <a:xfrm>
+              <a:off x="4538993" y="1717598"/>
+              <a:ext cx="2038368" cy="1197262"/>
+            </a:xfrm>
+            <a:prstGeom prst="rect">
+              <a:avLst/>
+            </a:prstGeom>
+          </p:spPr>
+          <p:style>
+            <a:lnRef idx="2">
+              <a:schemeClr val="accent1">
+                <a:shade val="50000"/>
+              </a:schemeClr>
+            </a:lnRef>
+            <a:fillRef idx="1">
+              <a:schemeClr val="accent1"/>
+            </a:fillRef>
+            <a:effectRef idx="0">
+              <a:schemeClr val="accent1"/>
+            </a:effectRef>
+            <a:fontRef idx="minor">
+              <a:schemeClr val="lt1"/>
+            </a:fontRef>
+          </p:style>
+          <p:txBody>
+            <a:bodyPr rtlCol="0" anchor="ctr"/>
+            <a:lstStyle/>
+            <a:p>
+              <a:pPr algn="ctr"/>
+              <a:r>
+                <a:rPr lang="en-US" dirty="0">
+                  <a:solidFill>
+                    <a:schemeClr val="bg1"/>
+                  </a:solidFill>
+                </a:rPr>
+                <a:t>Update guess</a:t>
+              </a:r>
+            </a:p>
+          </p:txBody>
+        </p:sp>
+        <p:sp>
+          <p:nvSpPr>
+            <p:cNvPr id="13" name="Rectangle 12">
+              <a:extLst>
+                <a:ext uri="{FF2B5EF4-FFF2-40B4-BE49-F238E27FC236}">
+                  <a16:creationId xmlns:a16="http://schemas.microsoft.com/office/drawing/2014/main" id="{BCE79FB8-D867-4141-B8A7-19743C737DF1}"/>
+                </a:ext>
+              </a:extLst>
+            </p:cNvPr>
+            <p:cNvSpPr/>
+            <p:nvPr/>
+          </p:nvSpPr>
+          <p:spPr>
+            <a:xfrm>
+              <a:off x="4579110" y="3947858"/>
+              <a:ext cx="2038368" cy="1197262"/>
+            </a:xfrm>
+            <a:prstGeom prst="rect">
+              <a:avLst/>
+            </a:prstGeom>
+          </p:spPr>
+          <p:style>
+            <a:lnRef idx="2">
+              <a:schemeClr val="accent1">
+                <a:shade val="50000"/>
+              </a:schemeClr>
+            </a:lnRef>
+            <a:fillRef idx="1">
+              <a:schemeClr val="accent1"/>
+            </a:fillRef>
+            <a:effectRef idx="0">
+              <a:schemeClr val="accent1"/>
+            </a:effectRef>
+            <a:fontRef idx="minor">
+              <a:schemeClr val="lt1"/>
+            </a:fontRef>
+          </p:style>
+          <p:txBody>
+            <a:bodyPr rtlCol="0" anchor="ctr"/>
+            <a:lstStyle/>
+            <a:p>
+              <a:pPr algn="ctr"/>
+              <a:r>
+                <a:rPr lang="en-US" dirty="0">
+                  <a:solidFill>
+                    <a:schemeClr val="bg1"/>
+                  </a:solidFill>
+                </a:rPr>
+                <a:t>Also called the learning rate or step size</a:t>
+              </a:r>
+            </a:p>
+          </p:txBody>
+        </p:sp>
+      </p:grpSp>
+      <p:pic>
+        <p:nvPicPr>
+          <p:cNvPr id="5" name="Picture 4">
+            <a:extLst>
+              <a:ext uri="{FF2B5EF4-FFF2-40B4-BE49-F238E27FC236}">
+                <a16:creationId xmlns:a16="http://schemas.microsoft.com/office/drawing/2014/main" id="{6CC46ED1-2764-400B-9E7D-8E9F8132238D}"/>
+              </a:ext>
+            </a:extLst>
+          </p:cNvPr>
+          <p:cNvPicPr>
+            <a:picLocks noChangeAspect="1"/>
+          </p:cNvPicPr>
+          <p:nvPr/>
+        </p:nvPicPr>
+        <p:blipFill>
+          <a:blip r:embed="rId5">
+            <a:extLst>
+              <a:ext uri="{837473B0-CC2E-450A-ABE3-18F120FF3D39}">
+                <a1611:picAttrSrcUrl xmlns:a1611="http://schemas.microsoft.com/office/drawing/2016/11/main" r:id="rId6"/>
+              </a:ext>
+            </a:extLst>
+          </a:blip>
+          <a:stretch>
+            <a:fillRect/>
+          </a:stretch>
+        </p:blipFill>
+        <p:spPr>
+          <a:xfrm>
+            <a:off x="9911257" y="3514750"/>
+            <a:ext cx="2240583" cy="3133683"/>
+          </a:xfrm>
+          <a:prstGeom prst="rect">
+            <a:avLst/>
+          </a:prstGeom>
+        </p:spPr>
+      </p:pic>
+      <p:sp>
+        <p:nvSpPr>
+          <p:cNvPr id="6" name="Rectangle: Rounded Corners 5">
+            <a:extLst>
+              <a:ext uri="{FF2B5EF4-FFF2-40B4-BE49-F238E27FC236}">
+                <a16:creationId xmlns:a16="http://schemas.microsoft.com/office/drawing/2014/main" id="{1648894C-A548-4933-AE48-79774B9D3BC4}"/>
+              </a:ext>
+            </a:extLst>
+          </p:cNvPr>
+          <p:cNvSpPr/>
+          <p:nvPr/>
+        </p:nvSpPr>
+        <p:spPr>
+          <a:xfrm>
+            <a:off x="361795" y="1368396"/>
+            <a:ext cx="6602948" cy="4292708"/>
+          </a:xfrm>
+          <a:prstGeom prst="roundRect">
+            <a:avLst/>
+          </a:prstGeom>
+          <a:solidFill>
+            <a:srgbClr val="FFFF00"/>
+          </a:solidFill>
+        </p:spPr>
+        <p:style>
+          <a:lnRef idx="2">
+            <a:schemeClr val="accent1">
+              <a:shade val="50000"/>
+            </a:schemeClr>
+          </a:lnRef>
+          <a:fillRef idx="1">
+            <a:schemeClr val="accent1"/>
+          </a:fillRef>
+          <a:effectRef idx="0">
+            <a:schemeClr val="accent1"/>
+          </a:effectRef>
+          <a:fontRef idx="minor">
+            <a:schemeClr val="lt1"/>
+          </a:fontRef>
+        </p:style>
+        <p:txBody>
+          <a:bodyPr rtlCol="0" anchor="ctr"/>
+          <a:lstStyle/>
+          <a:p>
+            <a:pPr algn="ctr"/>
+            <a:r>
+              <a:rPr lang="en-US" sz="6000" dirty="0">
+                <a:solidFill>
+                  <a:schemeClr val="bg1"/>
+                </a:solidFill>
+              </a:rPr>
+              <a:t>REPEAT lots of times</a:t>
+            </a:r>
+          </a:p>
+          <a:p>
+            <a:pPr algn="ctr"/>
+            <a:r>
+              <a:rPr lang="en-US" sz="6000" dirty="0">
+                <a:solidFill>
+                  <a:schemeClr val="bg1"/>
+                </a:solidFill>
+              </a:rPr>
+              <a:t>Until cost is as small as possible</a:t>
+            </a:r>
+          </a:p>
+          <a:p>
+            <a:pPr algn="ctr"/>
+            <a:endParaRPr lang="en-US" sz="6000" dirty="0">
+              <a:solidFill>
+                <a:schemeClr val="bg1"/>
+              </a:solidFill>
+            </a:endParaRPr>
+          </a:p>
+        </p:txBody>
+      </p:sp>
+      <p:sp>
+        <p:nvSpPr>
+          <p:cNvPr id="14" name="Flowchart: Connector 13">
+            <a:extLst>
+              <a:ext uri="{FF2B5EF4-FFF2-40B4-BE49-F238E27FC236}">
+                <a16:creationId xmlns:a16="http://schemas.microsoft.com/office/drawing/2014/main" id="{201AD7BF-0A78-4DF0-9183-3A8ECE247090}"/>
+              </a:ext>
+            </a:extLst>
+          </p:cNvPr>
+          <p:cNvSpPr/>
+          <p:nvPr/>
+        </p:nvSpPr>
+        <p:spPr>
+          <a:xfrm>
+            <a:off x="8842095" y="2689513"/>
+            <a:ext cx="228600" cy="227878"/>
+          </a:xfrm>
+          <a:prstGeom prst="flowChartConnector">
+            <a:avLst/>
+          </a:prstGeom>
+          <a:solidFill>
+            <a:srgbClr val="FFFF00"/>
+          </a:solidFill>
+        </p:spPr>
+        <p:style>
+          <a:lnRef idx="2">
+            <a:schemeClr val="accent1">
+              <a:shade val="50000"/>
+            </a:schemeClr>
+          </a:lnRef>
+          <a:fillRef idx="1">
+            <a:schemeClr val="accent1"/>
+          </a:fillRef>
+          <a:effectRef idx="0">
+            <a:schemeClr val="accent1"/>
+          </a:effectRef>
+          <a:fontRef idx="minor">
+            <a:schemeClr val="lt1"/>
+          </a:fontRef>
+        </p:style>
+        <p:txBody>
+          <a:bodyPr rtlCol="0" anchor="ctr"/>
+          <a:lstStyle/>
+          <a:p>
+            <a:pPr algn="ctr"/>
+            <a:endParaRPr lang="en-US"/>
+          </a:p>
+        </p:txBody>
+      </p:sp>
+      <p:sp>
+        <p:nvSpPr>
+          <p:cNvPr id="15" name="Flowchart: Connector 14">
+            <a:extLst>
+              <a:ext uri="{FF2B5EF4-FFF2-40B4-BE49-F238E27FC236}">
+                <a16:creationId xmlns:a16="http://schemas.microsoft.com/office/drawing/2014/main" id="{EABAFF12-B5C3-418C-9F2F-1212C2917A5F}"/>
+              </a:ext>
+            </a:extLst>
+          </p:cNvPr>
+          <p:cNvSpPr/>
+          <p:nvPr/>
+        </p:nvSpPr>
+        <p:spPr>
+          <a:xfrm>
+            <a:off x="8613495" y="3146713"/>
+            <a:ext cx="228600" cy="227878"/>
+          </a:xfrm>
+          <a:prstGeom prst="flowChartConnector">
+            <a:avLst/>
+          </a:prstGeom>
+          <a:solidFill>
+            <a:srgbClr val="FFFF00"/>
+          </a:solidFill>
+        </p:spPr>
+        <p:style>
+          <a:lnRef idx="2">
+            <a:schemeClr val="accent1">
+              <a:shade val="50000"/>
+            </a:schemeClr>
+          </a:lnRef>
+          <a:fillRef idx="1">
+            <a:schemeClr val="accent1"/>
+          </a:fillRef>
+          <a:effectRef idx="0">
+            <a:schemeClr val="accent1"/>
+          </a:effectRef>
+          <a:fontRef idx="minor">
+            <a:schemeClr val="lt1"/>
+          </a:fontRef>
+        </p:style>
+        <p:txBody>
+          <a:bodyPr rtlCol="0" anchor="ctr"/>
+          <a:lstStyle/>
+          <a:p>
+            <a:pPr algn="ctr"/>
+            <a:endParaRPr lang="en-US"/>
+          </a:p>
+        </p:txBody>
+      </p:sp>
+      <p:sp>
+        <p:nvSpPr>
+          <p:cNvPr id="16" name="Flowchart: Connector 15">
+            <a:extLst>
+              <a:ext uri="{FF2B5EF4-FFF2-40B4-BE49-F238E27FC236}">
+                <a16:creationId xmlns:a16="http://schemas.microsoft.com/office/drawing/2014/main" id="{56E74C60-DCBB-4A5A-A8D7-D29154D258CC}"/>
+              </a:ext>
+            </a:extLst>
+          </p:cNvPr>
+          <p:cNvSpPr/>
+          <p:nvPr/>
+        </p:nvSpPr>
+        <p:spPr>
+          <a:xfrm>
+            <a:off x="8897325" y="2915696"/>
+            <a:ext cx="228600" cy="227878"/>
+          </a:xfrm>
+          <a:prstGeom prst="flowChartConnector">
+            <a:avLst/>
+          </a:prstGeom>
+          <a:solidFill>
+            <a:srgbClr val="FFFF00"/>
+          </a:solidFill>
+        </p:spPr>
+        <p:style>
+          <a:lnRef idx="2">
+            <a:schemeClr val="accent1">
+              <a:shade val="50000"/>
+            </a:schemeClr>
+          </a:lnRef>
+          <a:fillRef idx="1">
+            <a:schemeClr val="accent1"/>
+          </a:fillRef>
+          <a:effectRef idx="0">
+            <a:schemeClr val="accent1"/>
+          </a:effectRef>
+          <a:fontRef idx="minor">
+            <a:schemeClr val="lt1"/>
+          </a:fontRef>
+        </p:style>
+        <p:txBody>
+          <a:bodyPr rtlCol="0" anchor="ctr"/>
+          <a:lstStyle/>
+          <a:p>
+            <a:pPr algn="ctr"/>
+            <a:endParaRPr lang="en-US"/>
+          </a:p>
+        </p:txBody>
+      </p:sp>
+    </p:spTree>
+    <p:extLst>
+      <p:ext uri="{BB962C8B-B14F-4D97-AF65-F5344CB8AC3E}">
+        <p14:creationId xmlns:p14="http://schemas.microsoft.com/office/powerpoint/2010/main" val="3432012965"/>
+      </p:ext>
+    </p:extLst>
+  </p:cSld>
+  <p:clrMapOvr>
+    <a:masterClrMapping/>
+  </p:clrMapOvr>
+  <p:timing>
+    <p:tnLst>
+      <p:par>
+        <p:cTn id="1" dur="indefinite" restart="never" nodeType="tmRoot">
+          <p:childTnLst>
+            <p:seq concurrent="1" nextAc="seek">
+              <p:cTn id="2" dur="indefinite" nodeType="mainSeq">
+                <p:childTnLst>
+                  <p:par>
+                    <p:cTn id="3" fill="hold">
+                      <p:stCondLst>
+                        <p:cond delay="indefinite"/>
+                      </p:stCondLst>
+                      <p:childTnLst>
+                        <p:par>
+                          <p:cTn id="4" fill="hold">
+                            <p:stCondLst>
+                              <p:cond delay="0"/>
+                            </p:stCondLst>
+                            <p:childTnLst>
+                              <p:par>
+                                <p:cTn id="5" presetID="1" presetClass="entr" presetSubtype="0" fill="hold" nodeType="clickEffect">
+                                  <p:stCondLst>
+                                    <p:cond delay="0"/>
+                                  </p:stCondLst>
+                                  <p:childTnLst>
+                                    <p:set>
+                                      <p:cBhvr>
+                                        <p:cTn id="6" dur="1" fill="hold">
+                                          <p:stCondLst>
+                                            <p:cond delay="0"/>
+                                          </p:stCondLst>
+                                        </p:cTn>
+                                        <p:tgtEl>
+                                          <p:spTgt spid="37"/>
+                                        </p:tgtEl>
+                                        <p:attrNameLst>
+                                          <p:attrName>style.visibility</p:attrName>
+                                        </p:attrNameLst>
+                                      </p:cBhvr>
+                                      <p:to>
+                                        <p:strVal val="visible"/>
+                                      </p:to>
+                                    </p:set>
+                                  </p:childTnLst>
+                                </p:cTn>
+                              </p:par>
+                            </p:childTnLst>
+                          </p:cTn>
+                        </p:par>
+                      </p:childTnLst>
+                    </p:cTn>
+                  </p:par>
+                  <p:par>
+                    <p:cTn id="7" fill="hold">
+                      <p:stCondLst>
+                        <p:cond delay="indefinite"/>
+                      </p:stCondLst>
+                      <p:childTnLst>
+                        <p:par>
+                          <p:cTn id="8" fill="hold">
+                            <p:stCondLst>
+                              <p:cond delay="0"/>
+                            </p:stCondLst>
+                            <p:childTnLst>
+                              <p:par>
+                                <p:cTn id="9" presetID="1" presetClass="entr" presetSubtype="0" fill="hold" grpId="0" nodeType="clickEffect">
+                                  <p:stCondLst>
+                                    <p:cond delay="0"/>
+                                  </p:stCondLst>
+                                  <p:childTnLst>
+                                    <p:set>
+                                      <p:cBhvr>
+                                        <p:cTn id="10" dur="1" fill="hold">
+                                          <p:stCondLst>
+                                            <p:cond delay="0"/>
+                                          </p:stCondLst>
+                                        </p:cTn>
+                                        <p:tgtEl>
+                                          <p:spTgt spid="15"/>
+                                        </p:tgtEl>
+                                        <p:attrNameLst>
+                                          <p:attrName>style.visibility</p:attrName>
+                                        </p:attrNameLst>
+                                      </p:cBhvr>
+                                      <p:to>
+                                        <p:strVal val="visible"/>
+                                      </p:to>
+                                    </p:set>
+                                  </p:childTnLst>
+                                </p:cTn>
+                              </p:par>
+                            </p:childTnLst>
+                          </p:cTn>
+                        </p:par>
+                      </p:childTnLst>
+                    </p:cTn>
+                  </p:par>
+                  <p:par>
+                    <p:cTn id="11" fill="hold">
+                      <p:stCondLst>
+                        <p:cond delay="indefinite"/>
+                      </p:stCondLst>
+                      <p:childTnLst>
+                        <p:par>
+                          <p:cTn id="12" fill="hold">
+                            <p:stCondLst>
+                              <p:cond delay="0"/>
+                            </p:stCondLst>
+                            <p:childTnLst>
+                              <p:par>
+                                <p:cTn id="13" presetID="1" presetClass="entr" presetSubtype="0" fill="hold" grpId="0" nodeType="clickEffect">
+                                  <p:stCondLst>
+                                    <p:cond delay="0"/>
+                                  </p:stCondLst>
+                                  <p:childTnLst>
+                                    <p:set>
+                                      <p:cBhvr>
+                                        <p:cTn id="14" dur="1" fill="hold">
+                                          <p:stCondLst>
+                                            <p:cond delay="0"/>
+                                          </p:stCondLst>
+                                        </p:cTn>
+                                        <p:tgtEl>
+                                          <p:spTgt spid="16"/>
+                                        </p:tgtEl>
+                                        <p:attrNameLst>
+                                          <p:attrName>style.visibility</p:attrName>
+                                        </p:attrNameLst>
+                                      </p:cBhvr>
+                                      <p:to>
+                                        <p:strVal val="visible"/>
+                                      </p:to>
+                                    </p:set>
+                                  </p:childTnLst>
+                                </p:cTn>
+                              </p:par>
+                            </p:childTnLst>
+                          </p:cTn>
+                        </p:par>
+                      </p:childTnLst>
+                    </p:cTn>
+                  </p:par>
+                  <p:par>
+                    <p:cTn id="15" fill="hold">
+                      <p:stCondLst>
+                        <p:cond delay="indefinite"/>
+                      </p:stCondLst>
+                      <p:childTnLst>
+                        <p:par>
+                          <p:cTn id="16" fill="hold">
+                            <p:stCondLst>
+                              <p:cond delay="0"/>
+                            </p:stCondLst>
+                            <p:childTnLst>
+                              <p:par>
+                                <p:cTn id="17" presetID="1" presetClass="entr" presetSubtype="0" fill="hold" grpId="0" nodeType="clickEffect">
+                                  <p:stCondLst>
+                                    <p:cond delay="0"/>
+                                  </p:stCondLst>
+                                  <p:childTnLst>
+                                    <p:set>
+                                      <p:cBhvr>
+                                        <p:cTn id="18" dur="1" fill="hold">
+                                          <p:stCondLst>
+                                            <p:cond delay="0"/>
+                                          </p:stCondLst>
+                                        </p:cTn>
+                                        <p:tgtEl>
+                                          <p:spTgt spid="14"/>
+                                        </p:tgtEl>
+                                        <p:attrNameLst>
+                                          <p:attrName>style.visibility</p:attrName>
+                                        </p:attrNameLst>
+                                      </p:cBhvr>
+                                      <p:to>
+                                        <p:strVal val="visible"/>
+                                      </p:to>
+                                    </p:set>
+                                  </p:childTnLst>
+                                </p:cTn>
+                              </p:par>
+                            </p:childTnLst>
+                          </p:cTn>
+                        </p:par>
+                      </p:childTnLst>
+                    </p:cTn>
+                  </p:par>
+                </p:childTnLst>
+              </p:cTn>
+              <p:prevCondLst>
+                <p:cond evt="onPrev" delay="0">
+                  <p:tgtEl>
+                    <p:sldTgt/>
+                  </p:tgtEl>
+                </p:cond>
+              </p:prevCondLst>
+              <p:nextCondLst>
+                <p:cond evt="onNext" delay="0">
+                  <p:tgtEl>
+                    <p:sldTgt/>
+                  </p:tgtEl>
+                </p:cond>
+              </p:nextCondLst>
+            </p:seq>
+          </p:childTnLst>
+        </p:cTn>
+      </p:par>
+    </p:tnLst>
+    <p:bldLst>
+      <p:bldP spid="14" grpId="0" animBg="1"/>
+      <p:bldP spid="15" grpId="0" animBg="1"/>
+      <p:bldP spid="16" grpId="0" animBg="1"/>
+    </p:bldLst>
+  </p:timing>
+</p:sld>
+</file>
+
+<file path=ppt/slides/slide12.xml><?xml version="1.0" encoding="utf-8"?>
+<p:sld xmlns:a="http://schemas.openxmlformats.org/drawingml/2006/main" xmlns:r="http://schemas.openxmlformats.org/officeDocument/2006/relationships" xmlns:p="http://schemas.openxmlformats.org/presentationml/2006/main">
+  <p:cSld>
+    <p:spTree>
+      <p:nvGrpSpPr>
+        <p:cNvPr id="1" name=""/>
+        <p:cNvGrpSpPr/>
+        <p:nvPr/>
+      </p:nvGrpSpPr>
+      <p:grpSpPr>
+        <a:xfrm>
+          <a:off x="0" y="0"/>
+          <a:ext cx="0" cy="0"/>
+          <a:chOff x="0" y="0"/>
+          <a:chExt cx="0" cy="0"/>
+        </a:xfrm>
+      </p:grpSpPr>
+      <p:sp>
+        <p:nvSpPr>
+          <p:cNvPr id="2" name="Title 1">
+            <a:extLst>
+              <a:ext uri="{FF2B5EF4-FFF2-40B4-BE49-F238E27FC236}">
+                <a16:creationId xmlns:a16="http://schemas.microsoft.com/office/drawing/2014/main" id="{5843F14D-9653-46EE-B20B-0DFDA247A04F}"/>
+              </a:ext>
+            </a:extLst>
+          </p:cNvPr>
+          <p:cNvSpPr>
+            <a:spLocks noGrp="1"/>
+          </p:cNvSpPr>
+          <p:nvPr>
+            <p:ph type="title"/>
+          </p:nvPr>
+        </p:nvSpPr>
+        <p:spPr>
+          <a:xfrm>
+            <a:off x="144378" y="0"/>
+            <a:ext cx="7072145" cy="1478570"/>
+          </a:xfrm>
+        </p:spPr>
+        <p:txBody>
+          <a:bodyPr/>
+          <a:lstStyle/>
+          <a:p>
+            <a:r>
+              <a:rPr lang="en-US" dirty="0"/>
+              <a:t>Supervised and unsupervised </a:t>
+            </a:r>
+          </a:p>
+        </p:txBody>
+      </p:sp>
+      <p:pic>
+        <p:nvPicPr>
+          <p:cNvPr id="5" name="Content Placeholder 4">
+            <a:extLst>
+              <a:ext uri="{FF2B5EF4-FFF2-40B4-BE49-F238E27FC236}">
+                <a16:creationId xmlns:a16="http://schemas.microsoft.com/office/drawing/2014/main" id="{1682747F-DF69-425B-8AA0-2BFB5271E3CF}"/>
+              </a:ext>
+            </a:extLst>
+          </p:cNvPr>
+          <p:cNvPicPr>
+            <a:picLocks noGrp="1" noChangeAspect="1"/>
+          </p:cNvPicPr>
+          <p:nvPr>
+            <p:ph idx="1"/>
+          </p:nvPr>
+        </p:nvPicPr>
+        <p:blipFill>
+          <a:blip r:embed="rId2">
+            <a:extLst>
+              <a:ext uri="{837473B0-CC2E-450A-ABE3-18F120FF3D39}">
+                <a1611:picAttrSrcUrl xmlns:a1611="http://schemas.microsoft.com/office/drawing/2016/11/main" r:id="rId3"/>
+              </a:ext>
+            </a:extLst>
+          </a:blip>
+          <a:stretch>
+            <a:fillRect/>
+          </a:stretch>
+        </p:blipFill>
+        <p:spPr>
+          <a:xfrm>
+            <a:off x="6464967" y="619401"/>
+            <a:ext cx="5727033" cy="6238599"/>
+          </a:xfrm>
+        </p:spPr>
+      </p:pic>
+      <p:sp>
+        <p:nvSpPr>
+          <p:cNvPr id="12" name="Oval 11">
+            <a:extLst>
+              <a:ext uri="{FF2B5EF4-FFF2-40B4-BE49-F238E27FC236}">
+                <a16:creationId xmlns:a16="http://schemas.microsoft.com/office/drawing/2014/main" id="{0E269A5D-0847-4CAA-8C16-323A0397734E}"/>
+              </a:ext>
+            </a:extLst>
+          </p:cNvPr>
+          <p:cNvSpPr/>
+          <p:nvPr/>
+        </p:nvSpPr>
+        <p:spPr>
+          <a:xfrm>
+            <a:off x="2592013" y="1042737"/>
+            <a:ext cx="3503987" cy="1247274"/>
+          </a:xfrm>
+          <a:prstGeom prst="ellipse">
+            <a:avLst/>
+          </a:prstGeom>
+        </p:spPr>
+        <p:style>
+          <a:lnRef idx="2">
+            <a:schemeClr val="accent1">
+              <a:shade val="50000"/>
+            </a:schemeClr>
+          </a:lnRef>
+          <a:fillRef idx="1">
+            <a:schemeClr val="accent1"/>
+          </a:fillRef>
+          <a:effectRef idx="0">
+            <a:schemeClr val="accent1"/>
+          </a:effectRef>
+          <a:fontRef idx="minor">
+            <a:schemeClr val="lt1"/>
+          </a:fontRef>
+        </p:style>
+        <p:txBody>
+          <a:bodyPr rtlCol="0" anchor="ctr"/>
+          <a:lstStyle/>
+          <a:p>
+            <a:pPr algn="ctr"/>
+            <a:r>
+              <a:rPr lang="en-US" dirty="0">
+                <a:solidFill>
+                  <a:schemeClr val="bg1"/>
+                </a:solidFill>
+              </a:rPr>
+              <a:t>Uses labeled data</a:t>
+            </a:r>
+          </a:p>
+        </p:txBody>
+      </p:sp>
+      <p:sp>
+        <p:nvSpPr>
+          <p:cNvPr id="13" name="Oval 12">
+            <a:extLst>
+              <a:ext uri="{FF2B5EF4-FFF2-40B4-BE49-F238E27FC236}">
+                <a16:creationId xmlns:a16="http://schemas.microsoft.com/office/drawing/2014/main" id="{C931D2D4-4C8C-4463-9EFB-ACFC756BE064}"/>
+              </a:ext>
+            </a:extLst>
+          </p:cNvPr>
+          <p:cNvSpPr/>
+          <p:nvPr/>
+        </p:nvSpPr>
+        <p:spPr>
+          <a:xfrm>
+            <a:off x="2776496" y="3115063"/>
+            <a:ext cx="3503987" cy="1247274"/>
+          </a:xfrm>
+          <a:prstGeom prst="ellipse">
+            <a:avLst/>
+          </a:prstGeom>
+        </p:spPr>
+        <p:style>
+          <a:lnRef idx="2">
+            <a:schemeClr val="accent1">
+              <a:shade val="50000"/>
+            </a:schemeClr>
+          </a:lnRef>
+          <a:fillRef idx="1">
+            <a:schemeClr val="accent1"/>
+          </a:fillRef>
+          <a:effectRef idx="0">
+            <a:schemeClr val="accent1"/>
+          </a:effectRef>
+          <a:fontRef idx="minor">
+            <a:schemeClr val="lt1"/>
+          </a:fontRef>
+        </p:style>
+        <p:txBody>
+          <a:bodyPr rtlCol="0" anchor="ctr"/>
+          <a:lstStyle/>
+          <a:p>
+            <a:pPr algn="ctr"/>
+            <a:r>
+              <a:rPr lang="en-US" dirty="0">
+                <a:solidFill>
+                  <a:schemeClr val="bg1"/>
+                </a:solidFill>
+              </a:rPr>
+              <a:t>Finds patterns in the data</a:t>
+            </a:r>
+          </a:p>
+        </p:txBody>
+      </p:sp>
+      <p:sp>
+        <p:nvSpPr>
+          <p:cNvPr id="14" name="Oval 13">
+            <a:extLst>
+              <a:ext uri="{FF2B5EF4-FFF2-40B4-BE49-F238E27FC236}">
+                <a16:creationId xmlns:a16="http://schemas.microsoft.com/office/drawing/2014/main" id="{AD21A78E-A382-4721-8D23-895383182794}"/>
+              </a:ext>
+            </a:extLst>
+          </p:cNvPr>
+          <p:cNvSpPr/>
+          <p:nvPr/>
+        </p:nvSpPr>
+        <p:spPr>
+          <a:xfrm>
+            <a:off x="2960980" y="4991325"/>
+            <a:ext cx="3503987" cy="1247274"/>
+          </a:xfrm>
+          <a:prstGeom prst="ellipse">
+            <a:avLst/>
+          </a:prstGeom>
+        </p:spPr>
+        <p:style>
+          <a:lnRef idx="2">
+            <a:schemeClr val="accent1">
+              <a:shade val="50000"/>
+            </a:schemeClr>
+          </a:lnRef>
+          <a:fillRef idx="1">
+            <a:schemeClr val="accent1"/>
+          </a:fillRef>
+          <a:effectRef idx="0">
+            <a:schemeClr val="accent1"/>
+          </a:effectRef>
+          <a:fontRef idx="minor">
+            <a:schemeClr val="lt1"/>
+          </a:fontRef>
+        </p:style>
+        <p:txBody>
+          <a:bodyPr rtlCol="0" anchor="ctr"/>
+          <a:lstStyle/>
+          <a:p>
+            <a:pPr algn="ctr"/>
+            <a:r>
+              <a:rPr lang="en-US" dirty="0">
+                <a:solidFill>
+                  <a:schemeClr val="bg1"/>
+                </a:solidFill>
+              </a:rPr>
+              <a:t>Trying to emulate how our brains learn</a:t>
+            </a:r>
+          </a:p>
+        </p:txBody>
+      </p:sp>
+    </p:spTree>
+    <p:extLst>
+      <p:ext uri="{BB962C8B-B14F-4D97-AF65-F5344CB8AC3E}">
+        <p14:creationId xmlns:p14="http://schemas.microsoft.com/office/powerpoint/2010/main" val="3381144536"/>
+      </p:ext>
+    </p:extLst>
+  </p:cSld>
+  <p:clrMapOvr>
+    <a:masterClrMapping/>
+  </p:clrMapOvr>
+</p:sld>
+</file>
+
+<file path=ppt/slides/slide13.xml><?xml version="1.0" encoding="utf-8"?>
+<p:sld xmlns:a="http://schemas.openxmlformats.org/drawingml/2006/main" xmlns:r="http://schemas.openxmlformats.org/officeDocument/2006/relationships" xmlns:p="http://schemas.openxmlformats.org/presentationml/2006/main">
+  <p:cSld>
+    <p:spTree>
+      <p:nvGrpSpPr>
+        <p:cNvPr id="1" name=""/>
+        <p:cNvGrpSpPr/>
+        <p:nvPr/>
+      </p:nvGrpSpPr>
+      <p:grpSpPr>
+        <a:xfrm>
+          <a:off x="0" y="0"/>
+          <a:ext cx="0" cy="0"/>
+          <a:chOff x="0" y="0"/>
+          <a:chExt cx="0" cy="0"/>
+        </a:xfrm>
+      </p:grpSpPr>
+      <p:sp>
+        <p:nvSpPr>
+          <p:cNvPr id="2" name="Title 1">
+            <a:extLst>
+              <a:ext uri="{FF2B5EF4-FFF2-40B4-BE49-F238E27FC236}">
                 <a16:creationId xmlns:a16="http://schemas.microsoft.com/office/drawing/2014/main" id="{B1BC0BEB-464B-497C-AC2F-C633F47D6816}"/>
               </a:ext>
             </a:extLst>
@@ -15721,7 +17177,7 @@
         <p:spPr>
           <a:xfrm>
             <a:off x="7273636" y="1213888"/>
-            <a:ext cx="2327563" cy="2071197"/>
+            <a:ext cx="3634996" cy="2957059"/>
           </a:xfrm>
           <a:prstGeom prst="ellipse">
             <a:avLst/>
@@ -15749,17 +17205,52 @@
           <a:p>
             <a:pPr algn="ctr"/>
             <a:r>
-              <a:rPr lang="en-US" dirty="0"/>
-              <a:t>Analyzing data from a roof, they </a:t>
+              <a:rPr lang="en-US" sz="2000" dirty="0">
+                <a:solidFill>
+                  <a:schemeClr val="bg1"/>
+                </a:solidFill>
+              </a:rPr>
+              <a:t>Say you are trying to design an algorithm to figure out the best place to deliver a newspaper </a:t>
             </a:r>
-            <a:r>
-              <a:rPr lang="en-US" dirty="0" err="1"/>
-              <a:t>discove</a:t>
-            </a:r>
-            <a:endParaRPr lang="en-US" dirty="0"/>
           </a:p>
         </p:txBody>
       </p:sp>
+      <p:pic>
+        <p:nvPicPr>
+          <p:cNvPr id="5" name="Picture 4">
+            <a:extLst>
+              <a:ext uri="{FF2B5EF4-FFF2-40B4-BE49-F238E27FC236}">
+                <a16:creationId xmlns:a16="http://schemas.microsoft.com/office/drawing/2014/main" id="{928F8E95-BF8E-458A-BC24-8B31A01ED823}"/>
+              </a:ext>
+            </a:extLst>
+          </p:cNvPr>
+          <p:cNvPicPr>
+            <a:picLocks noChangeAspect="1"/>
+          </p:cNvPicPr>
+          <p:nvPr/>
+        </p:nvPicPr>
+        <p:blipFill>
+          <a:blip r:embed="rId3">
+            <a:extLst>
+              <a:ext uri="{837473B0-CC2E-450A-ABE3-18F120FF3D39}">
+                <a1611:picAttrSrcUrl xmlns:a1611="http://schemas.microsoft.com/office/drawing/2016/11/main" r:id="rId4"/>
+              </a:ext>
+            </a:extLst>
+          </a:blip>
+          <a:stretch>
+            <a:fillRect/>
+          </a:stretch>
+        </p:blipFill>
+        <p:spPr>
+          <a:xfrm>
+            <a:off x="7229390" y="3634043"/>
+            <a:ext cx="3914274" cy="2605439"/>
+          </a:xfrm>
+          <a:prstGeom prst="rect">
+            <a:avLst/>
+          </a:prstGeom>
+        </p:spPr>
+      </p:pic>
     </p:spTree>
     <p:extLst>
       <p:ext uri="{BB962C8B-B14F-4D97-AF65-F5344CB8AC3E}">
@@ -15773,7 +17264,7 @@
 </p:sld>
 </file>
 
-<file path=ppt/slides/slide11.xml><?xml version="1.0" encoding="utf-8"?>
+<file path=ppt/slides/slide14.xml><?xml version="1.0" encoding="utf-8"?>
 <p:sld xmlns:a="http://schemas.openxmlformats.org/drawingml/2006/main" xmlns:r="http://schemas.openxmlformats.org/officeDocument/2006/relationships" xmlns:p="http://schemas.openxmlformats.org/presentationml/2006/main">
   <p:cSld>
     <p:spTree>
@@ -15893,8 +17384,8 @@
         </p:nvSpPr>
         <p:spPr>
           <a:xfrm>
-            <a:off x="7813963" y="623569"/>
-            <a:ext cx="2610789" cy="2453739"/>
+            <a:off x="8728364" y="316274"/>
+            <a:ext cx="3233448" cy="2969863"/>
           </a:xfrm>
           <a:prstGeom prst="ellipse">
             <a:avLst/>
@@ -15922,14 +17413,22 @@
           <a:p>
             <a:pPr algn="ctr"/>
             <a:r>
-              <a:rPr lang="en-US" dirty="0"/>
+              <a:rPr lang="en-US" dirty="0">
+                <a:solidFill>
+                  <a:schemeClr val="bg1"/>
+                </a:solidFill>
+              </a:rPr>
               <a:t>Where are the targets most likely located?</a:t>
             </a:r>
           </a:p>
           <a:p>
             <a:pPr algn="ctr"/>
             <a:r>
-              <a:rPr lang="en-US" dirty="0"/>
+              <a:rPr lang="en-US" dirty="0">
+                <a:solidFill>
+                  <a:schemeClr val="bg1"/>
+                </a:solidFill>
+              </a:rPr>
               <a:t>How many targets do you think we have?</a:t>
             </a:r>
           </a:p>
@@ -15948,7 +17447,7 @@
 </p:sld>
 </file>
 
-<file path=ppt/slides/slide12.xml><?xml version="1.0" encoding="utf-8"?>
+<file path=ppt/slides/slide15.xml><?xml version="1.0" encoding="utf-8"?>
 <p:sld xmlns:a="http://schemas.openxmlformats.org/drawingml/2006/main" xmlns:r="http://schemas.openxmlformats.org/officeDocument/2006/relationships" xmlns:p="http://schemas.openxmlformats.org/presentationml/2006/main">
   <p:cSld>
     <p:spTree>
@@ -16166,7 +17665,7 @@
 </p:sld>
 </file>
 
-<file path=ppt/slides/slide13.xml><?xml version="1.0" encoding="utf-8"?>
+<file path=ppt/slides/slide16.xml><?xml version="1.0" encoding="utf-8"?>
 <p:sld xmlns:a="http://schemas.openxmlformats.org/drawingml/2006/main" xmlns:r="http://schemas.openxmlformats.org/officeDocument/2006/relationships" xmlns:p="http://schemas.openxmlformats.org/presentationml/2006/main">
   <p:cSld>
     <p:spTree>
@@ -16425,7 +17924,7 @@
 </p:sld>
 </file>
 
-<file path=ppt/slides/slide14.xml><?xml version="1.0" encoding="utf-8"?>
+<file path=ppt/slides/slide17.xml><?xml version="1.0" encoding="utf-8"?>
 <p:sld xmlns:a="http://schemas.openxmlformats.org/drawingml/2006/main" xmlns:r="http://schemas.openxmlformats.org/officeDocument/2006/relationships" xmlns:p="http://schemas.openxmlformats.org/presentationml/2006/main">
   <p:cSld>
     <p:spTree>
@@ -16682,7 +18181,135 @@
 </p:sld>
 </file>
 
-<file path=ppt/slides/slide15.xml><?xml version="1.0" encoding="utf-8"?>
+<file path=ppt/slides/slide18.xml><?xml version="1.0" encoding="utf-8"?>
+<p:sld xmlns:a="http://schemas.openxmlformats.org/drawingml/2006/main" xmlns:r="http://schemas.openxmlformats.org/officeDocument/2006/relationships" xmlns:p="http://schemas.openxmlformats.org/presentationml/2006/main">
+  <p:cSld>
+    <p:spTree>
+      <p:nvGrpSpPr>
+        <p:cNvPr id="1" name=""/>
+        <p:cNvGrpSpPr/>
+        <p:nvPr/>
+      </p:nvGrpSpPr>
+      <p:grpSpPr>
+        <a:xfrm>
+          <a:off x="0" y="0"/>
+          <a:ext cx="0" cy="0"/>
+          <a:chOff x="0" y="0"/>
+          <a:chExt cx="0" cy="0"/>
+        </a:xfrm>
+      </p:grpSpPr>
+      <p:sp>
+        <p:nvSpPr>
+          <p:cNvPr id="2" name="Title 1">
+            <a:extLst>
+              <a:ext uri="{FF2B5EF4-FFF2-40B4-BE49-F238E27FC236}">
+                <a16:creationId xmlns:a16="http://schemas.microsoft.com/office/drawing/2014/main" id="{7539C5B3-F084-4F60-9056-89DEDDDFE44F}"/>
+              </a:ext>
+            </a:extLst>
+          </p:cNvPr>
+          <p:cNvSpPr>
+            <a:spLocks noGrp="1"/>
+          </p:cNvSpPr>
+          <p:nvPr>
+            <p:ph type="title"/>
+          </p:nvPr>
+        </p:nvSpPr>
+        <p:spPr/>
+        <p:txBody>
+          <a:bodyPr/>
+          <a:lstStyle/>
+          <a:p>
+            <a:r>
+              <a:rPr lang="en-US" dirty="0"/>
+              <a:t>Explore! ML visualizations!</a:t>
+            </a:r>
+          </a:p>
+        </p:txBody>
+      </p:sp>
+      <p:sp>
+        <p:nvSpPr>
+          <p:cNvPr id="3" name="Content Placeholder 2">
+            <a:extLst>
+              <a:ext uri="{FF2B5EF4-FFF2-40B4-BE49-F238E27FC236}">
+                <a16:creationId xmlns:a16="http://schemas.microsoft.com/office/drawing/2014/main" id="{1FE7547D-600A-46BA-9E5B-448DEDBA69F7}"/>
+              </a:ext>
+            </a:extLst>
+          </p:cNvPr>
+          <p:cNvSpPr>
+            <a:spLocks noGrp="1"/>
+          </p:cNvSpPr>
+          <p:nvPr>
+            <p:ph idx="1"/>
+          </p:nvPr>
+        </p:nvSpPr>
+        <p:spPr/>
+        <p:txBody>
+          <a:bodyPr/>
+          <a:lstStyle/>
+          <a:p>
+            <a:r>
+              <a:rPr lang="en-US" u="sng" dirty="0"/>
+              <a:t>K means Clustering </a:t>
+            </a:r>
+            <a:endParaRPr lang="en-US" u="sng" dirty="0">
+              <a:hlinkClick r:id="rId2"/>
+            </a:endParaRPr>
+          </a:p>
+          <a:p>
+            <a:r>
+              <a:rPr lang="en-US" dirty="0">
+                <a:hlinkClick r:id="rId2"/>
+              </a:rPr>
+              <a:t>https://www.naftaliharris.com/blog/visualizing-k-means-clustering/</a:t>
+            </a:r>
+            <a:endParaRPr lang="en-US" dirty="0"/>
+          </a:p>
+          <a:p>
+            <a:endParaRPr lang="en-US" dirty="0"/>
+          </a:p>
+          <a:p>
+            <a:r>
+              <a:rPr lang="en-US" dirty="0"/>
+              <a:t>Another similar algorithm </a:t>
+            </a:r>
+          </a:p>
+          <a:p>
+            <a:r>
+              <a:rPr lang="en-US" dirty="0">
+                <a:hlinkClick r:id="rId3"/>
+              </a:rPr>
+              <a:t>https://www.naftaliharris.com/blog/visualizing-dbscan-clustering/</a:t>
+            </a:r>
+            <a:endParaRPr lang="en-US" dirty="0"/>
+          </a:p>
+          <a:p>
+            <a:endParaRPr lang="en-US" dirty="0"/>
+          </a:p>
+          <a:p>
+            <a:endParaRPr lang="en-US" dirty="0"/>
+          </a:p>
+          <a:p>
+            <a:endParaRPr lang="en-US" dirty="0"/>
+          </a:p>
+          <a:p>
+            <a:endParaRPr lang="en-US" dirty="0"/>
+          </a:p>
+        </p:txBody>
+      </p:sp>
+    </p:spTree>
+    <p:extLst>
+      <p:ext uri="{BB962C8B-B14F-4D97-AF65-F5344CB8AC3E}">
+        <p14:creationId xmlns:p14="http://schemas.microsoft.com/office/powerpoint/2010/main" val="2746542415"/>
+      </p:ext>
+    </p:extLst>
+  </p:cSld>
+  <p:clrMapOvr>
+    <a:masterClrMapping/>
+  </p:clrMapOvr>
+</p:sld>
+</file>
+
+<file path=ppt/slides/slide19.xml><?xml version="1.0" encoding="utf-8"?>
 <p:sld xmlns:a="http://schemas.openxmlformats.org/drawingml/2006/main" xmlns:r="http://schemas.openxmlformats.org/officeDocument/2006/relationships" xmlns:p="http://schemas.openxmlformats.org/presentationml/2006/main">
   <p:cSld>
     <p:spTree>
@@ -16765,116 +18392,10 @@
               <a:t>On a separate piece of paper record your findings!</a:t>
             </a:r>
           </a:p>
-        </p:txBody>
-      </p:sp>
-    </p:spTree>
-    <p:extLst>
-      <p:ext uri="{BB962C8B-B14F-4D97-AF65-F5344CB8AC3E}">
-        <p14:creationId xmlns:p14="http://schemas.microsoft.com/office/powerpoint/2010/main" val="3553303735"/>
-      </p:ext>
-    </p:extLst>
-  </p:cSld>
-  <p:clrMapOvr>
-    <a:masterClrMapping/>
-  </p:clrMapOvr>
-</p:sld>
-</file>
-
-<file path=ppt/slides/slide16.xml><?xml version="1.0" encoding="utf-8"?>
-<p:sld xmlns:a="http://schemas.openxmlformats.org/drawingml/2006/main" xmlns:r="http://schemas.openxmlformats.org/officeDocument/2006/relationships" xmlns:p="http://schemas.openxmlformats.org/presentationml/2006/main">
-  <p:cSld>
-    <p:spTree>
-      <p:nvGrpSpPr>
-        <p:cNvPr id="1" name=""/>
-        <p:cNvGrpSpPr/>
-        <p:nvPr/>
-      </p:nvGrpSpPr>
-      <p:grpSpPr>
-        <a:xfrm>
-          <a:off x="0" y="0"/>
-          <a:ext cx="0" cy="0"/>
-          <a:chOff x="0" y="0"/>
-          <a:chExt cx="0" cy="0"/>
-        </a:xfrm>
-      </p:grpSpPr>
-      <p:pic>
-        <p:nvPicPr>
-          <p:cNvPr id="3" name="Picture 2">
-            <a:extLst>
-              <a:ext uri="{FF2B5EF4-FFF2-40B4-BE49-F238E27FC236}">
-                <a16:creationId xmlns:a16="http://schemas.microsoft.com/office/drawing/2014/main" id="{A4CCAE33-9508-4F7F-B4FB-B8A4BD8D6D4B}"/>
-              </a:ext>
-            </a:extLst>
-          </p:cNvPr>
-          <p:cNvPicPr>
-            <a:picLocks noChangeAspect="1"/>
-          </p:cNvPicPr>
-          <p:nvPr/>
-        </p:nvPicPr>
-        <p:blipFill>
-          <a:blip r:embed="rId2"/>
-          <a:stretch>
-            <a:fillRect/>
-          </a:stretch>
-        </p:blipFill>
-        <p:spPr>
-          <a:xfrm>
-            <a:off x="145473" y="0"/>
-            <a:ext cx="9559636" cy="6561581"/>
-          </a:xfrm>
-          <a:prstGeom prst="rect">
-            <a:avLst/>
-          </a:prstGeom>
-        </p:spPr>
-      </p:pic>
-      <p:sp>
-        <p:nvSpPr>
-          <p:cNvPr id="4" name="Hexagon 3">
-            <a:extLst>
-              <a:ext uri="{FF2B5EF4-FFF2-40B4-BE49-F238E27FC236}">
-                <a16:creationId xmlns:a16="http://schemas.microsoft.com/office/drawing/2014/main" id="{917FFA4C-7393-4495-B9E5-90E9B126BACF}"/>
-              </a:ext>
-            </a:extLst>
-          </p:cNvPr>
-          <p:cNvSpPr/>
-          <p:nvPr/>
-        </p:nvSpPr>
-        <p:spPr>
-          <a:xfrm>
-            <a:off x="7495308" y="685800"/>
-            <a:ext cx="1898073" cy="1579418"/>
-          </a:xfrm>
-          <a:prstGeom prst="hexagon">
-            <a:avLst/>
-          </a:prstGeom>
-          <a:solidFill>
-            <a:srgbClr val="FF0000"/>
-          </a:solidFill>
-        </p:spPr>
-        <p:style>
-          <a:lnRef idx="2">
-            <a:schemeClr val="accent1">
-              <a:shade val="50000"/>
-            </a:schemeClr>
-          </a:lnRef>
-          <a:fillRef idx="1">
-            <a:schemeClr val="accent1"/>
-          </a:fillRef>
-          <a:effectRef idx="0">
-            <a:schemeClr val="accent1"/>
-          </a:effectRef>
-          <a:fontRef idx="minor">
-            <a:schemeClr val="lt1"/>
-          </a:fontRef>
-        </p:style>
-        <p:txBody>
-          <a:bodyPr rtlCol="0" anchor="ctr"/>
-          <a:lstStyle/>
           <a:p>
-            <a:pPr algn="ctr"/>
             <a:r>
               <a:rPr lang="en-US" dirty="0"/>
-              <a:t>No coding is necessary</a:t>
+              <a:t>This model is not the most optimized, what would you do differently in order to create better parameters</a:t>
             </a:r>
           </a:p>
         </p:txBody>
@@ -16882,738 +18403,7 @@
     </p:spTree>
     <p:extLst>
       <p:ext uri="{BB962C8B-B14F-4D97-AF65-F5344CB8AC3E}">
-        <p14:creationId xmlns:p14="http://schemas.microsoft.com/office/powerpoint/2010/main" val="1347298197"/>
-      </p:ext>
-    </p:extLst>
-  </p:cSld>
-  <p:clrMapOvr>
-    <a:masterClrMapping/>
-  </p:clrMapOvr>
-</p:sld>
-</file>
-
-<file path=ppt/slides/slide17.xml><?xml version="1.0" encoding="utf-8"?>
-<p:sld xmlns:a="http://schemas.openxmlformats.org/drawingml/2006/main" xmlns:r="http://schemas.openxmlformats.org/officeDocument/2006/relationships" xmlns:p="http://schemas.openxmlformats.org/presentationml/2006/main">
-  <p:cSld>
-    <p:spTree>
-      <p:nvGrpSpPr>
-        <p:cNvPr id="1" name=""/>
-        <p:cNvGrpSpPr/>
-        <p:nvPr/>
-      </p:nvGrpSpPr>
-      <p:grpSpPr>
-        <a:xfrm>
-          <a:off x="0" y="0"/>
-          <a:ext cx="0" cy="0"/>
-          <a:chOff x="0" y="0"/>
-          <a:chExt cx="0" cy="0"/>
-        </a:xfrm>
-      </p:grpSpPr>
-      <p:pic>
-        <p:nvPicPr>
-          <p:cNvPr id="3" name="Picture 2">
-            <a:extLst>
-              <a:ext uri="{FF2B5EF4-FFF2-40B4-BE49-F238E27FC236}">
-                <a16:creationId xmlns:a16="http://schemas.microsoft.com/office/drawing/2014/main" id="{A4CCAE33-9508-4F7F-B4FB-B8A4BD8D6D4B}"/>
-              </a:ext>
-            </a:extLst>
-          </p:cNvPr>
-          <p:cNvPicPr>
-            <a:picLocks noChangeAspect="1"/>
-          </p:cNvPicPr>
-          <p:nvPr/>
-        </p:nvPicPr>
-        <p:blipFill>
-          <a:blip r:embed="rId2"/>
-          <a:stretch>
-            <a:fillRect/>
-          </a:stretch>
-        </p:blipFill>
-        <p:spPr>
-          <a:xfrm>
-            <a:off x="145473" y="0"/>
-            <a:ext cx="9559636" cy="6561581"/>
-          </a:xfrm>
-          <a:prstGeom prst="rect">
-            <a:avLst/>
-          </a:prstGeom>
-        </p:spPr>
-      </p:pic>
-      <p:sp>
-        <p:nvSpPr>
-          <p:cNvPr id="5" name="Arrow: Left 4">
-            <a:extLst>
-              <a:ext uri="{FF2B5EF4-FFF2-40B4-BE49-F238E27FC236}">
-                <a16:creationId xmlns:a16="http://schemas.microsoft.com/office/drawing/2014/main" id="{1FC5AA71-A8AB-4208-9BB2-2F37468E7808}"/>
-              </a:ext>
-            </a:extLst>
-          </p:cNvPr>
-          <p:cNvSpPr/>
-          <p:nvPr/>
-        </p:nvSpPr>
-        <p:spPr>
-          <a:xfrm>
-            <a:off x="1211583" y="2796158"/>
-            <a:ext cx="978408" cy="484632"/>
-          </a:xfrm>
-          <a:prstGeom prst="leftArrow">
-            <a:avLst/>
-          </a:prstGeom>
-        </p:spPr>
-        <p:style>
-          <a:lnRef idx="2">
-            <a:schemeClr val="accent1">
-              <a:shade val="50000"/>
-            </a:schemeClr>
-          </a:lnRef>
-          <a:fillRef idx="1">
-            <a:schemeClr val="accent1"/>
-          </a:fillRef>
-          <a:effectRef idx="0">
-            <a:schemeClr val="accent1"/>
-          </a:effectRef>
-          <a:fontRef idx="minor">
-            <a:schemeClr val="lt1"/>
-          </a:fontRef>
-        </p:style>
-        <p:txBody>
-          <a:bodyPr rtlCol="0" anchor="ctr"/>
-          <a:lstStyle/>
-          <a:p>
-            <a:pPr algn="ctr"/>
-            <a:endParaRPr lang="en-US"/>
-          </a:p>
-        </p:txBody>
-      </p:sp>
-      <p:sp>
-        <p:nvSpPr>
-          <p:cNvPr id="6" name="Arrow: Left 5">
-            <a:extLst>
-              <a:ext uri="{FF2B5EF4-FFF2-40B4-BE49-F238E27FC236}">
-                <a16:creationId xmlns:a16="http://schemas.microsoft.com/office/drawing/2014/main" id="{66F9A475-0CAD-41ED-B0D7-AF32EEEF27A0}"/>
-              </a:ext>
-            </a:extLst>
-          </p:cNvPr>
-          <p:cNvSpPr/>
-          <p:nvPr/>
-        </p:nvSpPr>
-        <p:spPr>
-          <a:xfrm>
-            <a:off x="1234026" y="3334895"/>
-            <a:ext cx="978408" cy="484632"/>
-          </a:xfrm>
-          <a:prstGeom prst="leftArrow">
-            <a:avLst/>
-          </a:prstGeom>
-        </p:spPr>
-        <p:style>
-          <a:lnRef idx="2">
-            <a:schemeClr val="accent1">
-              <a:shade val="50000"/>
-            </a:schemeClr>
-          </a:lnRef>
-          <a:fillRef idx="1">
-            <a:schemeClr val="accent1"/>
-          </a:fillRef>
-          <a:effectRef idx="0">
-            <a:schemeClr val="accent1"/>
-          </a:effectRef>
-          <a:fontRef idx="minor">
-            <a:schemeClr val="lt1"/>
-          </a:fontRef>
-        </p:style>
-        <p:txBody>
-          <a:bodyPr rtlCol="0" anchor="ctr"/>
-          <a:lstStyle/>
-          <a:p>
-            <a:pPr algn="ctr"/>
-            <a:endParaRPr lang="en-US"/>
-          </a:p>
-        </p:txBody>
-      </p:sp>
-      <p:sp>
-        <p:nvSpPr>
-          <p:cNvPr id="7" name="Arrow: Left 6">
-            <a:extLst>
-              <a:ext uri="{FF2B5EF4-FFF2-40B4-BE49-F238E27FC236}">
-                <a16:creationId xmlns:a16="http://schemas.microsoft.com/office/drawing/2014/main" id="{E56F47F9-3498-46A0-809B-AFBD6A20E9F2}"/>
-              </a:ext>
-            </a:extLst>
-          </p:cNvPr>
-          <p:cNvSpPr/>
-          <p:nvPr/>
-        </p:nvSpPr>
-        <p:spPr>
-          <a:xfrm>
-            <a:off x="1286811" y="4454866"/>
-            <a:ext cx="978408" cy="484632"/>
-          </a:xfrm>
-          <a:prstGeom prst="leftArrow">
-            <a:avLst/>
-          </a:prstGeom>
-        </p:spPr>
-        <p:style>
-          <a:lnRef idx="2">
-            <a:schemeClr val="accent1">
-              <a:shade val="50000"/>
-            </a:schemeClr>
-          </a:lnRef>
-          <a:fillRef idx="1">
-            <a:schemeClr val="accent1"/>
-          </a:fillRef>
-          <a:effectRef idx="0">
-            <a:schemeClr val="accent1"/>
-          </a:effectRef>
-          <a:fontRef idx="minor">
-            <a:schemeClr val="lt1"/>
-          </a:fontRef>
-        </p:style>
-        <p:txBody>
-          <a:bodyPr rtlCol="0" anchor="ctr"/>
-          <a:lstStyle/>
-          <a:p>
-            <a:pPr algn="ctr"/>
-            <a:endParaRPr lang="en-US"/>
-          </a:p>
-        </p:txBody>
-      </p:sp>
-      <p:sp>
-        <p:nvSpPr>
-          <p:cNvPr id="8" name="Hexagon 7">
-            <a:extLst>
-              <a:ext uri="{FF2B5EF4-FFF2-40B4-BE49-F238E27FC236}">
-                <a16:creationId xmlns:a16="http://schemas.microsoft.com/office/drawing/2014/main" id="{712A1BF2-DAEF-4141-82C4-FD4886D2D9CF}"/>
-              </a:ext>
-            </a:extLst>
-          </p:cNvPr>
-          <p:cNvSpPr/>
-          <p:nvPr/>
-        </p:nvSpPr>
-        <p:spPr>
-          <a:xfrm>
-            <a:off x="3013363" y="2901533"/>
-            <a:ext cx="3241964" cy="2665354"/>
-          </a:xfrm>
-          <a:prstGeom prst="hexagon">
-            <a:avLst/>
-          </a:prstGeom>
-          <a:solidFill>
-            <a:schemeClr val="accent1">
-              <a:lumMod val="75000"/>
-            </a:schemeClr>
-          </a:solidFill>
-        </p:spPr>
-        <p:style>
-          <a:lnRef idx="2">
-            <a:schemeClr val="accent1">
-              <a:shade val="50000"/>
-            </a:schemeClr>
-          </a:lnRef>
-          <a:fillRef idx="1">
-            <a:schemeClr val="accent1"/>
-          </a:fillRef>
-          <a:effectRef idx="0">
-            <a:schemeClr val="accent1"/>
-          </a:effectRef>
-          <a:fontRef idx="minor">
-            <a:schemeClr val="lt1"/>
-          </a:fontRef>
-        </p:style>
-        <p:txBody>
-          <a:bodyPr rtlCol="0" anchor="ctr"/>
-          <a:lstStyle/>
-          <a:p>
-            <a:pPr algn="ctr"/>
-            <a:r>
-              <a:rPr lang="en-US" dirty="0"/>
-              <a:t>Run these cells</a:t>
-            </a:r>
-          </a:p>
-          <a:p>
-            <a:pPr algn="ctr"/>
-            <a:r>
-              <a:rPr lang="en-US" dirty="0"/>
-              <a:t>Click on the arrow</a:t>
-            </a:r>
-          </a:p>
-          <a:p>
-            <a:pPr algn="ctr"/>
-            <a:endParaRPr lang="en-US" dirty="0"/>
-          </a:p>
-          <a:p>
-            <a:pPr algn="ctr"/>
-            <a:r>
-              <a:rPr lang="en-US" dirty="0"/>
-              <a:t>These load the needed code</a:t>
-            </a:r>
-          </a:p>
-          <a:p>
-            <a:pPr algn="ctr"/>
-            <a:endParaRPr lang="en-US" dirty="0"/>
-          </a:p>
-        </p:txBody>
-      </p:sp>
-      <p:sp>
-        <p:nvSpPr>
-          <p:cNvPr id="9" name="Action Button: Go Forward or Next 8">
-            <a:hlinkClick r:id="" action="ppaction://noaction" highlightClick="1"/>
-            <a:extLst>
-              <a:ext uri="{FF2B5EF4-FFF2-40B4-BE49-F238E27FC236}">
-                <a16:creationId xmlns:a16="http://schemas.microsoft.com/office/drawing/2014/main" id="{B2352F14-51E3-4BD7-B619-1B808B06A033}"/>
-              </a:ext>
-            </a:extLst>
-          </p:cNvPr>
-          <p:cNvSpPr/>
-          <p:nvPr/>
-        </p:nvSpPr>
-        <p:spPr>
-          <a:xfrm>
-            <a:off x="4925291" y="3837668"/>
-            <a:ext cx="666681" cy="399964"/>
-          </a:xfrm>
-          <a:prstGeom prst="actionButtonForwardNext">
-            <a:avLst/>
-          </a:prstGeom>
-        </p:spPr>
-        <p:style>
-          <a:lnRef idx="2">
-            <a:schemeClr val="accent1">
-              <a:shade val="50000"/>
-            </a:schemeClr>
-          </a:lnRef>
-          <a:fillRef idx="1">
-            <a:schemeClr val="accent1"/>
-          </a:fillRef>
-          <a:effectRef idx="0">
-            <a:schemeClr val="accent1"/>
-          </a:effectRef>
-          <a:fontRef idx="minor">
-            <a:schemeClr val="lt1"/>
-          </a:fontRef>
-        </p:style>
-        <p:txBody>
-          <a:bodyPr rtlCol="0" anchor="ctr"/>
-          <a:lstStyle/>
-          <a:p>
-            <a:pPr algn="ctr"/>
-            <a:endParaRPr lang="en-US"/>
-          </a:p>
-        </p:txBody>
-      </p:sp>
-    </p:spTree>
-    <p:extLst>
-      <p:ext uri="{BB962C8B-B14F-4D97-AF65-F5344CB8AC3E}">
-        <p14:creationId xmlns:p14="http://schemas.microsoft.com/office/powerpoint/2010/main" val="459528522"/>
-      </p:ext>
-    </p:extLst>
-  </p:cSld>
-  <p:clrMapOvr>
-    <a:masterClrMapping/>
-  </p:clrMapOvr>
-</p:sld>
-</file>
-
-<file path=ppt/slides/slide18.xml><?xml version="1.0" encoding="utf-8"?>
-<p:sld xmlns:a="http://schemas.openxmlformats.org/drawingml/2006/main" xmlns:r="http://schemas.openxmlformats.org/officeDocument/2006/relationships" xmlns:p="http://schemas.openxmlformats.org/presentationml/2006/main">
-  <p:cSld>
-    <p:spTree>
-      <p:nvGrpSpPr>
-        <p:cNvPr id="1" name=""/>
-        <p:cNvGrpSpPr/>
-        <p:nvPr/>
-      </p:nvGrpSpPr>
-      <p:grpSpPr>
-        <a:xfrm>
-          <a:off x="0" y="0"/>
-          <a:ext cx="0" cy="0"/>
-          <a:chOff x="0" y="0"/>
-          <a:chExt cx="0" cy="0"/>
-        </a:xfrm>
-      </p:grpSpPr>
-      <p:pic>
-        <p:nvPicPr>
-          <p:cNvPr id="3" name="Picture 2">
-            <a:extLst>
-              <a:ext uri="{FF2B5EF4-FFF2-40B4-BE49-F238E27FC236}">
-                <a16:creationId xmlns:a16="http://schemas.microsoft.com/office/drawing/2014/main" id="{A4CCAE33-9508-4F7F-B4FB-B8A4BD8D6D4B}"/>
-              </a:ext>
-            </a:extLst>
-          </p:cNvPr>
-          <p:cNvPicPr>
-            <a:picLocks noChangeAspect="1"/>
-          </p:cNvPicPr>
-          <p:nvPr/>
-        </p:nvPicPr>
-        <p:blipFill>
-          <a:blip r:embed="rId2"/>
-          <a:stretch>
-            <a:fillRect/>
-          </a:stretch>
-        </p:blipFill>
-        <p:spPr>
-          <a:xfrm>
-            <a:off x="145473" y="0"/>
-            <a:ext cx="9559636" cy="6561581"/>
-          </a:xfrm>
-          <a:prstGeom prst="rect">
-            <a:avLst/>
-          </a:prstGeom>
-        </p:spPr>
-      </p:pic>
-      <p:sp>
-        <p:nvSpPr>
-          <p:cNvPr id="7" name="Arrow: Left 6">
-            <a:extLst>
-              <a:ext uri="{FF2B5EF4-FFF2-40B4-BE49-F238E27FC236}">
-                <a16:creationId xmlns:a16="http://schemas.microsoft.com/office/drawing/2014/main" id="{E56F47F9-3498-46A0-809B-AFBD6A20E9F2}"/>
-              </a:ext>
-            </a:extLst>
-          </p:cNvPr>
-          <p:cNvSpPr/>
-          <p:nvPr/>
-        </p:nvSpPr>
-        <p:spPr>
-          <a:xfrm>
-            <a:off x="1234026" y="4948238"/>
-            <a:ext cx="978408" cy="484632"/>
-          </a:xfrm>
-          <a:prstGeom prst="leftArrow">
-            <a:avLst/>
-          </a:prstGeom>
-          <a:solidFill>
-            <a:srgbClr val="FF0000"/>
-          </a:solidFill>
-        </p:spPr>
-        <p:style>
-          <a:lnRef idx="2">
-            <a:schemeClr val="accent1">
-              <a:shade val="50000"/>
-            </a:schemeClr>
-          </a:lnRef>
-          <a:fillRef idx="1">
-            <a:schemeClr val="accent1"/>
-          </a:fillRef>
-          <a:effectRef idx="0">
-            <a:schemeClr val="accent1"/>
-          </a:effectRef>
-          <a:fontRef idx="minor">
-            <a:schemeClr val="lt1"/>
-          </a:fontRef>
-        </p:style>
-        <p:txBody>
-          <a:bodyPr rtlCol="0" anchor="ctr"/>
-          <a:lstStyle/>
-          <a:p>
-            <a:pPr algn="ctr"/>
-            <a:endParaRPr lang="en-US"/>
-          </a:p>
-        </p:txBody>
-      </p:sp>
-      <p:sp>
-        <p:nvSpPr>
-          <p:cNvPr id="8" name="Hexagon 7">
-            <a:extLst>
-              <a:ext uri="{FF2B5EF4-FFF2-40B4-BE49-F238E27FC236}">
-                <a16:creationId xmlns:a16="http://schemas.microsoft.com/office/drawing/2014/main" id="{712A1BF2-DAEF-4141-82C4-FD4886D2D9CF}"/>
-              </a:ext>
-            </a:extLst>
-          </p:cNvPr>
-          <p:cNvSpPr/>
-          <p:nvPr/>
-        </p:nvSpPr>
-        <p:spPr>
-          <a:xfrm>
-            <a:off x="3013363" y="2901533"/>
-            <a:ext cx="3241964" cy="2665354"/>
-          </a:xfrm>
-          <a:prstGeom prst="hexagon">
-            <a:avLst/>
-          </a:prstGeom>
-          <a:solidFill>
-            <a:schemeClr val="accent1">
-              <a:lumMod val="75000"/>
-            </a:schemeClr>
-          </a:solidFill>
-        </p:spPr>
-        <p:style>
-          <a:lnRef idx="2">
-            <a:schemeClr val="accent1">
-              <a:shade val="50000"/>
-            </a:schemeClr>
-          </a:lnRef>
-          <a:fillRef idx="1">
-            <a:schemeClr val="accent1"/>
-          </a:fillRef>
-          <a:effectRef idx="0">
-            <a:schemeClr val="accent1"/>
-          </a:effectRef>
-          <a:fontRef idx="minor">
-            <a:schemeClr val="lt1"/>
-          </a:fontRef>
-        </p:style>
-        <p:txBody>
-          <a:bodyPr rtlCol="0" anchor="ctr"/>
-          <a:lstStyle/>
-          <a:p>
-            <a:pPr algn="ctr"/>
-            <a:r>
-              <a:rPr lang="en-US" dirty="0"/>
-              <a:t>Run these cells</a:t>
-            </a:r>
-          </a:p>
-          <a:p>
-            <a:pPr algn="ctr"/>
-            <a:r>
-              <a:rPr lang="en-US" dirty="0"/>
-              <a:t>Click on the arrow</a:t>
-            </a:r>
-          </a:p>
-          <a:p>
-            <a:pPr algn="ctr"/>
-            <a:endParaRPr lang="en-US" dirty="0"/>
-          </a:p>
-          <a:p>
-            <a:pPr algn="ctr"/>
-            <a:r>
-              <a:rPr lang="en-US" dirty="0"/>
-              <a:t>Click on this run bottom to run your algorithm</a:t>
-            </a:r>
-          </a:p>
-          <a:p>
-            <a:pPr algn="ctr"/>
-            <a:endParaRPr lang="en-US" dirty="0"/>
-          </a:p>
-        </p:txBody>
-      </p:sp>
-      <p:sp>
-        <p:nvSpPr>
-          <p:cNvPr id="9" name="Action Button: Go Forward or Next 8">
-            <a:hlinkClick r:id="" action="ppaction://noaction" highlightClick="1"/>
-            <a:extLst>
-              <a:ext uri="{FF2B5EF4-FFF2-40B4-BE49-F238E27FC236}">
-                <a16:creationId xmlns:a16="http://schemas.microsoft.com/office/drawing/2014/main" id="{B2352F14-51E3-4BD7-B619-1B808B06A033}"/>
-              </a:ext>
-            </a:extLst>
-          </p:cNvPr>
-          <p:cNvSpPr/>
-          <p:nvPr/>
-        </p:nvSpPr>
-        <p:spPr>
-          <a:xfrm>
-            <a:off x="4925291" y="3624752"/>
-            <a:ext cx="666681" cy="399964"/>
-          </a:xfrm>
-          <a:prstGeom prst="actionButtonForwardNext">
-            <a:avLst/>
-          </a:prstGeom>
-        </p:spPr>
-        <p:style>
-          <a:lnRef idx="2">
-            <a:schemeClr val="accent1">
-              <a:shade val="50000"/>
-            </a:schemeClr>
-          </a:lnRef>
-          <a:fillRef idx="1">
-            <a:schemeClr val="accent1"/>
-          </a:fillRef>
-          <a:effectRef idx="0">
-            <a:schemeClr val="accent1"/>
-          </a:effectRef>
-          <a:fontRef idx="minor">
-            <a:schemeClr val="lt1"/>
-          </a:fontRef>
-        </p:style>
-        <p:txBody>
-          <a:bodyPr rtlCol="0" anchor="ctr"/>
-          <a:lstStyle/>
-          <a:p>
-            <a:pPr algn="ctr"/>
-            <a:endParaRPr lang="en-US"/>
-          </a:p>
-        </p:txBody>
-      </p:sp>
-    </p:spTree>
-    <p:extLst>
-      <p:ext uri="{BB962C8B-B14F-4D97-AF65-F5344CB8AC3E}">
-        <p14:creationId xmlns:p14="http://schemas.microsoft.com/office/powerpoint/2010/main" val="3086980808"/>
-      </p:ext>
-    </p:extLst>
-  </p:cSld>
-  <p:clrMapOvr>
-    <a:masterClrMapping/>
-  </p:clrMapOvr>
-</p:sld>
-</file>
-
-<file path=ppt/slides/slide19.xml><?xml version="1.0" encoding="utf-8"?>
-<p:sld xmlns:a="http://schemas.openxmlformats.org/drawingml/2006/main" xmlns:r="http://schemas.openxmlformats.org/officeDocument/2006/relationships" xmlns:p="http://schemas.openxmlformats.org/presentationml/2006/main">
-  <p:cSld>
-    <p:spTree>
-      <p:nvGrpSpPr>
-        <p:cNvPr id="1" name=""/>
-        <p:cNvGrpSpPr/>
-        <p:nvPr/>
-      </p:nvGrpSpPr>
-      <p:grpSpPr>
-        <a:xfrm>
-          <a:off x="0" y="0"/>
-          <a:ext cx="0" cy="0"/>
-          <a:chOff x="0" y="0"/>
-          <a:chExt cx="0" cy="0"/>
-        </a:xfrm>
-      </p:grpSpPr>
-      <p:pic>
-        <p:nvPicPr>
-          <p:cNvPr id="2" name="Picture 1">
-            <a:extLst>
-              <a:ext uri="{FF2B5EF4-FFF2-40B4-BE49-F238E27FC236}">
-                <a16:creationId xmlns:a16="http://schemas.microsoft.com/office/drawing/2014/main" id="{938101A7-78B4-46EA-A37F-D28FCA308B80}"/>
-              </a:ext>
-            </a:extLst>
-          </p:cNvPr>
-          <p:cNvPicPr>
-            <a:picLocks noChangeAspect="1"/>
-          </p:cNvPicPr>
-          <p:nvPr/>
-        </p:nvPicPr>
-        <p:blipFill>
-          <a:blip r:embed="rId2"/>
-          <a:stretch>
-            <a:fillRect/>
-          </a:stretch>
-        </p:blipFill>
-        <p:spPr>
-          <a:xfrm>
-            <a:off x="255876" y="177944"/>
-            <a:ext cx="9795309" cy="5916410"/>
-          </a:xfrm>
-          <a:prstGeom prst="rect">
-            <a:avLst/>
-          </a:prstGeom>
-        </p:spPr>
-      </p:pic>
-      <p:sp>
-        <p:nvSpPr>
-          <p:cNvPr id="3" name="Hexagon 2">
-            <a:extLst>
-              <a:ext uri="{FF2B5EF4-FFF2-40B4-BE49-F238E27FC236}">
-                <a16:creationId xmlns:a16="http://schemas.microsoft.com/office/drawing/2014/main" id="{BF2343CF-96BD-4B93-966D-85F5F2561CC2}"/>
-              </a:ext>
-            </a:extLst>
-          </p:cNvPr>
-          <p:cNvSpPr/>
-          <p:nvPr/>
-        </p:nvSpPr>
-        <p:spPr>
-          <a:xfrm>
-            <a:off x="7613071" y="4014702"/>
-            <a:ext cx="3241964" cy="2665354"/>
-          </a:xfrm>
-          <a:prstGeom prst="hexagon">
-            <a:avLst/>
-          </a:prstGeom>
-          <a:solidFill>
-            <a:schemeClr val="accent1">
-              <a:lumMod val="75000"/>
-            </a:schemeClr>
-          </a:solidFill>
-        </p:spPr>
-        <p:style>
-          <a:lnRef idx="2">
-            <a:schemeClr val="accent1">
-              <a:shade val="50000"/>
-            </a:schemeClr>
-          </a:lnRef>
-          <a:fillRef idx="1">
-            <a:schemeClr val="accent1"/>
-          </a:fillRef>
-          <a:effectRef idx="0">
-            <a:schemeClr val="accent1"/>
-          </a:effectRef>
-          <a:fontRef idx="minor">
-            <a:schemeClr val="lt1"/>
-          </a:fontRef>
-        </p:style>
-        <p:txBody>
-          <a:bodyPr rtlCol="0" anchor="ctr"/>
-          <a:lstStyle/>
-          <a:p>
-            <a:pPr algn="ctr"/>
-            <a:r>
-              <a:rPr lang="en-US" dirty="0"/>
-              <a:t>After you run you will be prompted to </a:t>
-            </a:r>
-            <a:r>
-              <a:rPr lang="en-US" dirty="0" err="1"/>
-              <a:t>to</a:t>
-            </a:r>
-            <a:r>
-              <a:rPr lang="en-US" dirty="0"/>
-              <a:t> enter your learning rate </a:t>
-            </a:r>
-            <a:r>
-              <a:rPr lang="en-US" dirty="0" err="1"/>
-              <a:t>etc</a:t>
-            </a:r>
-            <a:r>
-              <a:rPr lang="en-US" dirty="0"/>
-              <a:t>….</a:t>
-            </a:r>
-          </a:p>
-        </p:txBody>
-      </p:sp>
-      <p:sp>
-        <p:nvSpPr>
-          <p:cNvPr id="4" name="Rectangle 3">
-            <a:extLst>
-              <a:ext uri="{FF2B5EF4-FFF2-40B4-BE49-F238E27FC236}">
-                <a16:creationId xmlns:a16="http://schemas.microsoft.com/office/drawing/2014/main" id="{3C28DBF4-4951-422A-BA15-A3C345B8AC33}"/>
-              </a:ext>
-            </a:extLst>
-          </p:cNvPr>
-          <p:cNvSpPr/>
-          <p:nvPr/>
-        </p:nvSpPr>
-        <p:spPr>
-          <a:xfrm>
-            <a:off x="290945" y="2119745"/>
-            <a:ext cx="9767455" cy="2665354"/>
-          </a:xfrm>
-          <a:prstGeom prst="rect">
-            <a:avLst/>
-          </a:prstGeom>
-          <a:noFill/>
-          <a:ln w="38100"/>
-        </p:spPr>
-        <p:style>
-          <a:lnRef idx="2">
-            <a:schemeClr val="accent1">
-              <a:shade val="50000"/>
-            </a:schemeClr>
-          </a:lnRef>
-          <a:fillRef idx="1">
-            <a:schemeClr val="accent1"/>
-          </a:fillRef>
-          <a:effectRef idx="0">
-            <a:schemeClr val="accent1"/>
-          </a:effectRef>
-          <a:fontRef idx="minor">
-            <a:schemeClr val="lt1"/>
-          </a:fontRef>
-        </p:style>
-        <p:txBody>
-          <a:bodyPr rtlCol="0" anchor="ctr"/>
-          <a:lstStyle/>
-          <a:p>
-            <a:pPr algn="ctr"/>
-            <a:endParaRPr lang="en-US"/>
-          </a:p>
-        </p:txBody>
-      </p:sp>
-    </p:spTree>
-    <p:extLst>
-      <p:ext uri="{BB962C8B-B14F-4D97-AF65-F5344CB8AC3E}">
-        <p14:creationId xmlns:p14="http://schemas.microsoft.com/office/powerpoint/2010/main" val="2503115667"/>
+        <p14:creationId xmlns:p14="http://schemas.microsoft.com/office/powerpoint/2010/main" val="3553303735"/>
       </p:ext>
     </p:extLst>
   </p:cSld>
@@ -18117,8 +18907,8 @@
             <a:chExt cx="3999885" cy="2134253"/>
           </a:xfrm>
         </p:grpSpPr>
-        <mc:AlternateContent xmlns:mc="http://schemas.openxmlformats.org/markup-compatibility/2006">
-          <mc:Choice xmlns:a14="http://schemas.microsoft.com/office/drawing/2010/main" Requires="a14">
+        <mc:AlternateContent xmlns:mc="http://schemas.openxmlformats.org/markup-compatibility/2006" xmlns:a14="http://schemas.microsoft.com/office/drawing/2010/main">
+          <mc:Choice Requires="a14">
             <p:sp>
               <p:nvSpPr>
                 <p:cNvPr id="10" name="Rectangle 9">
@@ -18256,7 +19046,7 @@
               </p:txBody>
             </p:sp>
           </mc:Choice>
-          <mc:Fallback>
+          <mc:Fallback xmlns="">
             <p:sp>
               <p:nvSpPr>
                 <p:cNvPr id="10" name="Rectangle 9">
@@ -18363,7 +19153,7 @@
         </p:nvSpPr>
         <p:spPr>
           <a:xfrm>
-            <a:off x="10607436" y="5128719"/>
+            <a:off x="10616101" y="4951687"/>
             <a:ext cx="1584564" cy="1181171"/>
           </a:xfrm>
           <a:prstGeom prst="rect">
@@ -18597,6 +19387,1667 @@
 <file path=ppt/slides/slide20.xml><?xml version="1.0" encoding="utf-8"?>
 <p:sld xmlns:a="http://schemas.openxmlformats.org/drawingml/2006/main" xmlns:r="http://schemas.openxmlformats.org/officeDocument/2006/relationships" xmlns:p="http://schemas.openxmlformats.org/presentationml/2006/main">
   <p:cSld>
+    <p:spTree>
+      <p:nvGrpSpPr>
+        <p:cNvPr id="1" name=""/>
+        <p:cNvGrpSpPr/>
+        <p:nvPr/>
+      </p:nvGrpSpPr>
+      <p:grpSpPr>
+        <a:xfrm>
+          <a:off x="0" y="0"/>
+          <a:ext cx="0" cy="0"/>
+          <a:chOff x="0" y="0"/>
+          <a:chExt cx="0" cy="0"/>
+        </a:xfrm>
+      </p:grpSpPr>
+      <p:sp>
+        <p:nvSpPr>
+          <p:cNvPr id="2" name="Title 1">
+            <a:extLst>
+              <a:ext uri="{FF2B5EF4-FFF2-40B4-BE49-F238E27FC236}">
+                <a16:creationId xmlns:a16="http://schemas.microsoft.com/office/drawing/2014/main" id="{0D6ACD7B-E0B9-4727-9B59-03F9FE6BA548}"/>
+              </a:ext>
+            </a:extLst>
+          </p:cNvPr>
+          <p:cNvSpPr>
+            <a:spLocks noGrp="1"/>
+          </p:cNvSpPr>
+          <p:nvPr>
+            <p:ph type="title"/>
+          </p:nvPr>
+        </p:nvSpPr>
+        <p:spPr/>
+        <p:txBody>
+          <a:bodyPr/>
+          <a:lstStyle/>
+          <a:p>
+            <a:r>
+              <a:rPr lang="en-US" dirty="0"/>
+              <a:t>Instructions: </a:t>
+            </a:r>
+          </a:p>
+        </p:txBody>
+      </p:sp>
+      <p:pic>
+        <p:nvPicPr>
+          <p:cNvPr id="5" name="Content Placeholder 4">
+            <a:extLst>
+              <a:ext uri="{FF2B5EF4-FFF2-40B4-BE49-F238E27FC236}">
+                <a16:creationId xmlns:a16="http://schemas.microsoft.com/office/drawing/2014/main" id="{7DD61DE5-D73A-40F5-9828-C954F16CFDA8}"/>
+              </a:ext>
+            </a:extLst>
+          </p:cNvPr>
+          <p:cNvPicPr>
+            <a:picLocks noGrp="1" noChangeAspect="1"/>
+          </p:cNvPicPr>
+          <p:nvPr>
+            <p:ph idx="1"/>
+          </p:nvPr>
+        </p:nvPicPr>
+        <p:blipFill>
+          <a:blip r:embed="rId2"/>
+          <a:stretch>
+            <a:fillRect/>
+          </a:stretch>
+        </p:blipFill>
+        <p:spPr>
+          <a:xfrm>
+            <a:off x="650513" y="1770118"/>
+            <a:ext cx="11233685" cy="4908978"/>
+          </a:xfrm>
+        </p:spPr>
+      </p:pic>
+      <p:sp>
+        <p:nvSpPr>
+          <p:cNvPr id="6" name="Rectangle 5">
+            <a:extLst>
+              <a:ext uri="{FF2B5EF4-FFF2-40B4-BE49-F238E27FC236}">
+                <a16:creationId xmlns:a16="http://schemas.microsoft.com/office/drawing/2014/main" id="{F71FDE47-697D-4B4C-9461-D9D8E2445760}"/>
+              </a:ext>
+            </a:extLst>
+          </p:cNvPr>
+          <p:cNvSpPr/>
+          <p:nvPr/>
+        </p:nvSpPr>
+        <p:spPr>
+          <a:xfrm>
+            <a:off x="6094411" y="618518"/>
+            <a:ext cx="5187307" cy="914400"/>
+          </a:xfrm>
+          <a:prstGeom prst="rect">
+            <a:avLst/>
+          </a:prstGeom>
+        </p:spPr>
+        <p:style>
+          <a:lnRef idx="2">
+            <a:schemeClr val="dk1">
+              <a:shade val="50000"/>
+            </a:schemeClr>
+          </a:lnRef>
+          <a:fillRef idx="1">
+            <a:schemeClr val="dk1"/>
+          </a:fillRef>
+          <a:effectRef idx="0">
+            <a:schemeClr val="dk1"/>
+          </a:effectRef>
+          <a:fontRef idx="minor">
+            <a:schemeClr val="lt1"/>
+          </a:fontRef>
+        </p:style>
+        <p:txBody>
+          <a:bodyPr rtlCol="0" anchor="ctr"/>
+          <a:lstStyle/>
+          <a:p>
+            <a:pPr algn="ctr"/>
+            <a:r>
+              <a:rPr lang="en-US" dirty="0"/>
+              <a:t>https://colab.research.google.com/</a:t>
+            </a:r>
+          </a:p>
+        </p:txBody>
+      </p:sp>
+    </p:spTree>
+    <p:extLst>
+      <p:ext uri="{BB962C8B-B14F-4D97-AF65-F5344CB8AC3E}">
+        <p14:creationId xmlns:p14="http://schemas.microsoft.com/office/powerpoint/2010/main" val="693336364"/>
+      </p:ext>
+    </p:extLst>
+  </p:cSld>
+  <p:clrMapOvr>
+    <a:masterClrMapping/>
+  </p:clrMapOvr>
+</p:sld>
+</file>
+
+<file path=ppt/slides/slide21.xml><?xml version="1.0" encoding="utf-8"?>
+<p:sld xmlns:a="http://schemas.openxmlformats.org/drawingml/2006/main" xmlns:r="http://schemas.openxmlformats.org/officeDocument/2006/relationships" xmlns:p="http://schemas.openxmlformats.org/presentationml/2006/main">
+  <p:cSld>
+    <p:spTree>
+      <p:nvGrpSpPr>
+        <p:cNvPr id="1" name=""/>
+        <p:cNvGrpSpPr/>
+        <p:nvPr/>
+      </p:nvGrpSpPr>
+      <p:grpSpPr>
+        <a:xfrm>
+          <a:off x="0" y="0"/>
+          <a:ext cx="0" cy="0"/>
+          <a:chOff x="0" y="0"/>
+          <a:chExt cx="0" cy="0"/>
+        </a:xfrm>
+      </p:grpSpPr>
+      <p:sp>
+        <p:nvSpPr>
+          <p:cNvPr id="2" name="Title 1">
+            <a:extLst>
+              <a:ext uri="{FF2B5EF4-FFF2-40B4-BE49-F238E27FC236}">
+                <a16:creationId xmlns:a16="http://schemas.microsoft.com/office/drawing/2014/main" id="{0D6ACD7B-E0B9-4727-9B59-03F9FE6BA548}"/>
+              </a:ext>
+            </a:extLst>
+          </p:cNvPr>
+          <p:cNvSpPr>
+            <a:spLocks noGrp="1"/>
+          </p:cNvSpPr>
+          <p:nvPr>
+            <p:ph type="title"/>
+          </p:nvPr>
+        </p:nvSpPr>
+        <p:spPr/>
+        <p:txBody>
+          <a:bodyPr/>
+          <a:lstStyle/>
+          <a:p>
+            <a:r>
+              <a:rPr lang="en-US" dirty="0"/>
+              <a:t>Instructions: </a:t>
+            </a:r>
+          </a:p>
+        </p:txBody>
+      </p:sp>
+      <p:pic>
+        <p:nvPicPr>
+          <p:cNvPr id="5" name="Content Placeholder 4">
+            <a:extLst>
+              <a:ext uri="{FF2B5EF4-FFF2-40B4-BE49-F238E27FC236}">
+                <a16:creationId xmlns:a16="http://schemas.microsoft.com/office/drawing/2014/main" id="{7DD61DE5-D73A-40F5-9828-C954F16CFDA8}"/>
+              </a:ext>
+            </a:extLst>
+          </p:cNvPr>
+          <p:cNvPicPr>
+            <a:picLocks noGrp="1" noChangeAspect="1"/>
+          </p:cNvPicPr>
+          <p:nvPr>
+            <p:ph idx="1"/>
+          </p:nvPr>
+        </p:nvPicPr>
+        <p:blipFill>
+          <a:blip r:embed="rId2"/>
+          <a:stretch>
+            <a:fillRect/>
+          </a:stretch>
+        </p:blipFill>
+        <p:spPr>
+          <a:xfrm>
+            <a:off x="786437" y="1844258"/>
+            <a:ext cx="11233685" cy="4908978"/>
+          </a:xfrm>
+        </p:spPr>
+      </p:pic>
+      <p:sp>
+        <p:nvSpPr>
+          <p:cNvPr id="6" name="Rectangle 5">
+            <a:extLst>
+              <a:ext uri="{FF2B5EF4-FFF2-40B4-BE49-F238E27FC236}">
+                <a16:creationId xmlns:a16="http://schemas.microsoft.com/office/drawing/2014/main" id="{F71FDE47-697D-4B4C-9461-D9D8E2445760}"/>
+              </a:ext>
+            </a:extLst>
+          </p:cNvPr>
+          <p:cNvSpPr/>
+          <p:nvPr/>
+        </p:nvSpPr>
+        <p:spPr>
+          <a:xfrm>
+            <a:off x="6094411" y="618518"/>
+            <a:ext cx="5187307" cy="914400"/>
+          </a:xfrm>
+          <a:prstGeom prst="rect">
+            <a:avLst/>
+          </a:prstGeom>
+        </p:spPr>
+        <p:style>
+          <a:lnRef idx="2">
+            <a:schemeClr val="dk1">
+              <a:shade val="50000"/>
+            </a:schemeClr>
+          </a:lnRef>
+          <a:fillRef idx="1">
+            <a:schemeClr val="dk1"/>
+          </a:fillRef>
+          <a:effectRef idx="0">
+            <a:schemeClr val="dk1"/>
+          </a:effectRef>
+          <a:fontRef idx="minor">
+            <a:schemeClr val="lt1"/>
+          </a:fontRef>
+        </p:style>
+        <p:txBody>
+          <a:bodyPr rtlCol="0" anchor="ctr"/>
+          <a:lstStyle/>
+          <a:p>
+            <a:pPr algn="ctr"/>
+            <a:r>
+              <a:rPr lang="en-US" dirty="0"/>
+              <a:t>https://colab.research.google.com/</a:t>
+            </a:r>
+          </a:p>
+        </p:txBody>
+      </p:sp>
+      <p:sp>
+        <p:nvSpPr>
+          <p:cNvPr id="4" name="Arrow: Right 3">
+            <a:extLst>
+              <a:ext uri="{FF2B5EF4-FFF2-40B4-BE49-F238E27FC236}">
+                <a16:creationId xmlns:a16="http://schemas.microsoft.com/office/drawing/2014/main" id="{A35F0897-B2C4-4B87-A1F4-64845FFB331C}"/>
+              </a:ext>
+            </a:extLst>
+          </p:cNvPr>
+          <p:cNvSpPr/>
+          <p:nvPr/>
+        </p:nvSpPr>
+        <p:spPr>
+          <a:xfrm rot="16200000">
+            <a:off x="7123670" y="2943093"/>
+            <a:ext cx="1383709" cy="729295"/>
+          </a:xfrm>
+          <a:prstGeom prst="rightArrow">
+            <a:avLst/>
+          </a:prstGeom>
+          <a:solidFill>
+            <a:schemeClr val="accent4">
+              <a:lumMod val="75000"/>
+            </a:schemeClr>
+          </a:solidFill>
+        </p:spPr>
+        <p:style>
+          <a:lnRef idx="2">
+            <a:schemeClr val="accent1">
+              <a:shade val="50000"/>
+            </a:schemeClr>
+          </a:lnRef>
+          <a:fillRef idx="1">
+            <a:schemeClr val="accent1"/>
+          </a:fillRef>
+          <a:effectRef idx="0">
+            <a:schemeClr val="accent1"/>
+          </a:effectRef>
+          <a:fontRef idx="minor">
+            <a:schemeClr val="lt1"/>
+          </a:fontRef>
+        </p:style>
+        <p:txBody>
+          <a:bodyPr rtlCol="0" anchor="ctr"/>
+          <a:lstStyle/>
+          <a:p>
+            <a:pPr algn="ctr"/>
+            <a:endParaRPr lang="en-US"/>
+          </a:p>
+        </p:txBody>
+      </p:sp>
+      <p:sp>
+        <p:nvSpPr>
+          <p:cNvPr id="7" name="Rectangle 6">
+            <a:extLst>
+              <a:ext uri="{FF2B5EF4-FFF2-40B4-BE49-F238E27FC236}">
+                <a16:creationId xmlns:a16="http://schemas.microsoft.com/office/drawing/2014/main" id="{47922D30-C0A1-41E7-A03D-11BB0BAD72FC}"/>
+              </a:ext>
+            </a:extLst>
+          </p:cNvPr>
+          <p:cNvSpPr/>
+          <p:nvPr/>
+        </p:nvSpPr>
+        <p:spPr>
+          <a:xfrm>
+            <a:off x="7151956" y="3840152"/>
+            <a:ext cx="1536108" cy="470783"/>
+          </a:xfrm>
+          <a:prstGeom prst="rect">
+            <a:avLst/>
+          </a:prstGeom>
+          <a:solidFill>
+            <a:schemeClr val="accent4">
+              <a:lumMod val="75000"/>
+            </a:schemeClr>
+          </a:solidFill>
+        </p:spPr>
+        <p:style>
+          <a:lnRef idx="2">
+            <a:schemeClr val="dk1">
+              <a:shade val="50000"/>
+            </a:schemeClr>
+          </a:lnRef>
+          <a:fillRef idx="1">
+            <a:schemeClr val="dk1"/>
+          </a:fillRef>
+          <a:effectRef idx="0">
+            <a:schemeClr val="dk1"/>
+          </a:effectRef>
+          <a:fontRef idx="minor">
+            <a:schemeClr val="lt1"/>
+          </a:fontRef>
+        </p:style>
+        <p:txBody>
+          <a:bodyPr rtlCol="0" anchor="ctr"/>
+          <a:lstStyle/>
+          <a:p>
+            <a:pPr algn="ctr"/>
+            <a:r>
+              <a:rPr lang="en-US" dirty="0"/>
+              <a:t>Click here</a:t>
+            </a:r>
+          </a:p>
+        </p:txBody>
+      </p:sp>
+    </p:spTree>
+    <p:extLst>
+      <p:ext uri="{BB962C8B-B14F-4D97-AF65-F5344CB8AC3E}">
+        <p14:creationId xmlns:p14="http://schemas.microsoft.com/office/powerpoint/2010/main" val="2533145787"/>
+      </p:ext>
+    </p:extLst>
+  </p:cSld>
+  <p:clrMapOvr>
+    <a:masterClrMapping/>
+  </p:clrMapOvr>
+</p:sld>
+</file>
+
+<file path=ppt/slides/slide22.xml><?xml version="1.0" encoding="utf-8"?>
+<p:sld xmlns:a="http://schemas.openxmlformats.org/drawingml/2006/main" xmlns:r="http://schemas.openxmlformats.org/officeDocument/2006/relationships" xmlns:p="http://schemas.openxmlformats.org/presentationml/2006/main">
+  <p:cSld>
+    <p:spTree>
+      <p:nvGrpSpPr>
+        <p:cNvPr id="1" name=""/>
+        <p:cNvGrpSpPr/>
+        <p:nvPr/>
+      </p:nvGrpSpPr>
+      <p:grpSpPr>
+        <a:xfrm>
+          <a:off x="0" y="0"/>
+          <a:ext cx="0" cy="0"/>
+          <a:chOff x="0" y="0"/>
+          <a:chExt cx="0" cy="0"/>
+        </a:xfrm>
+      </p:grpSpPr>
+      <p:pic>
+        <p:nvPicPr>
+          <p:cNvPr id="9" name="Picture 8">
+            <a:extLst>
+              <a:ext uri="{FF2B5EF4-FFF2-40B4-BE49-F238E27FC236}">
+                <a16:creationId xmlns:a16="http://schemas.microsoft.com/office/drawing/2014/main" id="{B914A491-852B-412B-8112-2F31C046288A}"/>
+              </a:ext>
+            </a:extLst>
+          </p:cNvPr>
+          <p:cNvPicPr>
+            <a:picLocks noChangeAspect="1"/>
+          </p:cNvPicPr>
+          <p:nvPr/>
+        </p:nvPicPr>
+        <p:blipFill>
+          <a:blip r:embed="rId2"/>
+          <a:stretch>
+            <a:fillRect/>
+          </a:stretch>
+        </p:blipFill>
+        <p:spPr>
+          <a:xfrm>
+            <a:off x="958338" y="887430"/>
+            <a:ext cx="10272145" cy="5905444"/>
+          </a:xfrm>
+          <a:prstGeom prst="rect">
+            <a:avLst/>
+          </a:prstGeom>
+        </p:spPr>
+      </p:pic>
+      <p:sp>
+        <p:nvSpPr>
+          <p:cNvPr id="6" name="Rectangle 5">
+            <a:extLst>
+              <a:ext uri="{FF2B5EF4-FFF2-40B4-BE49-F238E27FC236}">
+                <a16:creationId xmlns:a16="http://schemas.microsoft.com/office/drawing/2014/main" id="{F71FDE47-697D-4B4C-9461-D9D8E2445760}"/>
+              </a:ext>
+            </a:extLst>
+          </p:cNvPr>
+          <p:cNvSpPr/>
+          <p:nvPr/>
+        </p:nvSpPr>
+        <p:spPr>
+          <a:xfrm>
+            <a:off x="1526394" y="4856464"/>
+            <a:ext cx="5050870" cy="914400"/>
+          </a:xfrm>
+          <a:prstGeom prst="rect">
+            <a:avLst/>
+          </a:prstGeom>
+        </p:spPr>
+        <p:style>
+          <a:lnRef idx="2">
+            <a:schemeClr val="dk1">
+              <a:shade val="50000"/>
+            </a:schemeClr>
+          </a:lnRef>
+          <a:fillRef idx="1">
+            <a:schemeClr val="dk1"/>
+          </a:fillRef>
+          <a:effectRef idx="0">
+            <a:schemeClr val="dk1"/>
+          </a:effectRef>
+          <a:fontRef idx="minor">
+            <a:schemeClr val="lt1"/>
+          </a:fontRef>
+        </p:style>
+        <p:txBody>
+          <a:bodyPr rtlCol="0" anchor="ctr"/>
+          <a:lstStyle/>
+          <a:p>
+            <a:pPr algn="ctr"/>
+            <a:r>
+              <a:rPr lang="en-US" sz="2000" dirty="0"/>
+              <a:t>https://github.com/sabrinafuller/USTEP2021</a:t>
+            </a:r>
+          </a:p>
+        </p:txBody>
+      </p:sp>
+      <p:sp>
+        <p:nvSpPr>
+          <p:cNvPr id="2" name="Title 1">
+            <a:extLst>
+              <a:ext uri="{FF2B5EF4-FFF2-40B4-BE49-F238E27FC236}">
+                <a16:creationId xmlns:a16="http://schemas.microsoft.com/office/drawing/2014/main" id="{0D6ACD7B-E0B9-4727-9B59-03F9FE6BA548}"/>
+              </a:ext>
+            </a:extLst>
+          </p:cNvPr>
+          <p:cNvSpPr>
+            <a:spLocks noGrp="1"/>
+          </p:cNvSpPr>
+          <p:nvPr>
+            <p:ph type="title"/>
+          </p:nvPr>
+        </p:nvSpPr>
+        <p:spPr>
+          <a:xfrm>
+            <a:off x="1141413" y="-151567"/>
+            <a:ext cx="9905998" cy="1478570"/>
+          </a:xfrm>
+        </p:spPr>
+        <p:txBody>
+          <a:bodyPr/>
+          <a:lstStyle/>
+          <a:p>
+            <a:r>
+              <a:rPr lang="en-US" dirty="0"/>
+              <a:t>Instructions: </a:t>
+            </a:r>
+          </a:p>
+        </p:txBody>
+      </p:sp>
+      <p:sp>
+        <p:nvSpPr>
+          <p:cNvPr id="4" name="Arrow: Right 3">
+            <a:extLst>
+              <a:ext uri="{FF2B5EF4-FFF2-40B4-BE49-F238E27FC236}">
+                <a16:creationId xmlns:a16="http://schemas.microsoft.com/office/drawing/2014/main" id="{A35F0897-B2C4-4B87-A1F4-64845FFB331C}"/>
+              </a:ext>
+            </a:extLst>
+          </p:cNvPr>
+          <p:cNvSpPr/>
+          <p:nvPr/>
+        </p:nvSpPr>
+        <p:spPr>
+          <a:xfrm rot="16200000">
+            <a:off x="8538124" y="4402750"/>
+            <a:ext cx="1383709" cy="729295"/>
+          </a:xfrm>
+          <a:prstGeom prst="rightArrow">
+            <a:avLst/>
+          </a:prstGeom>
+          <a:solidFill>
+            <a:srgbClr val="FF0000"/>
+          </a:solidFill>
+        </p:spPr>
+        <p:style>
+          <a:lnRef idx="2">
+            <a:schemeClr val="accent1">
+              <a:shade val="50000"/>
+            </a:schemeClr>
+          </a:lnRef>
+          <a:fillRef idx="1">
+            <a:schemeClr val="accent1"/>
+          </a:fillRef>
+          <a:effectRef idx="0">
+            <a:schemeClr val="accent1"/>
+          </a:effectRef>
+          <a:fontRef idx="minor">
+            <a:schemeClr val="lt1"/>
+          </a:fontRef>
+        </p:style>
+        <p:txBody>
+          <a:bodyPr rtlCol="0" anchor="ctr"/>
+          <a:lstStyle/>
+          <a:p>
+            <a:pPr algn="ctr"/>
+            <a:endParaRPr lang="en-US"/>
+          </a:p>
+        </p:txBody>
+      </p:sp>
+      <p:sp>
+        <p:nvSpPr>
+          <p:cNvPr id="7" name="Rectangle 6">
+            <a:extLst>
+              <a:ext uri="{FF2B5EF4-FFF2-40B4-BE49-F238E27FC236}">
+                <a16:creationId xmlns:a16="http://schemas.microsoft.com/office/drawing/2014/main" id="{47922D30-C0A1-41E7-A03D-11BB0BAD72FC}"/>
+              </a:ext>
+            </a:extLst>
+          </p:cNvPr>
+          <p:cNvSpPr/>
+          <p:nvPr/>
+        </p:nvSpPr>
+        <p:spPr>
+          <a:xfrm>
+            <a:off x="8461924" y="5499787"/>
+            <a:ext cx="1917318" cy="998462"/>
+          </a:xfrm>
+          <a:prstGeom prst="rect">
+            <a:avLst/>
+          </a:prstGeom>
+          <a:solidFill>
+            <a:srgbClr val="FF0000"/>
+          </a:solidFill>
+        </p:spPr>
+        <p:style>
+          <a:lnRef idx="2">
+            <a:schemeClr val="dk1">
+              <a:shade val="50000"/>
+            </a:schemeClr>
+          </a:lnRef>
+          <a:fillRef idx="1">
+            <a:schemeClr val="dk1"/>
+          </a:fillRef>
+          <a:effectRef idx="0">
+            <a:schemeClr val="dk1"/>
+          </a:effectRef>
+          <a:fontRef idx="minor">
+            <a:schemeClr val="lt1"/>
+          </a:fontRef>
+        </p:style>
+        <p:txBody>
+          <a:bodyPr rtlCol="0" anchor="ctr"/>
+          <a:lstStyle/>
+          <a:p>
+            <a:pPr algn="ctr"/>
+            <a:r>
+              <a:rPr lang="en-US" dirty="0"/>
+              <a:t>Click here </a:t>
+            </a:r>
+          </a:p>
+          <a:p>
+            <a:pPr algn="ctr"/>
+            <a:r>
+              <a:rPr lang="en-US" dirty="0"/>
+              <a:t>To make the python notebook</a:t>
+            </a:r>
+          </a:p>
+        </p:txBody>
+      </p:sp>
+      <p:sp>
+        <p:nvSpPr>
+          <p:cNvPr id="10" name="Arrow: Right 9">
+            <a:extLst>
+              <a:ext uri="{FF2B5EF4-FFF2-40B4-BE49-F238E27FC236}">
+                <a16:creationId xmlns:a16="http://schemas.microsoft.com/office/drawing/2014/main" id="{AE33F28D-34B6-4B51-B454-6BCF7AB5D49F}"/>
+              </a:ext>
+            </a:extLst>
+          </p:cNvPr>
+          <p:cNvSpPr/>
+          <p:nvPr/>
+        </p:nvSpPr>
+        <p:spPr>
+          <a:xfrm rot="16200000">
+            <a:off x="1630307" y="2913675"/>
+            <a:ext cx="2564737" cy="1650270"/>
+          </a:xfrm>
+          <a:prstGeom prst="rightArrow">
+            <a:avLst/>
+          </a:prstGeom>
+          <a:solidFill>
+            <a:srgbClr val="FF0000"/>
+          </a:solidFill>
+        </p:spPr>
+        <p:style>
+          <a:lnRef idx="2">
+            <a:schemeClr val="accent1">
+              <a:shade val="50000"/>
+            </a:schemeClr>
+          </a:lnRef>
+          <a:fillRef idx="1">
+            <a:schemeClr val="accent1"/>
+          </a:fillRef>
+          <a:effectRef idx="0">
+            <a:schemeClr val="accent1"/>
+          </a:effectRef>
+          <a:fontRef idx="minor">
+            <a:schemeClr val="lt1"/>
+          </a:fontRef>
+        </p:style>
+        <p:txBody>
+          <a:bodyPr rtlCol="0" anchor="ctr"/>
+          <a:lstStyle/>
+          <a:p>
+            <a:pPr algn="ctr"/>
+            <a:endParaRPr lang="en-US" dirty="0"/>
+          </a:p>
+        </p:txBody>
+      </p:sp>
+      <p:sp>
+        <p:nvSpPr>
+          <p:cNvPr id="11" name="Rectangle 10">
+            <a:extLst>
+              <a:ext uri="{FF2B5EF4-FFF2-40B4-BE49-F238E27FC236}">
+                <a16:creationId xmlns:a16="http://schemas.microsoft.com/office/drawing/2014/main" id="{A2F77183-11B5-4BD6-9879-713418D53CA3}"/>
+              </a:ext>
+            </a:extLst>
+          </p:cNvPr>
+          <p:cNvSpPr/>
+          <p:nvPr/>
+        </p:nvSpPr>
+        <p:spPr>
+          <a:xfrm>
+            <a:off x="2455475" y="3671151"/>
+            <a:ext cx="914400" cy="1350028"/>
+          </a:xfrm>
+          <a:prstGeom prst="rect">
+            <a:avLst/>
+          </a:prstGeom>
+        </p:spPr>
+        <p:style>
+          <a:lnRef idx="2">
+            <a:schemeClr val="dk1">
+              <a:shade val="50000"/>
+            </a:schemeClr>
+          </a:lnRef>
+          <a:fillRef idx="1">
+            <a:schemeClr val="dk1"/>
+          </a:fillRef>
+          <a:effectRef idx="0">
+            <a:schemeClr val="dk1"/>
+          </a:effectRef>
+          <a:fontRef idx="minor">
+            <a:schemeClr val="lt1"/>
+          </a:fontRef>
+        </p:style>
+        <p:txBody>
+          <a:bodyPr rtlCol="0" anchor="ctr"/>
+          <a:lstStyle/>
+          <a:p>
+            <a:pPr algn="ctr"/>
+            <a:r>
+              <a:rPr lang="en-US" sz="2800" dirty="0"/>
+              <a:t>Step (1)</a:t>
+            </a:r>
+          </a:p>
+        </p:txBody>
+      </p:sp>
+      <p:sp>
+        <p:nvSpPr>
+          <p:cNvPr id="12" name="Rectangle 11">
+            <a:extLst>
+              <a:ext uri="{FF2B5EF4-FFF2-40B4-BE49-F238E27FC236}">
+                <a16:creationId xmlns:a16="http://schemas.microsoft.com/office/drawing/2014/main" id="{C4E94B6A-F6C8-44F5-ADA8-72686620F55B}"/>
+              </a:ext>
+            </a:extLst>
+          </p:cNvPr>
+          <p:cNvSpPr/>
+          <p:nvPr/>
+        </p:nvSpPr>
+        <p:spPr>
+          <a:xfrm>
+            <a:off x="7941422" y="4420836"/>
+            <a:ext cx="914400" cy="1350028"/>
+          </a:xfrm>
+          <a:prstGeom prst="rect">
+            <a:avLst/>
+          </a:prstGeom>
+        </p:spPr>
+        <p:style>
+          <a:lnRef idx="2">
+            <a:schemeClr val="dk1">
+              <a:shade val="50000"/>
+            </a:schemeClr>
+          </a:lnRef>
+          <a:fillRef idx="1">
+            <a:schemeClr val="dk1"/>
+          </a:fillRef>
+          <a:effectRef idx="0">
+            <a:schemeClr val="dk1"/>
+          </a:effectRef>
+          <a:fontRef idx="minor">
+            <a:schemeClr val="lt1"/>
+          </a:fontRef>
+        </p:style>
+        <p:txBody>
+          <a:bodyPr rtlCol="0" anchor="ctr"/>
+          <a:lstStyle/>
+          <a:p>
+            <a:pPr algn="ctr"/>
+            <a:r>
+              <a:rPr lang="en-US" sz="2800" dirty="0"/>
+              <a:t>Step (2)</a:t>
+            </a:r>
+          </a:p>
+        </p:txBody>
+      </p:sp>
+      <p:sp>
+        <p:nvSpPr>
+          <p:cNvPr id="13" name="Rectangle 12">
+            <a:extLst>
+              <a:ext uri="{FF2B5EF4-FFF2-40B4-BE49-F238E27FC236}">
+                <a16:creationId xmlns:a16="http://schemas.microsoft.com/office/drawing/2014/main" id="{85F4B740-462F-42A4-8343-C3CC7F1C90E5}"/>
+              </a:ext>
+            </a:extLst>
+          </p:cNvPr>
+          <p:cNvSpPr/>
+          <p:nvPr/>
+        </p:nvSpPr>
+        <p:spPr>
+          <a:xfrm>
+            <a:off x="1845875" y="5888108"/>
+            <a:ext cx="2261934" cy="542154"/>
+          </a:xfrm>
+          <a:prstGeom prst="rect">
+            <a:avLst/>
+          </a:prstGeom>
+          <a:solidFill>
+            <a:srgbClr val="FF0000"/>
+          </a:solidFill>
+        </p:spPr>
+        <p:style>
+          <a:lnRef idx="2">
+            <a:schemeClr val="dk1">
+              <a:shade val="50000"/>
+            </a:schemeClr>
+          </a:lnRef>
+          <a:fillRef idx="1">
+            <a:schemeClr val="dk1"/>
+          </a:fillRef>
+          <a:effectRef idx="0">
+            <a:schemeClr val="dk1"/>
+          </a:effectRef>
+          <a:fontRef idx="minor">
+            <a:schemeClr val="lt1"/>
+          </a:fontRef>
+        </p:style>
+        <p:txBody>
+          <a:bodyPr rtlCol="0" anchor="ctr"/>
+          <a:lstStyle/>
+          <a:p>
+            <a:pPr algn="ctr"/>
+            <a:r>
+              <a:rPr lang="en-US" sz="2800" dirty="0"/>
+              <a:t>Type in</a:t>
+            </a:r>
+          </a:p>
+        </p:txBody>
+      </p:sp>
+    </p:spTree>
+    <p:extLst>
+      <p:ext uri="{BB962C8B-B14F-4D97-AF65-F5344CB8AC3E}">
+        <p14:creationId xmlns:p14="http://schemas.microsoft.com/office/powerpoint/2010/main" val="2608433576"/>
+      </p:ext>
+    </p:extLst>
+  </p:cSld>
+  <p:clrMapOvr>
+    <a:masterClrMapping/>
+  </p:clrMapOvr>
+</p:sld>
+</file>
+
+<file path=ppt/slides/slide23.xml><?xml version="1.0" encoding="utf-8"?>
+<p:sld xmlns:a="http://schemas.openxmlformats.org/drawingml/2006/main" xmlns:r="http://schemas.openxmlformats.org/officeDocument/2006/relationships" xmlns:p="http://schemas.openxmlformats.org/presentationml/2006/main">
+  <p:cSld>
+    <p:spTree>
+      <p:nvGrpSpPr>
+        <p:cNvPr id="1" name=""/>
+        <p:cNvGrpSpPr/>
+        <p:nvPr/>
+      </p:nvGrpSpPr>
+      <p:grpSpPr>
+        <a:xfrm>
+          <a:off x="0" y="0"/>
+          <a:ext cx="0" cy="0"/>
+          <a:chOff x="0" y="0"/>
+          <a:chExt cx="0" cy="0"/>
+        </a:xfrm>
+      </p:grpSpPr>
+      <p:pic>
+        <p:nvPicPr>
+          <p:cNvPr id="3" name="Picture 2">
+            <a:extLst>
+              <a:ext uri="{FF2B5EF4-FFF2-40B4-BE49-F238E27FC236}">
+                <a16:creationId xmlns:a16="http://schemas.microsoft.com/office/drawing/2014/main" id="{A4CCAE33-9508-4F7F-B4FB-B8A4BD8D6D4B}"/>
+              </a:ext>
+            </a:extLst>
+          </p:cNvPr>
+          <p:cNvPicPr>
+            <a:picLocks noChangeAspect="1"/>
+          </p:cNvPicPr>
+          <p:nvPr/>
+        </p:nvPicPr>
+        <p:blipFill>
+          <a:blip r:embed="rId2"/>
+          <a:stretch>
+            <a:fillRect/>
+          </a:stretch>
+        </p:blipFill>
+        <p:spPr>
+          <a:xfrm>
+            <a:off x="145473" y="0"/>
+            <a:ext cx="9559636" cy="6561581"/>
+          </a:xfrm>
+          <a:prstGeom prst="rect">
+            <a:avLst/>
+          </a:prstGeom>
+        </p:spPr>
+      </p:pic>
+      <p:sp>
+        <p:nvSpPr>
+          <p:cNvPr id="4" name="Hexagon 3">
+            <a:extLst>
+              <a:ext uri="{FF2B5EF4-FFF2-40B4-BE49-F238E27FC236}">
+                <a16:creationId xmlns:a16="http://schemas.microsoft.com/office/drawing/2014/main" id="{917FFA4C-7393-4495-B9E5-90E9B126BACF}"/>
+              </a:ext>
+            </a:extLst>
+          </p:cNvPr>
+          <p:cNvSpPr/>
+          <p:nvPr/>
+        </p:nvSpPr>
+        <p:spPr>
+          <a:xfrm>
+            <a:off x="7495308" y="685800"/>
+            <a:ext cx="1898073" cy="1579418"/>
+          </a:xfrm>
+          <a:prstGeom prst="hexagon">
+            <a:avLst/>
+          </a:prstGeom>
+          <a:solidFill>
+            <a:srgbClr val="FF0000"/>
+          </a:solidFill>
+        </p:spPr>
+        <p:style>
+          <a:lnRef idx="2">
+            <a:schemeClr val="accent1">
+              <a:shade val="50000"/>
+            </a:schemeClr>
+          </a:lnRef>
+          <a:fillRef idx="1">
+            <a:schemeClr val="accent1"/>
+          </a:fillRef>
+          <a:effectRef idx="0">
+            <a:schemeClr val="accent1"/>
+          </a:effectRef>
+          <a:fontRef idx="minor">
+            <a:schemeClr val="lt1"/>
+          </a:fontRef>
+        </p:style>
+        <p:txBody>
+          <a:bodyPr rtlCol="0" anchor="ctr"/>
+          <a:lstStyle/>
+          <a:p>
+            <a:pPr algn="ctr"/>
+            <a:r>
+              <a:rPr lang="en-US" dirty="0"/>
+              <a:t>No coding is necessary</a:t>
+            </a:r>
+          </a:p>
+        </p:txBody>
+      </p:sp>
+    </p:spTree>
+    <p:extLst>
+      <p:ext uri="{BB962C8B-B14F-4D97-AF65-F5344CB8AC3E}">
+        <p14:creationId xmlns:p14="http://schemas.microsoft.com/office/powerpoint/2010/main" val="1347298197"/>
+      </p:ext>
+    </p:extLst>
+  </p:cSld>
+  <p:clrMapOvr>
+    <a:masterClrMapping/>
+  </p:clrMapOvr>
+</p:sld>
+</file>
+
+<file path=ppt/slides/slide24.xml><?xml version="1.0" encoding="utf-8"?>
+<p:sld xmlns:a="http://schemas.openxmlformats.org/drawingml/2006/main" xmlns:r="http://schemas.openxmlformats.org/officeDocument/2006/relationships" xmlns:p="http://schemas.openxmlformats.org/presentationml/2006/main">
+  <p:cSld>
+    <p:spTree>
+      <p:nvGrpSpPr>
+        <p:cNvPr id="1" name=""/>
+        <p:cNvGrpSpPr/>
+        <p:nvPr/>
+      </p:nvGrpSpPr>
+      <p:grpSpPr>
+        <a:xfrm>
+          <a:off x="0" y="0"/>
+          <a:ext cx="0" cy="0"/>
+          <a:chOff x="0" y="0"/>
+          <a:chExt cx="0" cy="0"/>
+        </a:xfrm>
+      </p:grpSpPr>
+      <p:pic>
+        <p:nvPicPr>
+          <p:cNvPr id="3" name="Picture 2">
+            <a:extLst>
+              <a:ext uri="{FF2B5EF4-FFF2-40B4-BE49-F238E27FC236}">
+                <a16:creationId xmlns:a16="http://schemas.microsoft.com/office/drawing/2014/main" id="{A4CCAE33-9508-4F7F-B4FB-B8A4BD8D6D4B}"/>
+              </a:ext>
+            </a:extLst>
+          </p:cNvPr>
+          <p:cNvPicPr>
+            <a:picLocks noChangeAspect="1"/>
+          </p:cNvPicPr>
+          <p:nvPr/>
+        </p:nvPicPr>
+        <p:blipFill>
+          <a:blip r:embed="rId2"/>
+          <a:stretch>
+            <a:fillRect/>
+          </a:stretch>
+        </p:blipFill>
+        <p:spPr>
+          <a:xfrm>
+            <a:off x="145473" y="0"/>
+            <a:ext cx="9559636" cy="6561581"/>
+          </a:xfrm>
+          <a:prstGeom prst="rect">
+            <a:avLst/>
+          </a:prstGeom>
+        </p:spPr>
+      </p:pic>
+      <p:sp>
+        <p:nvSpPr>
+          <p:cNvPr id="5" name="Arrow: Left 4">
+            <a:extLst>
+              <a:ext uri="{FF2B5EF4-FFF2-40B4-BE49-F238E27FC236}">
+                <a16:creationId xmlns:a16="http://schemas.microsoft.com/office/drawing/2014/main" id="{1FC5AA71-A8AB-4208-9BB2-2F37468E7808}"/>
+              </a:ext>
+            </a:extLst>
+          </p:cNvPr>
+          <p:cNvSpPr/>
+          <p:nvPr/>
+        </p:nvSpPr>
+        <p:spPr>
+          <a:xfrm>
+            <a:off x="1211583" y="2796158"/>
+            <a:ext cx="978408" cy="484632"/>
+          </a:xfrm>
+          <a:prstGeom prst="leftArrow">
+            <a:avLst/>
+          </a:prstGeom>
+        </p:spPr>
+        <p:style>
+          <a:lnRef idx="2">
+            <a:schemeClr val="accent1">
+              <a:shade val="50000"/>
+            </a:schemeClr>
+          </a:lnRef>
+          <a:fillRef idx="1">
+            <a:schemeClr val="accent1"/>
+          </a:fillRef>
+          <a:effectRef idx="0">
+            <a:schemeClr val="accent1"/>
+          </a:effectRef>
+          <a:fontRef idx="minor">
+            <a:schemeClr val="lt1"/>
+          </a:fontRef>
+        </p:style>
+        <p:txBody>
+          <a:bodyPr rtlCol="0" anchor="ctr"/>
+          <a:lstStyle/>
+          <a:p>
+            <a:pPr algn="ctr"/>
+            <a:endParaRPr lang="en-US"/>
+          </a:p>
+        </p:txBody>
+      </p:sp>
+      <p:sp>
+        <p:nvSpPr>
+          <p:cNvPr id="6" name="Arrow: Left 5">
+            <a:extLst>
+              <a:ext uri="{FF2B5EF4-FFF2-40B4-BE49-F238E27FC236}">
+                <a16:creationId xmlns:a16="http://schemas.microsoft.com/office/drawing/2014/main" id="{66F9A475-0CAD-41ED-B0D7-AF32EEEF27A0}"/>
+              </a:ext>
+            </a:extLst>
+          </p:cNvPr>
+          <p:cNvSpPr/>
+          <p:nvPr/>
+        </p:nvSpPr>
+        <p:spPr>
+          <a:xfrm>
+            <a:off x="1234026" y="3334895"/>
+            <a:ext cx="978408" cy="484632"/>
+          </a:xfrm>
+          <a:prstGeom prst="leftArrow">
+            <a:avLst/>
+          </a:prstGeom>
+        </p:spPr>
+        <p:style>
+          <a:lnRef idx="2">
+            <a:schemeClr val="accent1">
+              <a:shade val="50000"/>
+            </a:schemeClr>
+          </a:lnRef>
+          <a:fillRef idx="1">
+            <a:schemeClr val="accent1"/>
+          </a:fillRef>
+          <a:effectRef idx="0">
+            <a:schemeClr val="accent1"/>
+          </a:effectRef>
+          <a:fontRef idx="minor">
+            <a:schemeClr val="lt1"/>
+          </a:fontRef>
+        </p:style>
+        <p:txBody>
+          <a:bodyPr rtlCol="0" anchor="ctr"/>
+          <a:lstStyle/>
+          <a:p>
+            <a:pPr algn="ctr"/>
+            <a:endParaRPr lang="en-US"/>
+          </a:p>
+        </p:txBody>
+      </p:sp>
+      <p:sp>
+        <p:nvSpPr>
+          <p:cNvPr id="7" name="Arrow: Left 6">
+            <a:extLst>
+              <a:ext uri="{FF2B5EF4-FFF2-40B4-BE49-F238E27FC236}">
+                <a16:creationId xmlns:a16="http://schemas.microsoft.com/office/drawing/2014/main" id="{E56F47F9-3498-46A0-809B-AFBD6A20E9F2}"/>
+              </a:ext>
+            </a:extLst>
+          </p:cNvPr>
+          <p:cNvSpPr/>
+          <p:nvPr/>
+        </p:nvSpPr>
+        <p:spPr>
+          <a:xfrm>
+            <a:off x="1286811" y="4454866"/>
+            <a:ext cx="978408" cy="484632"/>
+          </a:xfrm>
+          <a:prstGeom prst="leftArrow">
+            <a:avLst/>
+          </a:prstGeom>
+        </p:spPr>
+        <p:style>
+          <a:lnRef idx="2">
+            <a:schemeClr val="accent1">
+              <a:shade val="50000"/>
+            </a:schemeClr>
+          </a:lnRef>
+          <a:fillRef idx="1">
+            <a:schemeClr val="accent1"/>
+          </a:fillRef>
+          <a:effectRef idx="0">
+            <a:schemeClr val="accent1"/>
+          </a:effectRef>
+          <a:fontRef idx="minor">
+            <a:schemeClr val="lt1"/>
+          </a:fontRef>
+        </p:style>
+        <p:txBody>
+          <a:bodyPr rtlCol="0" anchor="ctr"/>
+          <a:lstStyle/>
+          <a:p>
+            <a:pPr algn="ctr"/>
+            <a:endParaRPr lang="en-US"/>
+          </a:p>
+        </p:txBody>
+      </p:sp>
+      <p:sp>
+        <p:nvSpPr>
+          <p:cNvPr id="8" name="Hexagon 7">
+            <a:extLst>
+              <a:ext uri="{FF2B5EF4-FFF2-40B4-BE49-F238E27FC236}">
+                <a16:creationId xmlns:a16="http://schemas.microsoft.com/office/drawing/2014/main" id="{712A1BF2-DAEF-4141-82C4-FD4886D2D9CF}"/>
+              </a:ext>
+            </a:extLst>
+          </p:cNvPr>
+          <p:cNvSpPr/>
+          <p:nvPr/>
+        </p:nvSpPr>
+        <p:spPr>
+          <a:xfrm>
+            <a:off x="3013363" y="2901533"/>
+            <a:ext cx="3241964" cy="2665354"/>
+          </a:xfrm>
+          <a:prstGeom prst="hexagon">
+            <a:avLst/>
+          </a:prstGeom>
+          <a:solidFill>
+            <a:schemeClr val="accent1">
+              <a:lumMod val="75000"/>
+            </a:schemeClr>
+          </a:solidFill>
+        </p:spPr>
+        <p:style>
+          <a:lnRef idx="2">
+            <a:schemeClr val="accent1">
+              <a:shade val="50000"/>
+            </a:schemeClr>
+          </a:lnRef>
+          <a:fillRef idx="1">
+            <a:schemeClr val="accent1"/>
+          </a:fillRef>
+          <a:effectRef idx="0">
+            <a:schemeClr val="accent1"/>
+          </a:effectRef>
+          <a:fontRef idx="minor">
+            <a:schemeClr val="lt1"/>
+          </a:fontRef>
+        </p:style>
+        <p:txBody>
+          <a:bodyPr rtlCol="0" anchor="ctr"/>
+          <a:lstStyle/>
+          <a:p>
+            <a:pPr algn="ctr"/>
+            <a:r>
+              <a:rPr lang="en-US" dirty="0"/>
+              <a:t>Run these cells</a:t>
+            </a:r>
+          </a:p>
+          <a:p>
+            <a:pPr algn="ctr"/>
+            <a:r>
+              <a:rPr lang="en-US" dirty="0"/>
+              <a:t>Click on the arrow</a:t>
+            </a:r>
+          </a:p>
+          <a:p>
+            <a:pPr algn="ctr"/>
+            <a:endParaRPr lang="en-US" dirty="0"/>
+          </a:p>
+          <a:p>
+            <a:pPr algn="ctr"/>
+            <a:r>
+              <a:rPr lang="en-US" dirty="0"/>
+              <a:t>These load the needed code</a:t>
+            </a:r>
+          </a:p>
+          <a:p>
+            <a:pPr algn="ctr"/>
+            <a:endParaRPr lang="en-US" dirty="0"/>
+          </a:p>
+        </p:txBody>
+      </p:sp>
+      <p:sp>
+        <p:nvSpPr>
+          <p:cNvPr id="9" name="Action Button: Go Forward or Next 8">
+            <a:hlinkClick r:id="" action="ppaction://noaction" highlightClick="1"/>
+            <a:extLst>
+              <a:ext uri="{FF2B5EF4-FFF2-40B4-BE49-F238E27FC236}">
+                <a16:creationId xmlns:a16="http://schemas.microsoft.com/office/drawing/2014/main" id="{B2352F14-51E3-4BD7-B619-1B808B06A033}"/>
+              </a:ext>
+            </a:extLst>
+          </p:cNvPr>
+          <p:cNvSpPr/>
+          <p:nvPr/>
+        </p:nvSpPr>
+        <p:spPr>
+          <a:xfrm>
+            <a:off x="4925291" y="3837668"/>
+            <a:ext cx="666681" cy="399964"/>
+          </a:xfrm>
+          <a:prstGeom prst="actionButtonForwardNext">
+            <a:avLst/>
+          </a:prstGeom>
+        </p:spPr>
+        <p:style>
+          <a:lnRef idx="2">
+            <a:schemeClr val="accent1">
+              <a:shade val="50000"/>
+            </a:schemeClr>
+          </a:lnRef>
+          <a:fillRef idx="1">
+            <a:schemeClr val="accent1"/>
+          </a:fillRef>
+          <a:effectRef idx="0">
+            <a:schemeClr val="accent1"/>
+          </a:effectRef>
+          <a:fontRef idx="minor">
+            <a:schemeClr val="lt1"/>
+          </a:fontRef>
+        </p:style>
+        <p:txBody>
+          <a:bodyPr rtlCol="0" anchor="ctr"/>
+          <a:lstStyle/>
+          <a:p>
+            <a:pPr algn="ctr"/>
+            <a:endParaRPr lang="en-US"/>
+          </a:p>
+        </p:txBody>
+      </p:sp>
+    </p:spTree>
+    <p:extLst>
+      <p:ext uri="{BB962C8B-B14F-4D97-AF65-F5344CB8AC3E}">
+        <p14:creationId xmlns:p14="http://schemas.microsoft.com/office/powerpoint/2010/main" val="459528522"/>
+      </p:ext>
+    </p:extLst>
+  </p:cSld>
+  <p:clrMapOvr>
+    <a:masterClrMapping/>
+  </p:clrMapOvr>
+</p:sld>
+</file>
+
+<file path=ppt/slides/slide25.xml><?xml version="1.0" encoding="utf-8"?>
+<p:sld xmlns:a="http://schemas.openxmlformats.org/drawingml/2006/main" xmlns:r="http://schemas.openxmlformats.org/officeDocument/2006/relationships" xmlns:p="http://schemas.openxmlformats.org/presentationml/2006/main">
+  <p:cSld>
+    <p:spTree>
+      <p:nvGrpSpPr>
+        <p:cNvPr id="1" name=""/>
+        <p:cNvGrpSpPr/>
+        <p:nvPr/>
+      </p:nvGrpSpPr>
+      <p:grpSpPr>
+        <a:xfrm>
+          <a:off x="0" y="0"/>
+          <a:ext cx="0" cy="0"/>
+          <a:chOff x="0" y="0"/>
+          <a:chExt cx="0" cy="0"/>
+        </a:xfrm>
+      </p:grpSpPr>
+      <p:pic>
+        <p:nvPicPr>
+          <p:cNvPr id="3" name="Picture 2">
+            <a:extLst>
+              <a:ext uri="{FF2B5EF4-FFF2-40B4-BE49-F238E27FC236}">
+                <a16:creationId xmlns:a16="http://schemas.microsoft.com/office/drawing/2014/main" id="{A4CCAE33-9508-4F7F-B4FB-B8A4BD8D6D4B}"/>
+              </a:ext>
+            </a:extLst>
+          </p:cNvPr>
+          <p:cNvPicPr>
+            <a:picLocks noChangeAspect="1"/>
+          </p:cNvPicPr>
+          <p:nvPr/>
+        </p:nvPicPr>
+        <p:blipFill>
+          <a:blip r:embed="rId2"/>
+          <a:stretch>
+            <a:fillRect/>
+          </a:stretch>
+        </p:blipFill>
+        <p:spPr>
+          <a:xfrm>
+            <a:off x="145473" y="0"/>
+            <a:ext cx="9559636" cy="6561581"/>
+          </a:xfrm>
+          <a:prstGeom prst="rect">
+            <a:avLst/>
+          </a:prstGeom>
+        </p:spPr>
+      </p:pic>
+      <p:sp>
+        <p:nvSpPr>
+          <p:cNvPr id="7" name="Arrow: Left 6">
+            <a:extLst>
+              <a:ext uri="{FF2B5EF4-FFF2-40B4-BE49-F238E27FC236}">
+                <a16:creationId xmlns:a16="http://schemas.microsoft.com/office/drawing/2014/main" id="{E56F47F9-3498-46A0-809B-AFBD6A20E9F2}"/>
+              </a:ext>
+            </a:extLst>
+          </p:cNvPr>
+          <p:cNvSpPr/>
+          <p:nvPr/>
+        </p:nvSpPr>
+        <p:spPr>
+          <a:xfrm>
+            <a:off x="1234026" y="4948238"/>
+            <a:ext cx="978408" cy="484632"/>
+          </a:xfrm>
+          <a:prstGeom prst="leftArrow">
+            <a:avLst/>
+          </a:prstGeom>
+          <a:solidFill>
+            <a:srgbClr val="FF0000"/>
+          </a:solidFill>
+        </p:spPr>
+        <p:style>
+          <a:lnRef idx="2">
+            <a:schemeClr val="accent1">
+              <a:shade val="50000"/>
+            </a:schemeClr>
+          </a:lnRef>
+          <a:fillRef idx="1">
+            <a:schemeClr val="accent1"/>
+          </a:fillRef>
+          <a:effectRef idx="0">
+            <a:schemeClr val="accent1"/>
+          </a:effectRef>
+          <a:fontRef idx="minor">
+            <a:schemeClr val="lt1"/>
+          </a:fontRef>
+        </p:style>
+        <p:txBody>
+          <a:bodyPr rtlCol="0" anchor="ctr"/>
+          <a:lstStyle/>
+          <a:p>
+            <a:pPr algn="ctr"/>
+            <a:endParaRPr lang="en-US"/>
+          </a:p>
+        </p:txBody>
+      </p:sp>
+      <p:sp>
+        <p:nvSpPr>
+          <p:cNvPr id="8" name="Hexagon 7">
+            <a:extLst>
+              <a:ext uri="{FF2B5EF4-FFF2-40B4-BE49-F238E27FC236}">
+                <a16:creationId xmlns:a16="http://schemas.microsoft.com/office/drawing/2014/main" id="{712A1BF2-DAEF-4141-82C4-FD4886D2D9CF}"/>
+              </a:ext>
+            </a:extLst>
+          </p:cNvPr>
+          <p:cNvSpPr/>
+          <p:nvPr/>
+        </p:nvSpPr>
+        <p:spPr>
+          <a:xfrm>
+            <a:off x="3013363" y="2901533"/>
+            <a:ext cx="3241964" cy="2665354"/>
+          </a:xfrm>
+          <a:prstGeom prst="hexagon">
+            <a:avLst/>
+          </a:prstGeom>
+          <a:solidFill>
+            <a:schemeClr val="accent1">
+              <a:lumMod val="75000"/>
+            </a:schemeClr>
+          </a:solidFill>
+        </p:spPr>
+        <p:style>
+          <a:lnRef idx="2">
+            <a:schemeClr val="accent1">
+              <a:shade val="50000"/>
+            </a:schemeClr>
+          </a:lnRef>
+          <a:fillRef idx="1">
+            <a:schemeClr val="accent1"/>
+          </a:fillRef>
+          <a:effectRef idx="0">
+            <a:schemeClr val="accent1"/>
+          </a:effectRef>
+          <a:fontRef idx="minor">
+            <a:schemeClr val="lt1"/>
+          </a:fontRef>
+        </p:style>
+        <p:txBody>
+          <a:bodyPr rtlCol="0" anchor="ctr"/>
+          <a:lstStyle/>
+          <a:p>
+            <a:pPr algn="ctr"/>
+            <a:r>
+              <a:rPr lang="en-US" dirty="0"/>
+              <a:t>Run these cells</a:t>
+            </a:r>
+          </a:p>
+          <a:p>
+            <a:pPr algn="ctr"/>
+            <a:r>
+              <a:rPr lang="en-US" dirty="0"/>
+              <a:t>Click on the arrow</a:t>
+            </a:r>
+          </a:p>
+          <a:p>
+            <a:pPr algn="ctr"/>
+            <a:endParaRPr lang="en-US" dirty="0"/>
+          </a:p>
+          <a:p>
+            <a:pPr algn="ctr"/>
+            <a:r>
+              <a:rPr lang="en-US" dirty="0"/>
+              <a:t>Click on this run bottom to run your algorithm</a:t>
+            </a:r>
+          </a:p>
+          <a:p>
+            <a:pPr algn="ctr"/>
+            <a:endParaRPr lang="en-US" dirty="0"/>
+          </a:p>
+        </p:txBody>
+      </p:sp>
+      <p:sp>
+        <p:nvSpPr>
+          <p:cNvPr id="9" name="Action Button: Go Forward or Next 8">
+            <a:hlinkClick r:id="" action="ppaction://noaction" highlightClick="1"/>
+            <a:extLst>
+              <a:ext uri="{FF2B5EF4-FFF2-40B4-BE49-F238E27FC236}">
+                <a16:creationId xmlns:a16="http://schemas.microsoft.com/office/drawing/2014/main" id="{B2352F14-51E3-4BD7-B619-1B808B06A033}"/>
+              </a:ext>
+            </a:extLst>
+          </p:cNvPr>
+          <p:cNvSpPr/>
+          <p:nvPr/>
+        </p:nvSpPr>
+        <p:spPr>
+          <a:xfrm>
+            <a:off x="4925291" y="3624752"/>
+            <a:ext cx="666681" cy="399964"/>
+          </a:xfrm>
+          <a:prstGeom prst="actionButtonForwardNext">
+            <a:avLst/>
+          </a:prstGeom>
+        </p:spPr>
+        <p:style>
+          <a:lnRef idx="2">
+            <a:schemeClr val="accent1">
+              <a:shade val="50000"/>
+            </a:schemeClr>
+          </a:lnRef>
+          <a:fillRef idx="1">
+            <a:schemeClr val="accent1"/>
+          </a:fillRef>
+          <a:effectRef idx="0">
+            <a:schemeClr val="accent1"/>
+          </a:effectRef>
+          <a:fontRef idx="minor">
+            <a:schemeClr val="lt1"/>
+          </a:fontRef>
+        </p:style>
+        <p:txBody>
+          <a:bodyPr rtlCol="0" anchor="ctr"/>
+          <a:lstStyle/>
+          <a:p>
+            <a:pPr algn="ctr"/>
+            <a:endParaRPr lang="en-US"/>
+          </a:p>
+        </p:txBody>
+      </p:sp>
+    </p:spTree>
+    <p:extLst>
+      <p:ext uri="{BB962C8B-B14F-4D97-AF65-F5344CB8AC3E}">
+        <p14:creationId xmlns:p14="http://schemas.microsoft.com/office/powerpoint/2010/main" val="3086980808"/>
+      </p:ext>
+    </p:extLst>
+  </p:cSld>
+  <p:clrMapOvr>
+    <a:masterClrMapping/>
+  </p:clrMapOvr>
+</p:sld>
+</file>
+
+<file path=ppt/slides/slide26.xml><?xml version="1.0" encoding="utf-8"?>
+<p:sld xmlns:a="http://schemas.openxmlformats.org/drawingml/2006/main" xmlns:r="http://schemas.openxmlformats.org/officeDocument/2006/relationships" xmlns:p="http://schemas.openxmlformats.org/presentationml/2006/main">
+  <p:cSld>
+    <p:spTree>
+      <p:nvGrpSpPr>
+        <p:cNvPr id="1" name=""/>
+        <p:cNvGrpSpPr/>
+        <p:nvPr/>
+      </p:nvGrpSpPr>
+      <p:grpSpPr>
+        <a:xfrm>
+          <a:off x="0" y="0"/>
+          <a:ext cx="0" cy="0"/>
+          <a:chOff x="0" y="0"/>
+          <a:chExt cx="0" cy="0"/>
+        </a:xfrm>
+      </p:grpSpPr>
+      <p:pic>
+        <p:nvPicPr>
+          <p:cNvPr id="2" name="Picture 1">
+            <a:extLst>
+              <a:ext uri="{FF2B5EF4-FFF2-40B4-BE49-F238E27FC236}">
+                <a16:creationId xmlns:a16="http://schemas.microsoft.com/office/drawing/2014/main" id="{938101A7-78B4-46EA-A37F-D28FCA308B80}"/>
+              </a:ext>
+            </a:extLst>
+          </p:cNvPr>
+          <p:cNvPicPr>
+            <a:picLocks noChangeAspect="1"/>
+          </p:cNvPicPr>
+          <p:nvPr/>
+        </p:nvPicPr>
+        <p:blipFill>
+          <a:blip r:embed="rId2"/>
+          <a:stretch>
+            <a:fillRect/>
+          </a:stretch>
+        </p:blipFill>
+        <p:spPr>
+          <a:xfrm>
+            <a:off x="255876" y="177944"/>
+            <a:ext cx="9795309" cy="5916410"/>
+          </a:xfrm>
+          <a:prstGeom prst="rect">
+            <a:avLst/>
+          </a:prstGeom>
+        </p:spPr>
+      </p:pic>
+      <p:sp>
+        <p:nvSpPr>
+          <p:cNvPr id="3" name="Hexagon 2">
+            <a:extLst>
+              <a:ext uri="{FF2B5EF4-FFF2-40B4-BE49-F238E27FC236}">
+                <a16:creationId xmlns:a16="http://schemas.microsoft.com/office/drawing/2014/main" id="{BF2343CF-96BD-4B93-966D-85F5F2561CC2}"/>
+              </a:ext>
+            </a:extLst>
+          </p:cNvPr>
+          <p:cNvSpPr/>
+          <p:nvPr/>
+        </p:nvSpPr>
+        <p:spPr>
+          <a:xfrm>
+            <a:off x="7613071" y="4014702"/>
+            <a:ext cx="3241964" cy="2665354"/>
+          </a:xfrm>
+          <a:prstGeom prst="hexagon">
+            <a:avLst/>
+          </a:prstGeom>
+          <a:solidFill>
+            <a:schemeClr val="accent1">
+              <a:lumMod val="75000"/>
+            </a:schemeClr>
+          </a:solidFill>
+        </p:spPr>
+        <p:style>
+          <a:lnRef idx="2">
+            <a:schemeClr val="accent1">
+              <a:shade val="50000"/>
+            </a:schemeClr>
+          </a:lnRef>
+          <a:fillRef idx="1">
+            <a:schemeClr val="accent1"/>
+          </a:fillRef>
+          <a:effectRef idx="0">
+            <a:schemeClr val="accent1"/>
+          </a:effectRef>
+          <a:fontRef idx="minor">
+            <a:schemeClr val="lt1"/>
+          </a:fontRef>
+        </p:style>
+        <p:txBody>
+          <a:bodyPr rtlCol="0" anchor="ctr"/>
+          <a:lstStyle/>
+          <a:p>
+            <a:pPr algn="ctr"/>
+            <a:r>
+              <a:rPr lang="en-US" dirty="0"/>
+              <a:t>After you run you will be prompted to enter your learning rate </a:t>
+            </a:r>
+            <a:r>
+              <a:rPr lang="en-US" dirty="0" err="1"/>
+              <a:t>etc</a:t>
+            </a:r>
+            <a:r>
+              <a:rPr lang="en-US" dirty="0"/>
+              <a:t>….</a:t>
+            </a:r>
+          </a:p>
+        </p:txBody>
+      </p:sp>
+      <p:sp>
+        <p:nvSpPr>
+          <p:cNvPr id="4" name="Rectangle 3">
+            <a:extLst>
+              <a:ext uri="{FF2B5EF4-FFF2-40B4-BE49-F238E27FC236}">
+                <a16:creationId xmlns:a16="http://schemas.microsoft.com/office/drawing/2014/main" id="{3C28DBF4-4951-422A-BA15-A3C345B8AC33}"/>
+              </a:ext>
+            </a:extLst>
+          </p:cNvPr>
+          <p:cNvSpPr/>
+          <p:nvPr/>
+        </p:nvSpPr>
+        <p:spPr>
+          <a:xfrm>
+            <a:off x="290945" y="2119745"/>
+            <a:ext cx="9767455" cy="2665354"/>
+          </a:xfrm>
+          <a:prstGeom prst="rect">
+            <a:avLst/>
+          </a:prstGeom>
+          <a:noFill/>
+          <a:ln w="38100"/>
+        </p:spPr>
+        <p:style>
+          <a:lnRef idx="2">
+            <a:schemeClr val="accent1">
+              <a:shade val="50000"/>
+            </a:schemeClr>
+          </a:lnRef>
+          <a:fillRef idx="1">
+            <a:schemeClr val="accent1"/>
+          </a:fillRef>
+          <a:effectRef idx="0">
+            <a:schemeClr val="accent1"/>
+          </a:effectRef>
+          <a:fontRef idx="minor">
+            <a:schemeClr val="lt1"/>
+          </a:fontRef>
+        </p:style>
+        <p:txBody>
+          <a:bodyPr rtlCol="0" anchor="ctr"/>
+          <a:lstStyle/>
+          <a:p>
+            <a:pPr algn="ctr"/>
+            <a:endParaRPr lang="en-US"/>
+          </a:p>
+        </p:txBody>
+      </p:sp>
+    </p:spTree>
+    <p:extLst>
+      <p:ext uri="{BB962C8B-B14F-4D97-AF65-F5344CB8AC3E}">
+        <p14:creationId xmlns:p14="http://schemas.microsoft.com/office/powerpoint/2010/main" val="2503115667"/>
+      </p:ext>
+    </p:extLst>
+  </p:cSld>
+  <p:clrMapOvr>
+    <a:masterClrMapping/>
+  </p:clrMapOvr>
+</p:sld>
+</file>
+
+<file path=ppt/slides/slide27.xml><?xml version="1.0" encoding="utf-8"?>
+<p:sld xmlns:a="http://schemas.openxmlformats.org/drawingml/2006/main" xmlns:r="http://schemas.openxmlformats.org/officeDocument/2006/relationships" xmlns:p="http://schemas.openxmlformats.org/presentationml/2006/main">
+  <p:cSld>
     <p:bg>
       <p:bgPr>
         <a:blipFill>
@@ -18779,7 +21230,7 @@
             <a:noFill/>
             <a:extLst>
               <a:ext uri="{909E8E84-426E-40dd-AFC4-6F175D3DCCD1}">
-                <a14:hiddenFill xmlns="" xmlns:a16="http://schemas.microsoft.com/office/drawing/2014/main" xmlns:a14="http://schemas.microsoft.com/office/drawing/2010/main" xmlns:p14="http://schemas.microsoft.com/office/powerpoint/2010/main">
+                <a14:hiddenFill xmlns:p14="http://schemas.microsoft.com/office/powerpoint/2010/main" xmlns:a14="http://schemas.microsoft.com/office/drawing/2010/main" xmlns:a16="http://schemas.microsoft.com/office/drawing/2014/main" xmlns="">
                   <a:solidFill>
                     <a:srgbClr val="FFFFFF"/>
                   </a:solidFill>
@@ -18905,7 +21356,7 @@
             </a:ln>
             <a:extLst>
               <a:ext uri="{91240B29-F687-4f45-9708-019B960494DF}">
-                <a14:hiddenLine xmlns="" xmlns:a16="http://schemas.microsoft.com/office/drawing/2014/main" xmlns:a14="http://schemas.microsoft.com/office/drawing/2010/main" xmlns:p14="http://schemas.microsoft.com/office/powerpoint/2010/main" w="9525">
+                <a14:hiddenLine xmlns:p14="http://schemas.microsoft.com/office/powerpoint/2010/main" xmlns:a14="http://schemas.microsoft.com/office/drawing/2010/main" xmlns:a16="http://schemas.microsoft.com/office/drawing/2014/main" xmlns="" w="9525">
                   <a:solidFill>
                     <a:srgbClr val="000000"/>
                   </a:solidFill>
@@ -19010,7 +21461,7 @@
             </a:ln>
             <a:extLst>
               <a:ext uri="{91240B29-F687-4f45-9708-019B960494DF}">
-                <a14:hiddenLine xmlns="" xmlns:a16="http://schemas.microsoft.com/office/drawing/2014/main" xmlns:a14="http://schemas.microsoft.com/office/drawing/2010/main" xmlns:p14="http://schemas.microsoft.com/office/powerpoint/2010/main" w="9525">
+                <a14:hiddenLine xmlns:p14="http://schemas.microsoft.com/office/powerpoint/2010/main" xmlns:a14="http://schemas.microsoft.com/office/drawing/2010/main" xmlns:a16="http://schemas.microsoft.com/office/drawing/2014/main" xmlns="" w="9525">
                   <a:solidFill>
                     <a:srgbClr val="000000"/>
                   </a:solidFill>
@@ -19115,7 +21566,7 @@
             </a:ln>
             <a:extLst>
               <a:ext uri="{91240B29-F687-4f45-9708-019B960494DF}">
-                <a14:hiddenLine xmlns="" xmlns:a16="http://schemas.microsoft.com/office/drawing/2014/main" xmlns:a14="http://schemas.microsoft.com/office/drawing/2010/main" xmlns:p14="http://schemas.microsoft.com/office/powerpoint/2010/main" w="9525">
+                <a14:hiddenLine xmlns:p14="http://schemas.microsoft.com/office/powerpoint/2010/main" xmlns:a14="http://schemas.microsoft.com/office/drawing/2010/main" xmlns:a16="http://schemas.microsoft.com/office/drawing/2014/main" xmlns="" w="9525">
                   <a:solidFill>
                     <a:srgbClr val="000000"/>
                   </a:solidFill>
@@ -19164,7 +21615,7 @@
             </a:ln>
             <a:extLst>
               <a:ext uri="{91240B29-F687-4f45-9708-019B960494DF}">
-                <a14:hiddenLine xmlns="" xmlns:a16="http://schemas.microsoft.com/office/drawing/2014/main" xmlns:a14="http://schemas.microsoft.com/office/drawing/2010/main" xmlns:p14="http://schemas.microsoft.com/office/powerpoint/2010/main" w="9525">
+                <a14:hiddenLine xmlns:p14="http://schemas.microsoft.com/office/powerpoint/2010/main" xmlns:a14="http://schemas.microsoft.com/office/drawing/2010/main" xmlns:a16="http://schemas.microsoft.com/office/drawing/2014/main" xmlns="" w="9525">
                   <a:solidFill>
                     <a:srgbClr val="000000"/>
                   </a:solidFill>
@@ -19269,7 +21720,7 @@
             </a:ln>
             <a:extLst>
               <a:ext uri="{91240B29-F687-4f45-9708-019B960494DF}">
-                <a14:hiddenLine xmlns="" xmlns:a16="http://schemas.microsoft.com/office/drawing/2014/main" xmlns:a14="http://schemas.microsoft.com/office/drawing/2010/main" xmlns:p14="http://schemas.microsoft.com/office/powerpoint/2010/main" w="9525">
+                <a14:hiddenLine xmlns:p14="http://schemas.microsoft.com/office/powerpoint/2010/main" xmlns:a14="http://schemas.microsoft.com/office/drawing/2010/main" xmlns:a16="http://schemas.microsoft.com/office/drawing/2014/main" xmlns="" w="9525">
                   <a:solidFill>
                     <a:srgbClr val="000000"/>
                   </a:solidFill>
@@ -19346,7 +21797,7 @@
             </a:ln>
             <a:extLst>
               <a:ext uri="{91240B29-F687-4f45-9708-019B960494DF}">
-                <a14:hiddenLine xmlns="" xmlns:a16="http://schemas.microsoft.com/office/drawing/2014/main" xmlns:a14="http://schemas.microsoft.com/office/drawing/2010/main" xmlns:p14="http://schemas.microsoft.com/office/powerpoint/2010/main" w="9525">
+                <a14:hiddenLine xmlns:p14="http://schemas.microsoft.com/office/powerpoint/2010/main" xmlns:a14="http://schemas.microsoft.com/office/drawing/2010/main" xmlns:a16="http://schemas.microsoft.com/office/drawing/2014/main" xmlns="" w="9525">
                   <a:solidFill>
                     <a:srgbClr val="000000"/>
                   </a:solidFill>
@@ -19423,7 +21874,7 @@
             </a:ln>
             <a:extLst>
               <a:ext uri="{91240B29-F687-4f45-9708-019B960494DF}">
-                <a14:hiddenLine xmlns="" xmlns:a16="http://schemas.microsoft.com/office/drawing/2014/main" xmlns:a14="http://schemas.microsoft.com/office/drawing/2010/main" xmlns:p14="http://schemas.microsoft.com/office/powerpoint/2010/main" w="9525">
+                <a14:hiddenLine xmlns:p14="http://schemas.microsoft.com/office/powerpoint/2010/main" xmlns:a14="http://schemas.microsoft.com/office/drawing/2010/main" xmlns:a16="http://schemas.microsoft.com/office/drawing/2014/main" xmlns="" w="9525">
                   <a:solidFill>
                     <a:srgbClr val="000000"/>
                   </a:solidFill>
@@ -19528,7 +21979,7 @@
             </a:ln>
             <a:extLst>
               <a:ext uri="{91240B29-F687-4f45-9708-019B960494DF}">
-                <a14:hiddenLine xmlns="" xmlns:a16="http://schemas.microsoft.com/office/drawing/2014/main" xmlns:a14="http://schemas.microsoft.com/office/drawing/2010/main" xmlns:p14="http://schemas.microsoft.com/office/powerpoint/2010/main" w="9525">
+                <a14:hiddenLine xmlns:p14="http://schemas.microsoft.com/office/powerpoint/2010/main" xmlns:a14="http://schemas.microsoft.com/office/drawing/2010/main" xmlns:a16="http://schemas.microsoft.com/office/drawing/2014/main" xmlns="" w="9525">
                   <a:solidFill>
                     <a:srgbClr val="000000"/>
                   </a:solidFill>
@@ -19605,7 +22056,7 @@
             </a:ln>
             <a:extLst>
               <a:ext uri="{91240B29-F687-4f45-9708-019B960494DF}">
-                <a14:hiddenLine xmlns="" xmlns:a16="http://schemas.microsoft.com/office/drawing/2014/main" xmlns:a14="http://schemas.microsoft.com/office/drawing/2010/main" xmlns:p14="http://schemas.microsoft.com/office/powerpoint/2010/main" w="9525">
+                <a14:hiddenLine xmlns:p14="http://schemas.microsoft.com/office/powerpoint/2010/main" xmlns:a14="http://schemas.microsoft.com/office/drawing/2010/main" xmlns:a16="http://schemas.microsoft.com/office/drawing/2014/main" xmlns="" w="9525">
                   <a:solidFill>
                     <a:srgbClr val="000000"/>
                   </a:solidFill>
@@ -19682,7 +22133,7 @@
             </a:ln>
             <a:extLst>
               <a:ext uri="{91240B29-F687-4f45-9708-019B960494DF}">
-                <a14:hiddenLine xmlns="" xmlns:a16="http://schemas.microsoft.com/office/drawing/2014/main" xmlns:a14="http://schemas.microsoft.com/office/drawing/2010/main" xmlns:p14="http://schemas.microsoft.com/office/powerpoint/2010/main" w="9525">
+                <a14:hiddenLine xmlns:p14="http://schemas.microsoft.com/office/powerpoint/2010/main" xmlns:a14="http://schemas.microsoft.com/office/drawing/2010/main" xmlns:a16="http://schemas.microsoft.com/office/drawing/2014/main" xmlns="" w="9525">
                   <a:solidFill>
                     <a:srgbClr val="000000"/>
                   </a:solidFill>
@@ -19787,7 +22238,7 @@
             </a:ln>
             <a:extLst>
               <a:ext uri="{91240B29-F687-4f45-9708-019B960494DF}">
-                <a14:hiddenLine xmlns="" xmlns:a16="http://schemas.microsoft.com/office/drawing/2014/main" xmlns:a14="http://schemas.microsoft.com/office/drawing/2010/main" xmlns:p14="http://schemas.microsoft.com/office/powerpoint/2010/main" w="9525">
+                <a14:hiddenLine xmlns:p14="http://schemas.microsoft.com/office/powerpoint/2010/main" xmlns:a14="http://schemas.microsoft.com/office/drawing/2010/main" xmlns:a16="http://schemas.microsoft.com/office/drawing/2014/main" xmlns="" w="9525">
                   <a:solidFill>
                     <a:srgbClr val="000000"/>
                   </a:solidFill>
@@ -19892,7 +22343,7 @@
             </a:ln>
             <a:extLst>
               <a:ext uri="{91240B29-F687-4f45-9708-019B960494DF}">
-                <a14:hiddenLine xmlns="" xmlns:a16="http://schemas.microsoft.com/office/drawing/2014/main" xmlns:a14="http://schemas.microsoft.com/office/drawing/2010/main" xmlns:p14="http://schemas.microsoft.com/office/powerpoint/2010/main" w="9525">
+                <a14:hiddenLine xmlns:p14="http://schemas.microsoft.com/office/powerpoint/2010/main" xmlns:a14="http://schemas.microsoft.com/office/drawing/2010/main" xmlns:a16="http://schemas.microsoft.com/office/drawing/2014/main" xmlns="" w="9525">
                   <a:solidFill>
                     <a:srgbClr val="000000"/>
                   </a:solidFill>
@@ -19969,7 +22420,7 @@
             </a:ln>
             <a:extLst>
               <a:ext uri="{91240B29-F687-4f45-9708-019B960494DF}">
-                <a14:hiddenLine xmlns="" xmlns:a16="http://schemas.microsoft.com/office/drawing/2014/main" xmlns:a14="http://schemas.microsoft.com/office/drawing/2010/main" xmlns:p14="http://schemas.microsoft.com/office/powerpoint/2010/main" w="9525">
+                <a14:hiddenLine xmlns:p14="http://schemas.microsoft.com/office/powerpoint/2010/main" xmlns:a14="http://schemas.microsoft.com/office/drawing/2010/main" xmlns:a16="http://schemas.microsoft.com/office/drawing/2014/main" xmlns="" w="9525">
                   <a:solidFill>
                     <a:srgbClr val="000000"/>
                   </a:solidFill>
@@ -20094,7 +22545,7 @@
             </a:ln>
             <a:extLst>
               <a:ext uri="{91240B29-F687-4f45-9708-019B960494DF}">
-                <a14:hiddenLine xmlns="" xmlns:a16="http://schemas.microsoft.com/office/drawing/2014/main" xmlns:a14="http://schemas.microsoft.com/office/drawing/2010/main" xmlns:p14="http://schemas.microsoft.com/office/powerpoint/2010/main" w="9525">
+                <a14:hiddenLine xmlns:p14="http://schemas.microsoft.com/office/powerpoint/2010/main" xmlns:a14="http://schemas.microsoft.com/office/drawing/2010/main" xmlns:a16="http://schemas.microsoft.com/office/drawing/2014/main" xmlns="" w="9525">
                   <a:solidFill>
                     <a:srgbClr val="000000"/>
                   </a:solidFill>
@@ -20171,7 +22622,7 @@
             </a:ln>
             <a:extLst>
               <a:ext uri="{91240B29-F687-4f45-9708-019B960494DF}">
-                <a14:hiddenLine xmlns="" xmlns:a16="http://schemas.microsoft.com/office/drawing/2014/main" xmlns:a14="http://schemas.microsoft.com/office/drawing/2010/main" xmlns:p14="http://schemas.microsoft.com/office/powerpoint/2010/main" w="9525">
+                <a14:hiddenLine xmlns:p14="http://schemas.microsoft.com/office/powerpoint/2010/main" xmlns:a14="http://schemas.microsoft.com/office/drawing/2010/main" xmlns:a16="http://schemas.microsoft.com/office/drawing/2014/main" xmlns="" w="9525">
                   <a:solidFill>
                     <a:srgbClr val="000000"/>
                   </a:solidFill>
@@ -20276,7 +22727,7 @@
             </a:ln>
             <a:extLst>
               <a:ext uri="{91240B29-F687-4f45-9708-019B960494DF}">
-                <a14:hiddenLine xmlns="" xmlns:a16="http://schemas.microsoft.com/office/drawing/2014/main" xmlns:a14="http://schemas.microsoft.com/office/drawing/2010/main" xmlns:p14="http://schemas.microsoft.com/office/powerpoint/2010/main" w="9525">
+                <a14:hiddenLine xmlns:p14="http://schemas.microsoft.com/office/powerpoint/2010/main" xmlns:a14="http://schemas.microsoft.com/office/drawing/2010/main" xmlns:a16="http://schemas.microsoft.com/office/drawing/2014/main" xmlns="" w="9525">
                   <a:solidFill>
                     <a:srgbClr val="000000"/>
                   </a:solidFill>
@@ -20381,7 +22832,7 @@
             </a:ln>
             <a:extLst>
               <a:ext uri="{91240B29-F687-4f45-9708-019B960494DF}">
-                <a14:hiddenLine xmlns="" xmlns:a16="http://schemas.microsoft.com/office/drawing/2014/main" xmlns:a14="http://schemas.microsoft.com/office/drawing/2010/main" xmlns:p14="http://schemas.microsoft.com/office/powerpoint/2010/main" w="9525">
+                <a14:hiddenLine xmlns:p14="http://schemas.microsoft.com/office/powerpoint/2010/main" xmlns:a14="http://schemas.microsoft.com/office/drawing/2010/main" xmlns:a16="http://schemas.microsoft.com/office/drawing/2014/main" xmlns="" w="9525">
                   <a:solidFill>
                     <a:srgbClr val="000000"/>
                   </a:solidFill>
@@ -20458,7 +22909,7 @@
             </a:ln>
             <a:extLst>
               <a:ext uri="{91240B29-F687-4f45-9708-019B960494DF}">
-                <a14:hiddenLine xmlns="" xmlns:a16="http://schemas.microsoft.com/office/drawing/2014/main" xmlns:a14="http://schemas.microsoft.com/office/drawing/2010/main" xmlns:p14="http://schemas.microsoft.com/office/powerpoint/2010/main" w="9525">
+                <a14:hiddenLine xmlns:p14="http://schemas.microsoft.com/office/powerpoint/2010/main" xmlns:a14="http://schemas.microsoft.com/office/drawing/2010/main" xmlns:a16="http://schemas.microsoft.com/office/drawing/2014/main" xmlns="" w="9525">
                   <a:solidFill>
                     <a:srgbClr val="000000"/>
                   </a:solidFill>
@@ -20563,7 +23014,7 @@
             </a:ln>
             <a:extLst>
               <a:ext uri="{91240B29-F687-4f45-9708-019B960494DF}">
-                <a14:hiddenLine xmlns="" xmlns:a16="http://schemas.microsoft.com/office/drawing/2014/main" xmlns:a14="http://schemas.microsoft.com/office/drawing/2010/main" xmlns:p14="http://schemas.microsoft.com/office/powerpoint/2010/main" w="9525">
+                <a14:hiddenLine xmlns:p14="http://schemas.microsoft.com/office/powerpoint/2010/main" xmlns:a14="http://schemas.microsoft.com/office/drawing/2010/main" xmlns:a16="http://schemas.microsoft.com/office/drawing/2014/main" xmlns="" w="9525">
                   <a:solidFill>
                     <a:srgbClr val="000000"/>
                   </a:solidFill>
@@ -20668,7 +23119,7 @@
             </a:ln>
             <a:extLst>
               <a:ext uri="{91240B29-F687-4f45-9708-019B960494DF}">
-                <a14:hiddenLine xmlns="" xmlns:a16="http://schemas.microsoft.com/office/drawing/2014/main" xmlns:a14="http://schemas.microsoft.com/office/drawing/2010/main" xmlns:p14="http://schemas.microsoft.com/office/powerpoint/2010/main" w="9525">
+                <a14:hiddenLine xmlns:p14="http://schemas.microsoft.com/office/powerpoint/2010/main" xmlns:a14="http://schemas.microsoft.com/office/drawing/2010/main" xmlns:a16="http://schemas.microsoft.com/office/drawing/2014/main" xmlns="" w="9525">
                   <a:solidFill>
                     <a:srgbClr val="000000"/>
                   </a:solidFill>
@@ -20739,7 +23190,7 @@
             </a:ln>
             <a:extLst>
               <a:ext uri="{91240B29-F687-4f45-9708-019B960494DF}">
-                <a14:hiddenLine xmlns="" xmlns:a16="http://schemas.microsoft.com/office/drawing/2014/main" xmlns:a14="http://schemas.microsoft.com/office/drawing/2010/main" xmlns:p14="http://schemas.microsoft.com/office/powerpoint/2010/main" w="9525">
+                <a14:hiddenLine xmlns:p14="http://schemas.microsoft.com/office/powerpoint/2010/main" xmlns:a14="http://schemas.microsoft.com/office/drawing/2010/main" xmlns:a16="http://schemas.microsoft.com/office/drawing/2014/main" xmlns="" w="9525">
                   <a:solidFill>
                     <a:srgbClr val="000000"/>
                   </a:solidFill>
@@ -20844,7 +23295,7 @@
             </a:ln>
             <a:extLst>
               <a:ext uri="{91240B29-F687-4f45-9708-019B960494DF}">
-                <a14:hiddenLine xmlns="" xmlns:a16="http://schemas.microsoft.com/office/drawing/2014/main" xmlns:a14="http://schemas.microsoft.com/office/drawing/2010/main" xmlns:p14="http://schemas.microsoft.com/office/powerpoint/2010/main" w="9525">
+                <a14:hiddenLine xmlns:p14="http://schemas.microsoft.com/office/powerpoint/2010/main" xmlns:a14="http://schemas.microsoft.com/office/drawing/2010/main" xmlns:a16="http://schemas.microsoft.com/office/drawing/2014/main" xmlns="" w="9525">
                   <a:solidFill>
                     <a:srgbClr val="000000"/>
                   </a:solidFill>
@@ -20915,7 +23366,7 @@
             </a:ln>
             <a:extLst>
               <a:ext uri="{91240B29-F687-4f45-9708-019B960494DF}">
-                <a14:hiddenLine xmlns="" xmlns:a16="http://schemas.microsoft.com/office/drawing/2014/main" xmlns:a14="http://schemas.microsoft.com/office/drawing/2010/main" xmlns:p14="http://schemas.microsoft.com/office/powerpoint/2010/main" w="9525">
+                <a14:hiddenLine xmlns:p14="http://schemas.microsoft.com/office/powerpoint/2010/main" xmlns:a14="http://schemas.microsoft.com/office/drawing/2010/main" xmlns:a16="http://schemas.microsoft.com/office/drawing/2014/main" xmlns="" w="9525">
                   <a:solidFill>
                     <a:srgbClr val="000000"/>
                   </a:solidFill>
@@ -21020,7 +23471,7 @@
             </a:ln>
             <a:extLst>
               <a:ext uri="{91240B29-F687-4f45-9708-019B960494DF}">
-                <a14:hiddenLine xmlns="" xmlns:a16="http://schemas.microsoft.com/office/drawing/2014/main" xmlns:a14="http://schemas.microsoft.com/office/drawing/2010/main" xmlns:p14="http://schemas.microsoft.com/office/powerpoint/2010/main" w="9525">
+                <a14:hiddenLine xmlns:p14="http://schemas.microsoft.com/office/powerpoint/2010/main" xmlns:a14="http://schemas.microsoft.com/office/drawing/2010/main" xmlns:a16="http://schemas.microsoft.com/office/drawing/2014/main" xmlns="" w="9525">
                   <a:solidFill>
                     <a:srgbClr val="000000"/>
                   </a:solidFill>
@@ -21103,7 +23554,7 @@
             </a:ln>
             <a:extLst>
               <a:ext uri="{91240B29-F687-4f45-9708-019B960494DF}">
-                <a14:hiddenLine xmlns="" xmlns:a16="http://schemas.microsoft.com/office/drawing/2014/main" xmlns:a14="http://schemas.microsoft.com/office/drawing/2010/main" xmlns:p14="http://schemas.microsoft.com/office/powerpoint/2010/main" w="9525">
+                <a14:hiddenLine xmlns:p14="http://schemas.microsoft.com/office/powerpoint/2010/main" xmlns:a14="http://schemas.microsoft.com/office/drawing/2010/main" xmlns:a16="http://schemas.microsoft.com/office/drawing/2014/main" xmlns="" w="9525">
                   <a:solidFill>
                     <a:srgbClr val="000000"/>
                   </a:solidFill>
@@ -21208,7 +23659,7 @@
             </a:ln>
             <a:extLst>
               <a:ext uri="{91240B29-F687-4f45-9708-019B960494DF}">
-                <a14:hiddenLine xmlns="" xmlns:a16="http://schemas.microsoft.com/office/drawing/2014/main" xmlns:a14="http://schemas.microsoft.com/office/drawing/2010/main" xmlns:p14="http://schemas.microsoft.com/office/powerpoint/2010/main" w="9525">
+                <a14:hiddenLine xmlns:p14="http://schemas.microsoft.com/office/powerpoint/2010/main" xmlns:a14="http://schemas.microsoft.com/office/drawing/2010/main" xmlns:a16="http://schemas.microsoft.com/office/drawing/2014/main" xmlns="" w="9525">
                   <a:solidFill>
                     <a:srgbClr val="000000"/>
                   </a:solidFill>
@@ -21291,7 +23742,7 @@
             </a:ln>
             <a:extLst>
               <a:ext uri="{91240B29-F687-4f45-9708-019B960494DF}">
-                <a14:hiddenLine xmlns="" xmlns:a16="http://schemas.microsoft.com/office/drawing/2014/main" xmlns:a14="http://schemas.microsoft.com/office/drawing/2010/main" xmlns:p14="http://schemas.microsoft.com/office/powerpoint/2010/main" w="9525">
+                <a14:hiddenLine xmlns:p14="http://schemas.microsoft.com/office/powerpoint/2010/main" xmlns:a14="http://schemas.microsoft.com/office/drawing/2010/main" xmlns:a16="http://schemas.microsoft.com/office/drawing/2014/main" xmlns="" w="9525">
                   <a:solidFill>
                     <a:srgbClr val="000000"/>
                   </a:solidFill>
@@ -21396,7 +23847,7 @@
             </a:ln>
             <a:extLst>
               <a:ext uri="{91240B29-F687-4f45-9708-019B960494DF}">
-                <a14:hiddenLine xmlns="" xmlns:a16="http://schemas.microsoft.com/office/drawing/2014/main" xmlns:a14="http://schemas.microsoft.com/office/drawing/2010/main" xmlns:p14="http://schemas.microsoft.com/office/powerpoint/2010/main" w="9525">
+                <a14:hiddenLine xmlns:p14="http://schemas.microsoft.com/office/powerpoint/2010/main" xmlns:a14="http://schemas.microsoft.com/office/drawing/2010/main" xmlns:a16="http://schemas.microsoft.com/office/drawing/2014/main" xmlns="" w="9525">
                   <a:solidFill>
                     <a:srgbClr val="000000"/>
                   </a:solidFill>
@@ -21445,7 +23896,7 @@
             </a:ln>
             <a:extLst>
               <a:ext uri="{91240B29-F687-4f45-9708-019B960494DF}">
-                <a14:hiddenLine xmlns="" xmlns:a16="http://schemas.microsoft.com/office/drawing/2014/main" xmlns:a14="http://schemas.microsoft.com/office/drawing/2010/main" xmlns:p14="http://schemas.microsoft.com/office/powerpoint/2010/main" w="9525">
+                <a14:hiddenLine xmlns:p14="http://schemas.microsoft.com/office/powerpoint/2010/main" xmlns:a14="http://schemas.microsoft.com/office/drawing/2010/main" xmlns:a16="http://schemas.microsoft.com/office/drawing/2014/main" xmlns="" w="9525">
                   <a:solidFill>
                     <a:srgbClr val="000000"/>
                   </a:solidFill>
@@ -21550,7 +24001,7 @@
             </a:ln>
             <a:extLst>
               <a:ext uri="{91240B29-F687-4f45-9708-019B960494DF}">
-                <a14:hiddenLine xmlns="" xmlns:a16="http://schemas.microsoft.com/office/drawing/2014/main" xmlns:a14="http://schemas.microsoft.com/office/drawing/2010/main" xmlns:p14="http://schemas.microsoft.com/office/powerpoint/2010/main" w="9525">
+                <a14:hiddenLine xmlns:p14="http://schemas.microsoft.com/office/powerpoint/2010/main" xmlns:a14="http://schemas.microsoft.com/office/drawing/2010/main" xmlns:a16="http://schemas.microsoft.com/office/drawing/2014/main" xmlns="" w="9525">
                   <a:solidFill>
                     <a:srgbClr val="000000"/>
                   </a:solidFill>
@@ -21627,7 +24078,7 @@
             </a:ln>
             <a:extLst>
               <a:ext uri="{91240B29-F687-4f45-9708-019B960494DF}">
-                <a14:hiddenLine xmlns="" xmlns:a16="http://schemas.microsoft.com/office/drawing/2014/main" xmlns:a14="http://schemas.microsoft.com/office/drawing/2010/main" xmlns:p14="http://schemas.microsoft.com/office/powerpoint/2010/main" w="9525">
+                <a14:hiddenLine xmlns:p14="http://schemas.microsoft.com/office/powerpoint/2010/main" xmlns:a14="http://schemas.microsoft.com/office/drawing/2010/main" xmlns:a16="http://schemas.microsoft.com/office/drawing/2014/main" xmlns="" w="9525">
                   <a:solidFill>
                     <a:srgbClr val="000000"/>
                   </a:solidFill>
@@ -21704,7 +24155,7 @@
             </a:ln>
             <a:extLst>
               <a:ext uri="{91240B29-F687-4f45-9708-019B960494DF}">
-                <a14:hiddenLine xmlns="" xmlns:a16="http://schemas.microsoft.com/office/drawing/2014/main" xmlns:a14="http://schemas.microsoft.com/office/drawing/2010/main" xmlns:p14="http://schemas.microsoft.com/office/powerpoint/2010/main" w="9525">
+                <a14:hiddenLine xmlns:p14="http://schemas.microsoft.com/office/powerpoint/2010/main" xmlns:a14="http://schemas.microsoft.com/office/drawing/2010/main" xmlns:a16="http://schemas.microsoft.com/office/drawing/2014/main" xmlns="" w="9525">
                   <a:solidFill>
                     <a:srgbClr val="000000"/>
                   </a:solidFill>
@@ -21809,7 +24260,7 @@
             </a:ln>
             <a:extLst>
               <a:ext uri="{91240B29-F687-4f45-9708-019B960494DF}">
-                <a14:hiddenLine xmlns="" xmlns:a16="http://schemas.microsoft.com/office/drawing/2014/main" xmlns:a14="http://schemas.microsoft.com/office/drawing/2010/main" xmlns:p14="http://schemas.microsoft.com/office/powerpoint/2010/main" w="9525">
+                <a14:hiddenLine xmlns:p14="http://schemas.microsoft.com/office/powerpoint/2010/main" xmlns:a14="http://schemas.microsoft.com/office/drawing/2010/main" xmlns:a16="http://schemas.microsoft.com/office/drawing/2014/main" xmlns="" w="9525">
                   <a:solidFill>
                     <a:srgbClr val="000000"/>
                   </a:solidFill>
@@ -21892,7 +24343,7 @@
             </a:ln>
             <a:extLst>
               <a:ext uri="{91240B29-F687-4f45-9708-019B960494DF}">
-                <a14:hiddenLine xmlns="" xmlns:a16="http://schemas.microsoft.com/office/drawing/2014/main" xmlns:a14="http://schemas.microsoft.com/office/drawing/2010/main" xmlns:p14="http://schemas.microsoft.com/office/powerpoint/2010/main" w="9525">
+                <a14:hiddenLine xmlns:p14="http://schemas.microsoft.com/office/powerpoint/2010/main" xmlns:a14="http://schemas.microsoft.com/office/drawing/2010/main" xmlns:a16="http://schemas.microsoft.com/office/drawing/2014/main" xmlns="" w="9525">
                   <a:solidFill>
                     <a:srgbClr val="000000"/>
                   </a:solidFill>
@@ -21969,7 +24420,7 @@
             </a:ln>
             <a:extLst>
               <a:ext uri="{91240B29-F687-4f45-9708-019B960494DF}">
-                <a14:hiddenLine xmlns="" xmlns:a16="http://schemas.microsoft.com/office/drawing/2014/main" xmlns:a14="http://schemas.microsoft.com/office/drawing/2010/main" xmlns:p14="http://schemas.microsoft.com/office/powerpoint/2010/main" w="9525">
+                <a14:hiddenLine xmlns:p14="http://schemas.microsoft.com/office/powerpoint/2010/main" xmlns:a14="http://schemas.microsoft.com/office/drawing/2010/main" xmlns:a16="http://schemas.microsoft.com/office/drawing/2014/main" xmlns="" w="9525">
                   <a:solidFill>
                     <a:srgbClr val="000000"/>
                   </a:solidFill>
@@ -22074,7 +24525,7 @@
             </a:ln>
             <a:extLst>
               <a:ext uri="{91240B29-F687-4f45-9708-019B960494DF}">
-                <a14:hiddenLine xmlns="" xmlns:a16="http://schemas.microsoft.com/office/drawing/2014/main" xmlns:a14="http://schemas.microsoft.com/office/drawing/2010/main" xmlns:p14="http://schemas.microsoft.com/office/powerpoint/2010/main" w="9525">
+                <a14:hiddenLine xmlns:p14="http://schemas.microsoft.com/office/powerpoint/2010/main" xmlns:a14="http://schemas.microsoft.com/office/drawing/2010/main" xmlns:a16="http://schemas.microsoft.com/office/drawing/2014/main" xmlns="" w="9525">
                   <a:solidFill>
                     <a:srgbClr val="000000"/>
                   </a:solidFill>
@@ -22151,7 +24602,7 @@
             </a:ln>
             <a:extLst>
               <a:ext uri="{91240B29-F687-4f45-9708-019B960494DF}">
-                <a14:hiddenLine xmlns="" xmlns:a16="http://schemas.microsoft.com/office/drawing/2014/main" xmlns:a14="http://schemas.microsoft.com/office/drawing/2010/main" xmlns:p14="http://schemas.microsoft.com/office/powerpoint/2010/main" w="9525">
+                <a14:hiddenLine xmlns:p14="http://schemas.microsoft.com/office/powerpoint/2010/main" xmlns:a14="http://schemas.microsoft.com/office/drawing/2010/main" xmlns:a16="http://schemas.microsoft.com/office/drawing/2014/main" xmlns="" w="9525">
                   <a:solidFill>
                     <a:srgbClr val="000000"/>
                   </a:solidFill>
@@ -22256,7 +24707,7 @@
             </a:ln>
             <a:extLst>
               <a:ext uri="{91240B29-F687-4f45-9708-019B960494DF}">
-                <a14:hiddenLine xmlns="" xmlns:a16="http://schemas.microsoft.com/office/drawing/2014/main" xmlns:a14="http://schemas.microsoft.com/office/drawing/2010/main" xmlns:p14="http://schemas.microsoft.com/office/powerpoint/2010/main" w="9525">
+                <a14:hiddenLine xmlns:p14="http://schemas.microsoft.com/office/powerpoint/2010/main" xmlns:a14="http://schemas.microsoft.com/office/drawing/2010/main" xmlns:a16="http://schemas.microsoft.com/office/drawing/2014/main" xmlns="" w="9525">
                   <a:solidFill>
                     <a:srgbClr val="000000"/>
                   </a:solidFill>
@@ -22333,7 +24784,7 @@
             </a:ln>
             <a:extLst>
               <a:ext uri="{91240B29-F687-4f45-9708-019B960494DF}">
-                <a14:hiddenLine xmlns="" xmlns:a16="http://schemas.microsoft.com/office/drawing/2014/main" xmlns:a14="http://schemas.microsoft.com/office/drawing/2010/main" xmlns:p14="http://schemas.microsoft.com/office/powerpoint/2010/main" w="9525">
+                <a14:hiddenLine xmlns:p14="http://schemas.microsoft.com/office/powerpoint/2010/main" xmlns:a14="http://schemas.microsoft.com/office/drawing/2010/main" xmlns:a16="http://schemas.microsoft.com/office/drawing/2014/main" xmlns="" w="9525">
                   <a:solidFill>
                     <a:srgbClr val="000000"/>
                   </a:solidFill>
@@ -22438,7 +24889,7 @@
             </a:ln>
             <a:extLst>
               <a:ext uri="{91240B29-F687-4f45-9708-019B960494DF}">
-                <a14:hiddenLine xmlns="" xmlns:a16="http://schemas.microsoft.com/office/drawing/2014/main" xmlns:a14="http://schemas.microsoft.com/office/drawing/2010/main" xmlns:p14="http://schemas.microsoft.com/office/powerpoint/2010/main" w="9525">
+                <a14:hiddenLine xmlns:p14="http://schemas.microsoft.com/office/powerpoint/2010/main" xmlns:a14="http://schemas.microsoft.com/office/drawing/2010/main" xmlns:a16="http://schemas.microsoft.com/office/drawing/2014/main" xmlns="" w="9525">
                   <a:solidFill>
                     <a:srgbClr val="000000"/>
                   </a:solidFill>
@@ -22487,7 +24938,7 @@
             </a:ln>
             <a:extLst>
               <a:ext uri="{91240B29-F687-4f45-9708-019B960494DF}">
-                <a14:hiddenLine xmlns="" xmlns:a16="http://schemas.microsoft.com/office/drawing/2014/main" xmlns:a14="http://schemas.microsoft.com/office/drawing/2010/main" xmlns:p14="http://schemas.microsoft.com/office/powerpoint/2010/main" w="9525">
+                <a14:hiddenLine xmlns:p14="http://schemas.microsoft.com/office/powerpoint/2010/main" xmlns:a14="http://schemas.microsoft.com/office/drawing/2010/main" xmlns:a16="http://schemas.microsoft.com/office/drawing/2014/main" xmlns="" w="9525">
                   <a:solidFill>
                     <a:srgbClr val="000000"/>
                   </a:solidFill>
@@ -22567,7 +25018,7 @@
             </a:ln>
             <a:extLst>
               <a:ext uri="{91240B29-F687-4f45-9708-019B960494DF}">
-                <a14:hiddenLine xmlns="" xmlns:a16="http://schemas.microsoft.com/office/drawing/2014/main" xmlns:a14="http://schemas.microsoft.com/office/drawing/2010/main" xmlns:p14="http://schemas.microsoft.com/office/powerpoint/2010/main" w="9525">
+                <a14:hiddenLine xmlns:p14="http://schemas.microsoft.com/office/powerpoint/2010/main" xmlns:a14="http://schemas.microsoft.com/office/drawing/2010/main" xmlns:a16="http://schemas.microsoft.com/office/drawing/2014/main" xmlns="" w="9525">
                   <a:solidFill>
                     <a:srgbClr val="000000"/>
                   </a:solidFill>
@@ -22672,7 +25123,7 @@
             </a:ln>
             <a:extLst>
               <a:ext uri="{91240B29-F687-4f45-9708-019B960494DF}">
-                <a14:hiddenLine xmlns="" xmlns:a16="http://schemas.microsoft.com/office/drawing/2014/main" xmlns:a14="http://schemas.microsoft.com/office/drawing/2010/main" xmlns:p14="http://schemas.microsoft.com/office/powerpoint/2010/main" w="9525">
+                <a14:hiddenLine xmlns:p14="http://schemas.microsoft.com/office/powerpoint/2010/main" xmlns:a14="http://schemas.microsoft.com/office/drawing/2010/main" xmlns:a16="http://schemas.microsoft.com/office/drawing/2014/main" xmlns="" w="9525">
                   <a:solidFill>
                     <a:srgbClr val="000000"/>
                   </a:solidFill>
@@ -22749,7 +25200,7 @@
             </a:ln>
             <a:extLst>
               <a:ext uri="{91240B29-F687-4f45-9708-019B960494DF}">
-                <a14:hiddenLine xmlns="" xmlns:a16="http://schemas.microsoft.com/office/drawing/2014/main" xmlns:a14="http://schemas.microsoft.com/office/drawing/2010/main" xmlns:p14="http://schemas.microsoft.com/office/powerpoint/2010/main" w="9525">
+                <a14:hiddenLine xmlns:p14="http://schemas.microsoft.com/office/powerpoint/2010/main" xmlns:a14="http://schemas.microsoft.com/office/drawing/2010/main" xmlns:a16="http://schemas.microsoft.com/office/drawing/2014/main" xmlns="" w="9525">
                   <a:solidFill>
                     <a:srgbClr val="000000"/>
                   </a:solidFill>
@@ -22854,7 +25305,7 @@
             </a:ln>
             <a:extLst>
               <a:ext uri="{91240B29-F687-4f45-9708-019B960494DF}">
-                <a14:hiddenLine xmlns="" xmlns:a16="http://schemas.microsoft.com/office/drawing/2014/main" xmlns:a14="http://schemas.microsoft.com/office/drawing/2010/main" xmlns:p14="http://schemas.microsoft.com/office/powerpoint/2010/main" w="9525">
+                <a14:hiddenLine xmlns:p14="http://schemas.microsoft.com/office/powerpoint/2010/main" xmlns:a14="http://schemas.microsoft.com/office/drawing/2010/main" xmlns:a16="http://schemas.microsoft.com/office/drawing/2014/main" xmlns="" w="9525">
                   <a:solidFill>
                     <a:srgbClr val="000000"/>
                   </a:solidFill>
@@ -22959,7 +25410,7 @@
             </a:ln>
             <a:extLst>
               <a:ext uri="{91240B29-F687-4f45-9708-019B960494DF}">
-                <a14:hiddenLine xmlns="" xmlns:a16="http://schemas.microsoft.com/office/drawing/2014/main" xmlns:a14="http://schemas.microsoft.com/office/drawing/2010/main" xmlns:p14="http://schemas.microsoft.com/office/powerpoint/2010/main" w="9525">
+                <a14:hiddenLine xmlns:p14="http://schemas.microsoft.com/office/powerpoint/2010/main" xmlns:a14="http://schemas.microsoft.com/office/drawing/2010/main" xmlns:a16="http://schemas.microsoft.com/office/drawing/2014/main" xmlns="" w="9525">
                   <a:solidFill>
                     <a:srgbClr val="000000"/>
                   </a:solidFill>
@@ -23039,7 +25490,7 @@
             </a:ln>
             <a:extLst>
               <a:ext uri="{91240B29-F687-4f45-9708-019B960494DF}">
-                <a14:hiddenLine xmlns="" xmlns:a16="http://schemas.microsoft.com/office/drawing/2014/main" xmlns:a14="http://schemas.microsoft.com/office/drawing/2010/main" xmlns:p14="http://schemas.microsoft.com/office/powerpoint/2010/main" w="9525">
+                <a14:hiddenLine xmlns:p14="http://schemas.microsoft.com/office/powerpoint/2010/main" xmlns:a14="http://schemas.microsoft.com/office/drawing/2010/main" xmlns:a16="http://schemas.microsoft.com/office/drawing/2014/main" xmlns="" w="9525">
                   <a:solidFill>
                     <a:srgbClr val="000000"/>
                   </a:solidFill>
@@ -23116,7 +25567,7 @@
             </a:ln>
             <a:extLst>
               <a:ext uri="{91240B29-F687-4f45-9708-019B960494DF}">
-                <a14:hiddenLine xmlns="" xmlns:a16="http://schemas.microsoft.com/office/drawing/2014/main" xmlns:a14="http://schemas.microsoft.com/office/drawing/2010/main" xmlns:p14="http://schemas.microsoft.com/office/powerpoint/2010/main" w="9525">
+                <a14:hiddenLine xmlns:p14="http://schemas.microsoft.com/office/powerpoint/2010/main" xmlns:a14="http://schemas.microsoft.com/office/drawing/2010/main" xmlns:a16="http://schemas.microsoft.com/office/drawing/2014/main" xmlns="" w="9525">
                   <a:solidFill>
                     <a:srgbClr val="000000"/>
                   </a:solidFill>
@@ -23221,7 +25672,7 @@
             </a:ln>
             <a:extLst>
               <a:ext uri="{91240B29-F687-4f45-9708-019B960494DF}">
-                <a14:hiddenLine xmlns="" xmlns:a16="http://schemas.microsoft.com/office/drawing/2014/main" xmlns:a14="http://schemas.microsoft.com/office/drawing/2010/main" xmlns:p14="http://schemas.microsoft.com/office/powerpoint/2010/main" w="9525">
+                <a14:hiddenLine xmlns:p14="http://schemas.microsoft.com/office/powerpoint/2010/main" xmlns:a14="http://schemas.microsoft.com/office/drawing/2010/main" xmlns:a16="http://schemas.microsoft.com/office/drawing/2014/main" xmlns="" w="9525">
                   <a:solidFill>
                     <a:srgbClr val="000000"/>
                   </a:solidFill>
@@ -23326,7 +25777,7 @@
             </a:ln>
             <a:extLst>
               <a:ext uri="{91240B29-F687-4f45-9708-019B960494DF}">
-                <a14:hiddenLine xmlns="" xmlns:a16="http://schemas.microsoft.com/office/drawing/2014/main" xmlns:a14="http://schemas.microsoft.com/office/drawing/2010/main" xmlns:p14="http://schemas.microsoft.com/office/powerpoint/2010/main" w="9525">
+                <a14:hiddenLine xmlns:p14="http://schemas.microsoft.com/office/powerpoint/2010/main" xmlns:a14="http://schemas.microsoft.com/office/drawing/2010/main" xmlns:a16="http://schemas.microsoft.com/office/drawing/2014/main" xmlns="" w="9525">
                   <a:solidFill>
                     <a:srgbClr val="000000"/>
                   </a:solidFill>
@@ -23403,7 +25854,7 @@
             </a:ln>
             <a:extLst>
               <a:ext uri="{91240B29-F687-4f45-9708-019B960494DF}">
-                <a14:hiddenLine xmlns="" xmlns:a16="http://schemas.microsoft.com/office/drawing/2014/main" xmlns:a14="http://schemas.microsoft.com/office/drawing/2010/main" xmlns:p14="http://schemas.microsoft.com/office/powerpoint/2010/main" w="9525">
+                <a14:hiddenLine xmlns:p14="http://schemas.microsoft.com/office/powerpoint/2010/main" xmlns:a14="http://schemas.microsoft.com/office/drawing/2010/main" xmlns:a16="http://schemas.microsoft.com/office/drawing/2014/main" xmlns="" w="9525">
                   <a:solidFill>
                     <a:srgbClr val="000000"/>
                   </a:solidFill>
@@ -23538,7 +25989,7 @@
             </a:ln>
             <a:extLst>
               <a:ext uri="{91240B29-F687-4f45-9708-019B960494DF}">
-                <a14:hiddenLine xmlns="" xmlns:a16="http://schemas.microsoft.com/office/drawing/2014/main" xmlns:a14="http://schemas.microsoft.com/office/drawing/2010/main" xmlns:p14="http://schemas.microsoft.com/office/powerpoint/2010/main" w="9525">
+                <a14:hiddenLine xmlns:p14="http://schemas.microsoft.com/office/powerpoint/2010/main" xmlns:a14="http://schemas.microsoft.com/office/drawing/2010/main" xmlns:a16="http://schemas.microsoft.com/office/drawing/2014/main" xmlns="" w="9525">
                   <a:solidFill>
                     <a:srgbClr val="000000"/>
                   </a:solidFill>
@@ -23621,7 +26072,7 @@
             </a:ln>
             <a:extLst>
               <a:ext uri="{91240B29-F687-4f45-9708-019B960494DF}">
-                <a14:hiddenLine xmlns="" xmlns:a16="http://schemas.microsoft.com/office/drawing/2014/main" xmlns:a14="http://schemas.microsoft.com/office/drawing/2010/main" xmlns:p14="http://schemas.microsoft.com/office/powerpoint/2010/main" w="9525">
+                <a14:hiddenLine xmlns:p14="http://schemas.microsoft.com/office/powerpoint/2010/main" xmlns:a14="http://schemas.microsoft.com/office/drawing/2010/main" xmlns:a16="http://schemas.microsoft.com/office/drawing/2014/main" xmlns="" w="9525">
                   <a:solidFill>
                     <a:srgbClr val="000000"/>
                   </a:solidFill>
@@ -23726,7 +26177,7 @@
             </a:ln>
             <a:extLst>
               <a:ext uri="{91240B29-F687-4f45-9708-019B960494DF}">
-                <a14:hiddenLine xmlns="" xmlns:a16="http://schemas.microsoft.com/office/drawing/2014/main" xmlns:a14="http://schemas.microsoft.com/office/drawing/2010/main" xmlns:p14="http://schemas.microsoft.com/office/powerpoint/2010/main" w="9525">
+                <a14:hiddenLine xmlns:p14="http://schemas.microsoft.com/office/powerpoint/2010/main" xmlns:a14="http://schemas.microsoft.com/office/drawing/2010/main" xmlns:a16="http://schemas.microsoft.com/office/drawing/2014/main" xmlns="" w="9525">
                   <a:solidFill>
                     <a:srgbClr val="000000"/>
                   </a:solidFill>
@@ -24146,6 +26597,787 @@
 </file>
 
 <file path=ppt/slides/slide4.xml><?xml version="1.0" encoding="utf-8"?>
+<p:sld xmlns:a="http://schemas.openxmlformats.org/drawingml/2006/main" xmlns:r="http://schemas.openxmlformats.org/officeDocument/2006/relationships" xmlns:p="http://schemas.openxmlformats.org/presentationml/2006/main">
+  <p:cSld>
+    <p:spTree>
+      <p:nvGrpSpPr>
+        <p:cNvPr id="1" name=""/>
+        <p:cNvGrpSpPr/>
+        <p:nvPr/>
+      </p:nvGrpSpPr>
+      <p:grpSpPr>
+        <a:xfrm>
+          <a:off x="0" y="0"/>
+          <a:ext cx="0" cy="0"/>
+          <a:chOff x="0" y="0"/>
+          <a:chExt cx="0" cy="0"/>
+        </a:xfrm>
+      </p:grpSpPr>
+      <p:sp>
+        <p:nvSpPr>
+          <p:cNvPr id="2" name="Title 1">
+            <a:extLst>
+              <a:ext uri="{FF2B5EF4-FFF2-40B4-BE49-F238E27FC236}">
+                <a16:creationId xmlns:a16="http://schemas.microsoft.com/office/drawing/2014/main" id="{8935665B-9F9D-4461-A11F-F28EC67D214F}"/>
+              </a:ext>
+            </a:extLst>
+          </p:cNvPr>
+          <p:cNvSpPr>
+            <a:spLocks noGrp="1"/>
+          </p:cNvSpPr>
+          <p:nvPr>
+            <p:ph type="title"/>
+          </p:nvPr>
+        </p:nvSpPr>
+        <p:spPr/>
+        <p:txBody>
+          <a:bodyPr/>
+          <a:lstStyle/>
+          <a:p>
+            <a:r>
+              <a:rPr lang="en-US" dirty="0"/>
+              <a:t>Covid and ML</a:t>
+            </a:r>
+          </a:p>
+        </p:txBody>
+      </p:sp>
+      <p:pic>
+        <p:nvPicPr>
+          <p:cNvPr id="4" name="Content Placeholder 3">
+            <a:extLst>
+              <a:ext uri="{FF2B5EF4-FFF2-40B4-BE49-F238E27FC236}">
+                <a16:creationId xmlns:a16="http://schemas.microsoft.com/office/drawing/2014/main" id="{02399BCD-7942-44FB-B25C-171CA2E24C70}"/>
+              </a:ext>
+            </a:extLst>
+          </p:cNvPr>
+          <p:cNvPicPr>
+            <a:picLocks noGrp="1" noChangeAspect="1"/>
+          </p:cNvPicPr>
+          <p:nvPr>
+            <p:ph idx="1"/>
+          </p:nvPr>
+        </p:nvPicPr>
+        <p:blipFill>
+          <a:blip r:embed="rId2"/>
+          <a:stretch>
+            <a:fillRect/>
+          </a:stretch>
+        </p:blipFill>
+        <p:spPr>
+          <a:xfrm>
+            <a:off x="6454405" y="378380"/>
+            <a:ext cx="5915479" cy="3541712"/>
+          </a:xfrm>
+          <a:prstGeom prst="rect">
+            <a:avLst/>
+          </a:prstGeom>
+        </p:spPr>
+      </p:pic>
+      <p:pic>
+        <p:nvPicPr>
+          <p:cNvPr id="5" name="Picture 4">
+            <a:extLst>
+              <a:ext uri="{FF2B5EF4-FFF2-40B4-BE49-F238E27FC236}">
+                <a16:creationId xmlns:a16="http://schemas.microsoft.com/office/drawing/2014/main" id="{2CB8FDD8-D061-4108-8351-D8642D061387}"/>
+              </a:ext>
+            </a:extLst>
+          </p:cNvPr>
+          <p:cNvPicPr>
+            <a:picLocks noChangeAspect="1"/>
+          </p:cNvPicPr>
+          <p:nvPr/>
+        </p:nvPicPr>
+        <p:blipFill>
+          <a:blip r:embed="rId3"/>
+          <a:stretch>
+            <a:fillRect/>
+          </a:stretch>
+        </p:blipFill>
+        <p:spPr>
+          <a:xfrm>
+            <a:off x="241087" y="2201383"/>
+            <a:ext cx="6213318" cy="4038099"/>
+          </a:xfrm>
+          <a:prstGeom prst="rect">
+            <a:avLst/>
+          </a:prstGeom>
+        </p:spPr>
+      </p:pic>
+      <p:sp>
+        <p:nvSpPr>
+          <p:cNvPr id="6" name="Rectangle 5">
+            <a:extLst>
+              <a:ext uri="{FF2B5EF4-FFF2-40B4-BE49-F238E27FC236}">
+                <a16:creationId xmlns:a16="http://schemas.microsoft.com/office/drawing/2014/main" id="{5260C9EC-E435-4D72-B339-0D8FDABD348D}"/>
+              </a:ext>
+            </a:extLst>
+          </p:cNvPr>
+          <p:cNvSpPr/>
+          <p:nvPr/>
+        </p:nvSpPr>
+        <p:spPr>
+          <a:xfrm>
+            <a:off x="6623513" y="4160230"/>
+            <a:ext cx="5327400" cy="1459831"/>
+          </a:xfrm>
+          <a:prstGeom prst="rect">
+            <a:avLst/>
+          </a:prstGeom>
+        </p:spPr>
+        <p:style>
+          <a:lnRef idx="2">
+            <a:schemeClr val="accent1">
+              <a:shade val="50000"/>
+            </a:schemeClr>
+          </a:lnRef>
+          <a:fillRef idx="1">
+            <a:schemeClr val="accent1"/>
+          </a:fillRef>
+          <a:effectRef idx="0">
+            <a:schemeClr val="accent1"/>
+          </a:effectRef>
+          <a:fontRef idx="minor">
+            <a:schemeClr val="lt1"/>
+          </a:fontRef>
+        </p:style>
+        <p:txBody>
+          <a:bodyPr rtlCol="0" anchor="ctr"/>
+          <a:lstStyle/>
+          <a:p>
+            <a:r>
+              <a:rPr lang="en-US" b="1" dirty="0">
+                <a:solidFill>
+                  <a:schemeClr val="bg1"/>
+                </a:solidFill>
+              </a:rPr>
+              <a:t>Research: </a:t>
+            </a:r>
+          </a:p>
+          <a:p>
+            <a:r>
+              <a:rPr lang="en-US" b="1" dirty="0">
+                <a:solidFill>
+                  <a:schemeClr val="bg1"/>
+                </a:solidFill>
+              </a:rPr>
+              <a:t>Machine learning based approaches for detecting COVID-19 using clinical text data </a:t>
+            </a:r>
+          </a:p>
+          <a:p>
+            <a:endParaRPr lang="en-US" b="1" dirty="0">
+              <a:solidFill>
+                <a:schemeClr val="bg1"/>
+              </a:solidFill>
+            </a:endParaRPr>
+          </a:p>
+        </p:txBody>
+      </p:sp>
+      <p:sp>
+        <p:nvSpPr>
+          <p:cNvPr id="9" name="Rectangle: Rounded Corners 8">
+            <a:extLst>
+              <a:ext uri="{FF2B5EF4-FFF2-40B4-BE49-F238E27FC236}">
+                <a16:creationId xmlns:a16="http://schemas.microsoft.com/office/drawing/2014/main" id="{4C58B038-63CC-414D-9C63-87067CA2373B}"/>
+              </a:ext>
+            </a:extLst>
+          </p:cNvPr>
+          <p:cNvSpPr/>
+          <p:nvPr/>
+        </p:nvSpPr>
+        <p:spPr>
+          <a:xfrm>
+            <a:off x="10107947" y="5689554"/>
+            <a:ext cx="2261937" cy="1028052"/>
+          </a:xfrm>
+          <a:prstGeom prst="roundRect">
+            <a:avLst/>
+          </a:prstGeom>
+        </p:spPr>
+        <p:style>
+          <a:lnRef idx="2">
+            <a:schemeClr val="accent1">
+              <a:shade val="50000"/>
+            </a:schemeClr>
+          </a:lnRef>
+          <a:fillRef idx="1">
+            <a:schemeClr val="accent1"/>
+          </a:fillRef>
+          <a:effectRef idx="0">
+            <a:schemeClr val="accent1"/>
+          </a:effectRef>
+          <a:fontRef idx="minor">
+            <a:schemeClr val="lt1"/>
+          </a:fontRef>
+        </p:style>
+        <p:txBody>
+          <a:bodyPr rtlCol="0" anchor="ctr"/>
+          <a:lstStyle/>
+          <a:p>
+            <a:pPr lvl="0" defTabSz="914400" eaLnBrk="0" fontAlgn="base" hangingPunct="0">
+              <a:spcBef>
+                <a:spcPct val="0"/>
+              </a:spcBef>
+              <a:spcAft>
+                <a:spcPct val="0"/>
+              </a:spcAft>
+              <a:buFontTx/>
+              <a:buChar char="•"/>
+            </a:pPr>
+            <a:r>
+              <a:rPr lang="en-US" altLang="en-US" sz="1050" dirty="0" err="1">
+                <a:solidFill>
+                  <a:schemeClr val="tx1"/>
+                </a:solidFill>
+                <a:latin typeface="Arial" panose="020B0604020202020204" pitchFamily="34" charset="0"/>
+              </a:rPr>
+              <a:t>Akib</a:t>
+            </a:r>
+            <a:r>
+              <a:rPr lang="en-US" altLang="en-US" sz="1050" dirty="0">
+                <a:solidFill>
+                  <a:schemeClr val="tx1"/>
+                </a:solidFill>
+                <a:latin typeface="Arial" panose="020B0604020202020204" pitchFamily="34" charset="0"/>
+              </a:rPr>
+              <a:t> </a:t>
+            </a:r>
+            <a:r>
+              <a:rPr lang="en-US" altLang="en-US" sz="1050" dirty="0" err="1">
+                <a:solidFill>
+                  <a:schemeClr val="tx1"/>
+                </a:solidFill>
+                <a:latin typeface="Arial" panose="020B0604020202020204" pitchFamily="34" charset="0"/>
+              </a:rPr>
+              <a:t>Mohi</a:t>
+            </a:r>
+            <a:r>
+              <a:rPr lang="en-US" altLang="en-US" sz="1050" dirty="0">
+                <a:solidFill>
+                  <a:schemeClr val="tx1"/>
+                </a:solidFill>
+                <a:latin typeface="Arial" panose="020B0604020202020204" pitchFamily="34" charset="0"/>
+              </a:rPr>
+              <a:t> </a:t>
+            </a:r>
+            <a:r>
+              <a:rPr lang="en-US" altLang="en-US" sz="1050" dirty="0" err="1">
+                <a:solidFill>
+                  <a:schemeClr val="tx1"/>
+                </a:solidFill>
+                <a:latin typeface="Arial" panose="020B0604020202020204" pitchFamily="34" charset="0"/>
+              </a:rPr>
+              <a:t>Ud</a:t>
+            </a:r>
+            <a:r>
+              <a:rPr lang="en-US" altLang="en-US" sz="1050" dirty="0">
+                <a:solidFill>
+                  <a:schemeClr val="tx1"/>
+                </a:solidFill>
+                <a:latin typeface="Arial" panose="020B0604020202020204" pitchFamily="34" charset="0"/>
+              </a:rPr>
+              <a:t> Din </a:t>
+            </a:r>
+            <a:r>
+              <a:rPr lang="en-US" altLang="en-US" sz="1050" dirty="0" err="1">
+                <a:solidFill>
+                  <a:schemeClr val="tx1"/>
+                </a:solidFill>
+                <a:latin typeface="Arial" panose="020B0604020202020204" pitchFamily="34" charset="0"/>
+              </a:rPr>
+              <a:t>Khanday</a:t>
+            </a:r>
+            <a:r>
+              <a:rPr lang="en-US" altLang="en-US" sz="1050" dirty="0">
+                <a:solidFill>
+                  <a:schemeClr val="tx1"/>
+                </a:solidFill>
+                <a:latin typeface="Arial" panose="020B0604020202020204" pitchFamily="34" charset="0"/>
+              </a:rPr>
+              <a:t>, </a:t>
+            </a:r>
+          </a:p>
+          <a:p>
+            <a:pPr lvl="0" defTabSz="914400" eaLnBrk="0" fontAlgn="base" hangingPunct="0">
+              <a:spcBef>
+                <a:spcPct val="0"/>
+              </a:spcBef>
+              <a:spcAft>
+                <a:spcPct val="0"/>
+              </a:spcAft>
+              <a:buFontTx/>
+              <a:buChar char="•"/>
+            </a:pPr>
+            <a:r>
+              <a:rPr lang="en-US" altLang="en-US" sz="1050" dirty="0">
+                <a:solidFill>
+                  <a:schemeClr val="tx1"/>
+                </a:solidFill>
+                <a:latin typeface="Arial" panose="020B0604020202020204" pitchFamily="34" charset="0"/>
+              </a:rPr>
+              <a:t>Syed </a:t>
+            </a:r>
+            <a:r>
+              <a:rPr lang="en-US" altLang="en-US" sz="1050" dirty="0" err="1">
+                <a:solidFill>
+                  <a:schemeClr val="tx1"/>
+                </a:solidFill>
+                <a:latin typeface="Arial" panose="020B0604020202020204" pitchFamily="34" charset="0"/>
+              </a:rPr>
+              <a:t>Tanzeel</a:t>
+            </a:r>
+            <a:r>
+              <a:rPr lang="en-US" altLang="en-US" sz="1050" dirty="0">
+                <a:solidFill>
+                  <a:schemeClr val="tx1"/>
+                </a:solidFill>
+                <a:latin typeface="Arial" panose="020B0604020202020204" pitchFamily="34" charset="0"/>
+              </a:rPr>
+              <a:t> </a:t>
+            </a:r>
+            <a:r>
+              <a:rPr lang="en-US" altLang="en-US" sz="1050" dirty="0" err="1">
+                <a:solidFill>
+                  <a:schemeClr val="tx1"/>
+                </a:solidFill>
+                <a:latin typeface="Arial" panose="020B0604020202020204" pitchFamily="34" charset="0"/>
+              </a:rPr>
+              <a:t>Rabani</a:t>
+            </a:r>
+            <a:r>
+              <a:rPr lang="en-US" altLang="en-US" sz="1050" dirty="0">
+                <a:solidFill>
+                  <a:schemeClr val="tx1"/>
+                </a:solidFill>
+                <a:latin typeface="Arial" panose="020B0604020202020204" pitchFamily="34" charset="0"/>
+              </a:rPr>
+              <a:t>, </a:t>
+            </a:r>
+          </a:p>
+          <a:p>
+            <a:pPr lvl="0" defTabSz="914400" eaLnBrk="0" fontAlgn="base" hangingPunct="0">
+              <a:spcBef>
+                <a:spcPct val="0"/>
+              </a:spcBef>
+              <a:spcAft>
+                <a:spcPct val="0"/>
+              </a:spcAft>
+              <a:buFontTx/>
+              <a:buChar char="•"/>
+            </a:pPr>
+            <a:r>
+              <a:rPr lang="en-US" altLang="en-US" sz="1050" dirty="0">
+                <a:solidFill>
+                  <a:schemeClr val="tx1"/>
+                </a:solidFill>
+                <a:latin typeface="Arial" panose="020B0604020202020204" pitchFamily="34" charset="0"/>
+              </a:rPr>
+              <a:t>Qamar </a:t>
+            </a:r>
+            <a:r>
+              <a:rPr lang="en-US" altLang="en-US" sz="1050" dirty="0" err="1">
+                <a:solidFill>
+                  <a:schemeClr val="tx1"/>
+                </a:solidFill>
+                <a:latin typeface="Arial" panose="020B0604020202020204" pitchFamily="34" charset="0"/>
+              </a:rPr>
+              <a:t>Rayees</a:t>
+            </a:r>
+            <a:r>
+              <a:rPr lang="en-US" altLang="en-US" sz="1050" dirty="0">
+                <a:solidFill>
+                  <a:schemeClr val="tx1"/>
+                </a:solidFill>
+                <a:latin typeface="Arial" panose="020B0604020202020204" pitchFamily="34" charset="0"/>
+              </a:rPr>
+              <a:t> Khan, </a:t>
+            </a:r>
+          </a:p>
+          <a:p>
+            <a:pPr lvl="0" defTabSz="914400" eaLnBrk="0" fontAlgn="base" hangingPunct="0">
+              <a:spcBef>
+                <a:spcPct val="0"/>
+              </a:spcBef>
+              <a:spcAft>
+                <a:spcPct val="0"/>
+              </a:spcAft>
+              <a:buFontTx/>
+              <a:buChar char="•"/>
+            </a:pPr>
+            <a:r>
+              <a:rPr lang="en-US" altLang="en-US" sz="1050" dirty="0">
+                <a:solidFill>
+                  <a:schemeClr val="tx1"/>
+                </a:solidFill>
+                <a:latin typeface="Arial" panose="020B0604020202020204" pitchFamily="34" charset="0"/>
+              </a:rPr>
+              <a:t>Nusrat </a:t>
+            </a:r>
+            <a:r>
+              <a:rPr lang="en-US" altLang="en-US" sz="1050" dirty="0" err="1">
+                <a:solidFill>
+                  <a:schemeClr val="tx1"/>
+                </a:solidFill>
+                <a:latin typeface="Arial" panose="020B0604020202020204" pitchFamily="34" charset="0"/>
+              </a:rPr>
+              <a:t>Rouf</a:t>
+            </a:r>
+            <a:r>
+              <a:rPr lang="en-US" altLang="en-US" sz="1050" dirty="0">
+                <a:solidFill>
+                  <a:schemeClr val="tx1"/>
+                </a:solidFill>
+                <a:latin typeface="Arial" panose="020B0604020202020204" pitchFamily="34" charset="0"/>
+              </a:rPr>
+              <a:t> &amp; </a:t>
+            </a:r>
+          </a:p>
+          <a:p>
+            <a:pPr lvl="0" defTabSz="914400" eaLnBrk="0" fontAlgn="base" hangingPunct="0">
+              <a:spcBef>
+                <a:spcPct val="0"/>
+              </a:spcBef>
+              <a:spcAft>
+                <a:spcPct val="0"/>
+              </a:spcAft>
+              <a:buFontTx/>
+              <a:buChar char="•"/>
+            </a:pPr>
+            <a:r>
+              <a:rPr lang="en-US" altLang="en-US" sz="1050" dirty="0" err="1">
+                <a:solidFill>
+                  <a:schemeClr val="tx1"/>
+                </a:solidFill>
+                <a:latin typeface="Arial" panose="020B0604020202020204" pitchFamily="34" charset="0"/>
+              </a:rPr>
+              <a:t>Masarat</a:t>
+            </a:r>
+            <a:r>
+              <a:rPr lang="en-US" altLang="en-US" sz="1050" dirty="0">
+                <a:solidFill>
+                  <a:schemeClr val="tx1"/>
+                </a:solidFill>
+                <a:latin typeface="Arial" panose="020B0604020202020204" pitchFamily="34" charset="0"/>
+              </a:rPr>
+              <a:t> </a:t>
+            </a:r>
+            <a:r>
+              <a:rPr lang="en-US" altLang="en-US" sz="1050" dirty="0" err="1">
+                <a:solidFill>
+                  <a:schemeClr val="tx1"/>
+                </a:solidFill>
+                <a:latin typeface="Arial" panose="020B0604020202020204" pitchFamily="34" charset="0"/>
+              </a:rPr>
+              <a:t>Mohi</a:t>
+            </a:r>
+            <a:r>
+              <a:rPr lang="en-US" altLang="en-US" sz="1050" dirty="0">
+                <a:solidFill>
+                  <a:schemeClr val="tx1"/>
+                </a:solidFill>
+                <a:latin typeface="Arial" panose="020B0604020202020204" pitchFamily="34" charset="0"/>
+              </a:rPr>
+              <a:t> </a:t>
+            </a:r>
+            <a:r>
+              <a:rPr lang="en-US" altLang="en-US" sz="1050" dirty="0" err="1">
+                <a:solidFill>
+                  <a:schemeClr val="tx1"/>
+                </a:solidFill>
+                <a:latin typeface="Arial" panose="020B0604020202020204" pitchFamily="34" charset="0"/>
+              </a:rPr>
+              <a:t>Ud</a:t>
+            </a:r>
+            <a:r>
+              <a:rPr lang="en-US" altLang="en-US" sz="1050" dirty="0">
+                <a:solidFill>
+                  <a:schemeClr val="tx1"/>
+                </a:solidFill>
+                <a:latin typeface="Arial" panose="020B0604020202020204" pitchFamily="34" charset="0"/>
+              </a:rPr>
+              <a:t> Din  </a:t>
+            </a:r>
+          </a:p>
+        </p:txBody>
+      </p:sp>
+      <p:sp>
+        <p:nvSpPr>
+          <p:cNvPr id="10" name="Rectangle 3">
+            <a:extLst>
+              <a:ext uri="{FF2B5EF4-FFF2-40B4-BE49-F238E27FC236}">
+                <a16:creationId xmlns:a16="http://schemas.microsoft.com/office/drawing/2014/main" id="{54BC8B18-6008-456C-87DB-6AF2FE40B691}"/>
+              </a:ext>
+            </a:extLst>
+          </p:cNvPr>
+          <p:cNvSpPr>
+            <a:spLocks noChangeArrowheads="1"/>
+          </p:cNvSpPr>
+          <p:nvPr/>
+        </p:nvSpPr>
+        <p:spPr bwMode="auto">
+          <a:xfrm>
+            <a:off x="0" y="-184666"/>
+            <a:ext cx="184731" cy="369332"/>
+          </a:xfrm>
+          <a:prstGeom prst="rect">
+            <a:avLst/>
+          </a:prstGeom>
+          <a:noFill/>
+          <a:ln>
+            <a:noFill/>
+          </a:ln>
+          <a:effectLst/>
+          <a:extLst>
+            <a:ext uri="{909E8E84-426E-40DD-AFC4-6F175D3DCCD1}">
+              <a14:hiddenFill xmlns:a14="http://schemas.microsoft.com/office/drawing/2010/main">
+                <a:solidFill>
+                  <a:schemeClr val="accent1"/>
+                </a:solidFill>
+              </a14:hiddenFill>
+            </a:ext>
+            <a:ext uri="{91240B29-F687-4F45-9708-019B960494DF}">
+              <a14:hiddenLine xmlns:a14="http://schemas.microsoft.com/office/drawing/2010/main" w="9525">
+                <a:solidFill>
+                  <a:schemeClr val="tx1"/>
+                </a:solidFill>
+                <a:miter lim="800000"/>
+                <a:headEnd/>
+                <a:tailEnd/>
+              </a14:hiddenLine>
+            </a:ext>
+            <a:ext uri="{AF507438-7753-43E0-B8FC-AC1667EBCBE1}">
+              <a14:hiddenEffects xmlns:a14="http://schemas.microsoft.com/office/drawing/2010/main">
+                <a:effectLst>
+                  <a:outerShdw dist="35921" dir="2700000" algn="ctr" rotWithShape="0">
+                    <a:schemeClr val="bg2"/>
+                  </a:outerShdw>
+                </a:effectLst>
+              </a14:hiddenEffects>
+            </a:ext>
+          </a:extLst>
+        </p:spPr>
+        <p:txBody>
+          <a:bodyPr vert="horz" wrap="none" lIns="91440" tIns="45720" rIns="91440" bIns="45720" numCol="1" anchor="ctr" anchorCtr="0" compatLnSpc="1">
+            <a:prstTxWarp prst="textNoShape">
+              <a:avLst/>
+            </a:prstTxWarp>
+            <a:spAutoFit/>
+          </a:bodyPr>
+          <a:lstStyle/>
+          <a:p>
+            <a:pPr marL="0" marR="0" lvl="0" indent="0" algn="l" defTabSz="914400" rtl="0" eaLnBrk="0" fontAlgn="base" latinLnBrk="0" hangingPunct="0">
+              <a:lnSpc>
+                <a:spcPct val="100000"/>
+              </a:lnSpc>
+              <a:spcBef>
+                <a:spcPct val="0"/>
+              </a:spcBef>
+              <a:spcAft>
+                <a:spcPct val="0"/>
+              </a:spcAft>
+              <a:buClrTx/>
+              <a:buSzTx/>
+              <a:tabLst/>
+            </a:pPr>
+            <a:endParaRPr kumimoji="0" lang="en-US" altLang="en-US" sz="1800" b="0" i="0" u="none" strike="noStrike" cap="none" normalizeH="0" baseline="0" dirty="0">
+              <a:ln>
+                <a:noFill/>
+              </a:ln>
+              <a:solidFill>
+                <a:schemeClr val="tx1"/>
+              </a:solidFill>
+              <a:effectLst/>
+              <a:latin typeface="Arial" panose="020B0604020202020204" pitchFamily="34" charset="0"/>
+            </a:endParaRPr>
+          </a:p>
+        </p:txBody>
+      </p:sp>
+    </p:spTree>
+    <p:extLst>
+      <p:ext uri="{BB962C8B-B14F-4D97-AF65-F5344CB8AC3E}">
+        <p14:creationId xmlns:p14="http://schemas.microsoft.com/office/powerpoint/2010/main" val="1972678747"/>
+      </p:ext>
+    </p:extLst>
+  </p:cSld>
+  <p:clrMapOvr>
+    <a:masterClrMapping/>
+  </p:clrMapOvr>
+</p:sld>
+</file>
+
+<file path=ppt/slides/slide5.xml><?xml version="1.0" encoding="utf-8"?>
+<p:sld xmlns:a="http://schemas.openxmlformats.org/drawingml/2006/main" xmlns:r="http://schemas.openxmlformats.org/officeDocument/2006/relationships" xmlns:p="http://schemas.openxmlformats.org/presentationml/2006/main">
+  <p:cSld>
+    <p:spTree>
+      <p:nvGrpSpPr>
+        <p:cNvPr id="1" name=""/>
+        <p:cNvGrpSpPr/>
+        <p:nvPr/>
+      </p:nvGrpSpPr>
+      <p:grpSpPr>
+        <a:xfrm>
+          <a:off x="0" y="0"/>
+          <a:ext cx="0" cy="0"/>
+          <a:chOff x="0" y="0"/>
+          <a:chExt cx="0" cy="0"/>
+        </a:xfrm>
+      </p:grpSpPr>
+      <p:sp>
+        <p:nvSpPr>
+          <p:cNvPr id="2" name="Title 1">
+            <a:extLst>
+              <a:ext uri="{FF2B5EF4-FFF2-40B4-BE49-F238E27FC236}">
+                <a16:creationId xmlns:a16="http://schemas.microsoft.com/office/drawing/2014/main" id="{A21EDA0B-C00F-4C4B-A28D-99071BFAFA86}"/>
+              </a:ext>
+            </a:extLst>
+          </p:cNvPr>
+          <p:cNvSpPr>
+            <a:spLocks noGrp="1"/>
+          </p:cNvSpPr>
+          <p:nvPr>
+            <p:ph type="title"/>
+          </p:nvPr>
+        </p:nvSpPr>
+        <p:spPr/>
+        <p:txBody>
+          <a:bodyPr/>
+          <a:lstStyle/>
+          <a:p>
+            <a:r>
+              <a:rPr lang="en-US" dirty="0"/>
+              <a:t>Computer Vision </a:t>
+            </a:r>
+          </a:p>
+        </p:txBody>
+      </p:sp>
+      <p:pic>
+        <p:nvPicPr>
+          <p:cNvPr id="4" name="Content Placeholder 3">
+            <a:extLst>
+              <a:ext uri="{FF2B5EF4-FFF2-40B4-BE49-F238E27FC236}">
+                <a16:creationId xmlns:a16="http://schemas.microsoft.com/office/drawing/2014/main" id="{5E30EFE2-936C-4077-B46B-7B06BEFDF30E}"/>
+              </a:ext>
+            </a:extLst>
+          </p:cNvPr>
+          <p:cNvPicPr>
+            <a:picLocks noGrp="1" noChangeAspect="1"/>
+          </p:cNvPicPr>
+          <p:nvPr>
+            <p:ph idx="1"/>
+          </p:nvPr>
+        </p:nvPicPr>
+        <p:blipFill>
+          <a:blip r:embed="rId2"/>
+          <a:stretch>
+            <a:fillRect/>
+          </a:stretch>
+        </p:blipFill>
+        <p:spPr>
+          <a:xfrm>
+            <a:off x="902194" y="1880520"/>
+            <a:ext cx="5192218" cy="3541712"/>
+          </a:xfrm>
+          <a:prstGeom prst="rect">
+            <a:avLst/>
+          </a:prstGeom>
+        </p:spPr>
+      </p:pic>
+      <p:sp>
+        <p:nvSpPr>
+          <p:cNvPr id="6" name="Rectangle: Rounded Corners 5">
+            <a:extLst>
+              <a:ext uri="{FF2B5EF4-FFF2-40B4-BE49-F238E27FC236}">
+                <a16:creationId xmlns:a16="http://schemas.microsoft.com/office/drawing/2014/main" id="{15EA30C1-67A9-46EC-B8D3-A792CB483785}"/>
+              </a:ext>
+            </a:extLst>
+          </p:cNvPr>
+          <p:cNvSpPr/>
+          <p:nvPr/>
+        </p:nvSpPr>
+        <p:spPr>
+          <a:xfrm>
+            <a:off x="5181600" y="1357803"/>
+            <a:ext cx="3682672" cy="770021"/>
+          </a:xfrm>
+          <a:prstGeom prst="roundRect">
+            <a:avLst/>
+          </a:prstGeom>
+        </p:spPr>
+        <p:style>
+          <a:lnRef idx="2">
+            <a:schemeClr val="accent1">
+              <a:shade val="50000"/>
+            </a:schemeClr>
+          </a:lnRef>
+          <a:fillRef idx="1">
+            <a:schemeClr val="accent1"/>
+          </a:fillRef>
+          <a:effectRef idx="0">
+            <a:schemeClr val="accent1"/>
+          </a:effectRef>
+          <a:fontRef idx="minor">
+            <a:schemeClr val="lt1"/>
+          </a:fontRef>
+        </p:style>
+        <p:txBody>
+          <a:bodyPr rtlCol="0" anchor="ctr"/>
+          <a:lstStyle/>
+          <a:p>
+            <a:pPr algn="ctr"/>
+            <a:r>
+              <a:rPr lang="en-US" sz="2400" dirty="0">
+                <a:solidFill>
+                  <a:schemeClr val="bg1"/>
+                </a:solidFill>
+              </a:rPr>
+              <a:t>Helping computers see</a:t>
+            </a:r>
+          </a:p>
+        </p:txBody>
+      </p:sp>
+      <p:pic>
+        <p:nvPicPr>
+          <p:cNvPr id="7" name="Picture 6">
+            <a:extLst>
+              <a:ext uri="{FF2B5EF4-FFF2-40B4-BE49-F238E27FC236}">
+                <a16:creationId xmlns:a16="http://schemas.microsoft.com/office/drawing/2014/main" id="{A00659D3-671F-4FA4-959D-C77DE351A33F}"/>
+              </a:ext>
+            </a:extLst>
+          </p:cNvPr>
+          <p:cNvPicPr>
+            <a:picLocks noChangeAspect="1"/>
+          </p:cNvPicPr>
+          <p:nvPr/>
+        </p:nvPicPr>
+        <p:blipFill>
+          <a:blip r:embed="rId3"/>
+          <a:stretch>
+            <a:fillRect/>
+          </a:stretch>
+        </p:blipFill>
+        <p:spPr>
+          <a:xfrm>
+            <a:off x="6405394" y="2409011"/>
+            <a:ext cx="5206082" cy="3885699"/>
+          </a:xfrm>
+          <a:prstGeom prst="rect">
+            <a:avLst/>
+          </a:prstGeom>
+        </p:spPr>
+      </p:pic>
+    </p:spTree>
+    <p:extLst>
+      <p:ext uri="{BB962C8B-B14F-4D97-AF65-F5344CB8AC3E}">
+        <p14:creationId xmlns:p14="http://schemas.microsoft.com/office/powerpoint/2010/main" val="1273155222"/>
+      </p:ext>
+    </p:extLst>
+  </p:cSld>
+  <p:clrMapOvr>
+    <a:masterClrMapping/>
+  </p:clrMapOvr>
+</p:sld>
+</file>
+
+<file path=ppt/slides/slide6.xml><?xml version="1.0" encoding="utf-8"?>
 <p:sld xmlns:a="http://schemas.openxmlformats.org/drawingml/2006/main" xmlns:r="http://schemas.openxmlformats.org/officeDocument/2006/relationships" xmlns:p="http://schemas.openxmlformats.org/presentationml/2006/main">
   <p:cSld>
     <p:spTree>
@@ -25461,7 +28693,7 @@
 </p:sld>
 </file>
 
-<file path=ppt/slides/slide5.xml><?xml version="1.0" encoding="utf-8"?>
+<file path=ppt/slides/slide7.xml><?xml version="1.0" encoding="utf-8"?>
 <p:sld xmlns:a="http://schemas.openxmlformats.org/drawingml/2006/main" xmlns:r="http://schemas.openxmlformats.org/officeDocument/2006/relationships" xmlns:p="http://schemas.openxmlformats.org/presentationml/2006/main">
   <p:cSld>
     <p:spTree>
@@ -25617,8 +28849,8 @@
           </a:p>
         </p:txBody>
       </p:sp>
-      <mc:AlternateContent xmlns:mc="http://schemas.openxmlformats.org/markup-compatibility/2006">
-        <mc:Choice xmlns:a14="http://schemas.microsoft.com/office/drawing/2010/main" Requires="a14">
+      <mc:AlternateContent xmlns:mc="http://schemas.openxmlformats.org/markup-compatibility/2006" xmlns:a14="http://schemas.microsoft.com/office/drawing/2010/main">
+        <mc:Choice Requires="a14">
           <p:sp>
             <p:nvSpPr>
               <p:cNvPr id="22" name="Flowchart: Process 21">
@@ -25806,7 +29038,7 @@
             </p:txBody>
           </p:sp>
         </mc:Choice>
-        <mc:Fallback>
+        <mc:Fallback xmlns="">
           <p:sp>
             <p:nvSpPr>
               <p:cNvPr id="22" name="Flowchart: Process 21">
@@ -26485,7 +29717,7 @@
 </p:sld>
 </file>
 
-<file path=ppt/slides/slide6.xml><?xml version="1.0" encoding="utf-8"?>
+<file path=ppt/slides/slide8.xml><?xml version="1.0" encoding="utf-8"?>
 <p:sld xmlns:a="http://schemas.openxmlformats.org/drawingml/2006/main" xmlns:r="http://schemas.openxmlformats.org/officeDocument/2006/relationships" xmlns:p="http://schemas.openxmlformats.org/presentationml/2006/main">
   <p:cSld>
     <p:spTree>
@@ -26779,7 +30011,7 @@
 </p:sld>
 </file>
 
-<file path=ppt/slides/slide7.xml><?xml version="1.0" encoding="utf-8"?>
+<file path=ppt/slides/slide9.xml><?xml version="1.0" encoding="utf-8"?>
 <p:sld xmlns:a="http://schemas.openxmlformats.org/drawingml/2006/main" xmlns:r="http://schemas.openxmlformats.org/officeDocument/2006/relationships" xmlns:p="http://schemas.openxmlformats.org/presentationml/2006/main">
   <p:cSld>
     <p:spTree>
@@ -27080,8 +30312,8 @@
             </a:p>
           </p:txBody>
         </p:sp>
-        <mc:AlternateContent xmlns:mc="http://schemas.openxmlformats.org/markup-compatibility/2006">
-          <mc:Choice xmlns:a14="http://schemas.microsoft.com/office/drawing/2010/main" Requires="a14">
+        <mc:AlternateContent xmlns:mc="http://schemas.openxmlformats.org/markup-compatibility/2006" xmlns:a14="http://schemas.microsoft.com/office/drawing/2010/main">
+          <mc:Choice Requires="a14">
             <p:sp>
               <p:nvSpPr>
                 <p:cNvPr id="14" name="Flowchart: Process 13">
@@ -27269,7 +30501,7 @@
               </p:txBody>
             </p:sp>
           </mc:Choice>
-          <mc:Fallback>
+          <mc:Fallback xmlns="">
             <p:sp>
               <p:nvSpPr>
                 <p:cNvPr id="14" name="Flowchart: Process 13">
@@ -27361,1198 +30593,6 @@
   <p:clrMapOvr>
     <a:masterClrMapping/>
   </p:clrMapOvr>
-</p:sld>
-</file>
-
-<file path=ppt/slides/slide8.xml><?xml version="1.0" encoding="utf-8"?>
-<p:sld xmlns:a="http://schemas.openxmlformats.org/drawingml/2006/main" xmlns:r="http://schemas.openxmlformats.org/officeDocument/2006/relationships" xmlns:p="http://schemas.openxmlformats.org/presentationml/2006/main">
-  <p:cSld>
-    <p:spTree>
-      <p:nvGrpSpPr>
-        <p:cNvPr id="1" name=""/>
-        <p:cNvGrpSpPr/>
-        <p:nvPr/>
-      </p:nvGrpSpPr>
-      <p:grpSpPr>
-        <a:xfrm>
-          <a:off x="0" y="0"/>
-          <a:ext cx="0" cy="0"/>
-          <a:chOff x="0" y="0"/>
-          <a:chExt cx="0" cy="0"/>
-        </a:xfrm>
-      </p:grpSpPr>
-      <p:sp>
-        <p:nvSpPr>
-          <p:cNvPr id="2" name="Title 1">
-            <a:extLst>
-              <a:ext uri="{FF2B5EF4-FFF2-40B4-BE49-F238E27FC236}">
-                <a16:creationId xmlns:a16="http://schemas.microsoft.com/office/drawing/2014/main" id="{7401FFD5-704F-4BD8-ABE9-3389E9942F84}"/>
-              </a:ext>
-            </a:extLst>
-          </p:cNvPr>
-          <p:cNvSpPr>
-            <a:spLocks noGrp="1"/>
-          </p:cNvSpPr>
-          <p:nvPr>
-            <p:ph type="title"/>
-          </p:nvPr>
-        </p:nvSpPr>
-        <p:spPr>
-          <a:xfrm>
-            <a:off x="1042049" y="-243314"/>
-            <a:ext cx="9905998" cy="1478570"/>
-          </a:xfrm>
-        </p:spPr>
-        <p:txBody>
-          <a:bodyPr/>
-          <a:lstStyle/>
-          <a:p>
-            <a:r>
-              <a:rPr lang="en-US" dirty="0"/>
-              <a:t>Supervised Machine learning (simplified)</a:t>
-            </a:r>
-          </a:p>
-        </p:txBody>
-      </p:sp>
-      <p:grpSp>
-        <p:nvGrpSpPr>
-          <p:cNvPr id="37" name="Group 36">
-            <a:extLst>
-              <a:ext uri="{FF2B5EF4-FFF2-40B4-BE49-F238E27FC236}">
-                <a16:creationId xmlns:a16="http://schemas.microsoft.com/office/drawing/2014/main" id="{8E5D0662-DB93-44AB-A2F7-8A79732412BA}"/>
-              </a:ext>
-            </a:extLst>
-          </p:cNvPr>
-          <p:cNvGrpSpPr/>
-          <p:nvPr/>
-        </p:nvGrpSpPr>
-        <p:grpSpPr>
-          <a:xfrm>
-            <a:off x="5114786" y="1776408"/>
-            <a:ext cx="3305184" cy="3305184"/>
-            <a:chOff x="8886816" y="2743047"/>
-            <a:chExt cx="3305184" cy="3305184"/>
-          </a:xfrm>
-        </p:grpSpPr>
-        <p:pic>
-          <p:nvPicPr>
-            <p:cNvPr id="31" name="Picture 30">
-              <a:extLst>
-                <a:ext uri="{FF2B5EF4-FFF2-40B4-BE49-F238E27FC236}">
-                  <a16:creationId xmlns:a16="http://schemas.microsoft.com/office/drawing/2014/main" id="{2C964BBE-11B4-41C3-9FEF-7C6239DD063D}"/>
-                </a:ext>
-              </a:extLst>
-            </p:cNvPr>
-            <p:cNvPicPr>
-              <a:picLocks noChangeAspect="1"/>
-            </p:cNvPicPr>
-            <p:nvPr/>
-          </p:nvPicPr>
-          <p:blipFill>
-            <a:blip r:embed="rId2">
-              <a:extLst>
-                <a:ext uri="{BEBA8EAE-BF5A-486C-A8C5-ECC9F3942E4B}">
-                  <a14:imgProps xmlns:a14="http://schemas.microsoft.com/office/drawing/2010/main">
-                    <a14:imgLayer r:embed="rId3">
-                      <a14:imgEffect>
-                        <a14:colorTemperature colorTemp="2216"/>
-                      </a14:imgEffect>
-                      <a14:imgEffect>
-                        <a14:saturation sat="43000"/>
-                      </a14:imgEffect>
-                    </a14:imgLayer>
-                  </a14:imgProps>
-                </a:ext>
-                <a:ext uri="{837473B0-CC2E-450A-ABE3-18F120FF3D39}">
-                  <a1611:picAttrSrcUrl xmlns:a1611="http://schemas.microsoft.com/office/drawing/2016/11/main" r:id="rId4"/>
-                </a:ext>
-              </a:extLst>
-            </a:blip>
-            <a:stretch>
-              <a:fillRect/>
-            </a:stretch>
-          </p:blipFill>
-          <p:spPr>
-            <a:xfrm>
-              <a:off x="8886816" y="2743047"/>
-              <a:ext cx="3305184" cy="3305184"/>
-            </a:xfrm>
-            <a:prstGeom prst="rect">
-              <a:avLst/>
-            </a:prstGeom>
-            <a:effectLst>
-              <a:glow rad="127000">
-                <a:schemeClr val="accent1">
-                  <a:alpha val="14000"/>
-                </a:schemeClr>
-              </a:glow>
-            </a:effectLst>
-          </p:spPr>
-        </p:pic>
-        <p:sp>
-          <p:nvSpPr>
-            <p:cNvPr id="35" name="Flowchart: Connector 34">
-              <a:extLst>
-                <a:ext uri="{FF2B5EF4-FFF2-40B4-BE49-F238E27FC236}">
-                  <a16:creationId xmlns:a16="http://schemas.microsoft.com/office/drawing/2014/main" id="{55838AC1-DD56-4813-879D-D7B284A40D0B}"/>
-                </a:ext>
-              </a:extLst>
-            </p:cNvPr>
-            <p:cNvSpPr/>
-            <p:nvPr/>
-          </p:nvSpPr>
-          <p:spPr>
-            <a:xfrm>
-              <a:off x="10079182" y="5133831"/>
-              <a:ext cx="228600" cy="227878"/>
-            </a:xfrm>
-            <a:prstGeom prst="flowChartConnector">
-              <a:avLst/>
-            </a:prstGeom>
-            <a:solidFill>
-              <a:srgbClr val="FFFF00"/>
-            </a:solidFill>
-          </p:spPr>
-          <p:style>
-            <a:lnRef idx="2">
-              <a:schemeClr val="accent1">
-                <a:shade val="50000"/>
-              </a:schemeClr>
-            </a:lnRef>
-            <a:fillRef idx="1">
-              <a:schemeClr val="accent1"/>
-            </a:fillRef>
-            <a:effectRef idx="0">
-              <a:schemeClr val="accent1"/>
-            </a:effectRef>
-            <a:fontRef idx="minor">
-              <a:schemeClr val="lt1"/>
-            </a:fontRef>
-          </p:style>
-          <p:txBody>
-            <a:bodyPr rtlCol="0" anchor="ctr"/>
-            <a:lstStyle/>
-            <a:p>
-              <a:pPr algn="ctr"/>
-              <a:endParaRPr lang="en-US"/>
-            </a:p>
-          </p:txBody>
-        </p:sp>
-      </p:grpSp>
-      <p:grpSp>
-        <p:nvGrpSpPr>
-          <p:cNvPr id="3" name="Group 2">
-            <a:extLst>
-              <a:ext uri="{FF2B5EF4-FFF2-40B4-BE49-F238E27FC236}">
-                <a16:creationId xmlns:a16="http://schemas.microsoft.com/office/drawing/2014/main" id="{D2206E3B-B0B0-4980-9FF6-449DA725C181}"/>
-              </a:ext>
-            </a:extLst>
-          </p:cNvPr>
-          <p:cNvGrpSpPr/>
-          <p:nvPr/>
-        </p:nvGrpSpPr>
-        <p:grpSpPr>
-          <a:xfrm>
-            <a:off x="2028870" y="1552362"/>
-            <a:ext cx="2489734" cy="3581622"/>
-            <a:chOff x="4538993" y="1717598"/>
-            <a:chExt cx="2078485" cy="3427522"/>
-          </a:xfrm>
-        </p:grpSpPr>
-        <p:sp>
-          <p:nvSpPr>
-            <p:cNvPr id="21" name="Rectangle 20">
-              <a:extLst>
-                <a:ext uri="{FF2B5EF4-FFF2-40B4-BE49-F238E27FC236}">
-                  <a16:creationId xmlns:a16="http://schemas.microsoft.com/office/drawing/2014/main" id="{20428E07-B38C-41D8-A385-5EB15214B03A}"/>
-                </a:ext>
-              </a:extLst>
-            </p:cNvPr>
-            <p:cNvSpPr/>
-            <p:nvPr/>
-          </p:nvSpPr>
-          <p:spPr>
-            <a:xfrm>
-              <a:off x="4538993" y="1717598"/>
-              <a:ext cx="2038368" cy="1197262"/>
-            </a:xfrm>
-            <a:prstGeom prst="rect">
-              <a:avLst/>
-            </a:prstGeom>
-          </p:spPr>
-          <p:style>
-            <a:lnRef idx="2">
-              <a:schemeClr val="accent1">
-                <a:shade val="50000"/>
-              </a:schemeClr>
-            </a:lnRef>
-            <a:fillRef idx="1">
-              <a:schemeClr val="accent1"/>
-            </a:fillRef>
-            <a:effectRef idx="0">
-              <a:schemeClr val="accent1"/>
-            </a:effectRef>
-            <a:fontRef idx="minor">
-              <a:schemeClr val="lt1"/>
-            </a:fontRef>
-          </p:style>
-          <p:txBody>
-            <a:bodyPr rtlCol="0" anchor="ctr"/>
-            <a:lstStyle/>
-            <a:p>
-              <a:pPr algn="ctr"/>
-              <a:r>
-                <a:rPr lang="en-US" dirty="0">
-                  <a:solidFill>
-                    <a:schemeClr val="bg1"/>
-                  </a:solidFill>
-                </a:rPr>
-                <a:t>Update guess</a:t>
-              </a:r>
-            </a:p>
-          </p:txBody>
-        </p:sp>
-        <p:sp>
-          <p:nvSpPr>
-            <p:cNvPr id="13" name="Rectangle 12">
-              <a:extLst>
-                <a:ext uri="{FF2B5EF4-FFF2-40B4-BE49-F238E27FC236}">
-                  <a16:creationId xmlns:a16="http://schemas.microsoft.com/office/drawing/2014/main" id="{BCE79FB8-D867-4141-B8A7-19743C737DF1}"/>
-                </a:ext>
-              </a:extLst>
-            </p:cNvPr>
-            <p:cNvSpPr/>
-            <p:nvPr/>
-          </p:nvSpPr>
-          <p:spPr>
-            <a:xfrm>
-              <a:off x="4579110" y="3947858"/>
-              <a:ext cx="2038368" cy="1197262"/>
-            </a:xfrm>
-            <a:prstGeom prst="rect">
-              <a:avLst/>
-            </a:prstGeom>
-          </p:spPr>
-          <p:style>
-            <a:lnRef idx="2">
-              <a:schemeClr val="accent1">
-                <a:shade val="50000"/>
-              </a:schemeClr>
-            </a:lnRef>
-            <a:fillRef idx="1">
-              <a:schemeClr val="accent1"/>
-            </a:fillRef>
-            <a:effectRef idx="0">
-              <a:schemeClr val="accent1"/>
-            </a:effectRef>
-            <a:fontRef idx="minor">
-              <a:schemeClr val="lt1"/>
-            </a:fontRef>
-          </p:style>
-          <p:txBody>
-            <a:bodyPr rtlCol="0" anchor="ctr"/>
-            <a:lstStyle/>
-            <a:p>
-              <a:pPr algn="ctr"/>
-              <a:r>
-                <a:rPr lang="en-US" dirty="0">
-                  <a:solidFill>
-                    <a:schemeClr val="bg1"/>
-                  </a:solidFill>
-                </a:rPr>
-                <a:t>Also called the learning rate or step size</a:t>
-              </a:r>
-            </a:p>
-          </p:txBody>
-        </p:sp>
-      </p:grpSp>
-      <p:pic>
-        <p:nvPicPr>
-          <p:cNvPr id="5" name="Picture 4">
-            <a:extLst>
-              <a:ext uri="{FF2B5EF4-FFF2-40B4-BE49-F238E27FC236}">
-                <a16:creationId xmlns:a16="http://schemas.microsoft.com/office/drawing/2014/main" id="{6CC46ED1-2764-400B-9E7D-8E9F8132238D}"/>
-              </a:ext>
-            </a:extLst>
-          </p:cNvPr>
-          <p:cNvPicPr>
-            <a:picLocks noChangeAspect="1"/>
-          </p:cNvPicPr>
-          <p:nvPr/>
-        </p:nvPicPr>
-        <p:blipFill>
-          <a:blip r:embed="rId5">
-            <a:extLst>
-              <a:ext uri="{837473B0-CC2E-450A-ABE3-18F120FF3D39}">
-                <a1611:picAttrSrcUrl xmlns:a1611="http://schemas.microsoft.com/office/drawing/2016/11/main" r:id="rId6"/>
-              </a:ext>
-            </a:extLst>
-          </a:blip>
-          <a:stretch>
-            <a:fillRect/>
-          </a:stretch>
-        </p:blipFill>
-        <p:spPr>
-          <a:xfrm>
-            <a:off x="9403641" y="2000301"/>
-            <a:ext cx="2240583" cy="3133683"/>
-          </a:xfrm>
-          <a:prstGeom prst="rect">
-            <a:avLst/>
-          </a:prstGeom>
-        </p:spPr>
-      </p:pic>
-      <p:sp>
-        <p:nvSpPr>
-          <p:cNvPr id="18" name="Rectangle 17">
-            <a:extLst>
-              <a:ext uri="{FF2B5EF4-FFF2-40B4-BE49-F238E27FC236}">
-                <a16:creationId xmlns:a16="http://schemas.microsoft.com/office/drawing/2014/main" id="{B12C4A1D-29FB-4562-A906-0B71592EEF6F}"/>
-              </a:ext>
-            </a:extLst>
-          </p:cNvPr>
-          <p:cNvSpPr/>
-          <p:nvPr/>
-        </p:nvSpPr>
-        <p:spPr>
-          <a:xfrm>
-            <a:off x="8402522" y="4844929"/>
-            <a:ext cx="2441679" cy="1251090"/>
-          </a:xfrm>
-          <a:prstGeom prst="rect">
-            <a:avLst/>
-          </a:prstGeom>
-        </p:spPr>
-        <p:style>
-          <a:lnRef idx="2">
-            <a:schemeClr val="accent1">
-              <a:shade val="50000"/>
-            </a:schemeClr>
-          </a:lnRef>
-          <a:fillRef idx="1">
-            <a:schemeClr val="accent1"/>
-          </a:fillRef>
-          <a:effectRef idx="0">
-            <a:schemeClr val="accent1"/>
-          </a:effectRef>
-          <a:fontRef idx="minor">
-            <a:schemeClr val="lt1"/>
-          </a:fontRef>
-        </p:style>
-        <p:txBody>
-          <a:bodyPr rtlCol="0" anchor="ctr"/>
-          <a:lstStyle/>
-          <a:p>
-            <a:pPr algn="ctr"/>
-            <a:r>
-              <a:rPr lang="en-US" dirty="0">
-                <a:solidFill>
-                  <a:schemeClr val="bg1"/>
-                </a:solidFill>
-              </a:rPr>
-              <a:t>Small steps, learning rate must be small</a:t>
-            </a:r>
-          </a:p>
-        </p:txBody>
-      </p:sp>
-    </p:spTree>
-    <p:extLst>
-      <p:ext uri="{BB962C8B-B14F-4D97-AF65-F5344CB8AC3E}">
-        <p14:creationId xmlns:p14="http://schemas.microsoft.com/office/powerpoint/2010/main" val="2917960337"/>
-      </p:ext>
-    </p:extLst>
-  </p:cSld>
-  <p:clrMapOvr>
-    <a:masterClrMapping/>
-  </p:clrMapOvr>
-</p:sld>
-</file>
-
-<file path=ppt/slides/slide9.xml><?xml version="1.0" encoding="utf-8"?>
-<p:sld xmlns:a="http://schemas.openxmlformats.org/drawingml/2006/main" xmlns:r="http://schemas.openxmlformats.org/officeDocument/2006/relationships" xmlns:p="http://schemas.openxmlformats.org/presentationml/2006/main">
-  <p:cSld>
-    <p:spTree>
-      <p:nvGrpSpPr>
-        <p:cNvPr id="1" name=""/>
-        <p:cNvGrpSpPr/>
-        <p:nvPr/>
-      </p:nvGrpSpPr>
-      <p:grpSpPr>
-        <a:xfrm>
-          <a:off x="0" y="0"/>
-          <a:ext cx="0" cy="0"/>
-          <a:chOff x="0" y="0"/>
-          <a:chExt cx="0" cy="0"/>
-        </a:xfrm>
-      </p:grpSpPr>
-      <p:sp>
-        <p:nvSpPr>
-          <p:cNvPr id="2" name="Title 1">
-            <a:extLst>
-              <a:ext uri="{FF2B5EF4-FFF2-40B4-BE49-F238E27FC236}">
-                <a16:creationId xmlns:a16="http://schemas.microsoft.com/office/drawing/2014/main" id="{7401FFD5-704F-4BD8-ABE9-3389E9942F84}"/>
-              </a:ext>
-            </a:extLst>
-          </p:cNvPr>
-          <p:cNvSpPr>
-            <a:spLocks noGrp="1"/>
-          </p:cNvSpPr>
-          <p:nvPr>
-            <p:ph type="title"/>
-          </p:nvPr>
-        </p:nvSpPr>
-        <p:spPr>
-          <a:xfrm>
-            <a:off x="1042049" y="-243314"/>
-            <a:ext cx="9905998" cy="1478570"/>
-          </a:xfrm>
-        </p:spPr>
-        <p:txBody>
-          <a:bodyPr/>
-          <a:lstStyle/>
-          <a:p>
-            <a:r>
-              <a:rPr lang="en-US" dirty="0"/>
-              <a:t>Supervised Machine learning (simplified)</a:t>
-            </a:r>
-          </a:p>
-        </p:txBody>
-      </p:sp>
-      <p:grpSp>
-        <p:nvGrpSpPr>
-          <p:cNvPr id="37" name="Group 36">
-            <a:extLst>
-              <a:ext uri="{FF2B5EF4-FFF2-40B4-BE49-F238E27FC236}">
-                <a16:creationId xmlns:a16="http://schemas.microsoft.com/office/drawing/2014/main" id="{8E5D0662-DB93-44AB-A2F7-8A79732412BA}"/>
-              </a:ext>
-            </a:extLst>
-          </p:cNvPr>
-          <p:cNvGrpSpPr/>
-          <p:nvPr/>
-        </p:nvGrpSpPr>
-        <p:grpSpPr>
-          <a:xfrm>
-            <a:off x="7303803" y="1150860"/>
-            <a:ext cx="3305184" cy="3305184"/>
-            <a:chOff x="8886816" y="2743047"/>
-            <a:chExt cx="3305184" cy="3305184"/>
-          </a:xfrm>
-        </p:grpSpPr>
-        <p:pic>
-          <p:nvPicPr>
-            <p:cNvPr id="31" name="Picture 30">
-              <a:extLst>
-                <a:ext uri="{FF2B5EF4-FFF2-40B4-BE49-F238E27FC236}">
-                  <a16:creationId xmlns:a16="http://schemas.microsoft.com/office/drawing/2014/main" id="{2C964BBE-11B4-41C3-9FEF-7C6239DD063D}"/>
-                </a:ext>
-              </a:extLst>
-            </p:cNvPr>
-            <p:cNvPicPr>
-              <a:picLocks noChangeAspect="1"/>
-            </p:cNvPicPr>
-            <p:nvPr/>
-          </p:nvPicPr>
-          <p:blipFill>
-            <a:blip r:embed="rId2">
-              <a:extLst>
-                <a:ext uri="{BEBA8EAE-BF5A-486C-A8C5-ECC9F3942E4B}">
-                  <a14:imgProps xmlns:a14="http://schemas.microsoft.com/office/drawing/2010/main">
-                    <a14:imgLayer r:embed="rId3">
-                      <a14:imgEffect>
-                        <a14:colorTemperature colorTemp="2216"/>
-                      </a14:imgEffect>
-                      <a14:imgEffect>
-                        <a14:saturation sat="43000"/>
-                      </a14:imgEffect>
-                    </a14:imgLayer>
-                  </a14:imgProps>
-                </a:ext>
-                <a:ext uri="{837473B0-CC2E-450A-ABE3-18F120FF3D39}">
-                  <a1611:picAttrSrcUrl xmlns:a1611="http://schemas.microsoft.com/office/drawing/2016/11/main" r:id="rId4"/>
-                </a:ext>
-              </a:extLst>
-            </a:blip>
-            <a:stretch>
-              <a:fillRect/>
-            </a:stretch>
-          </p:blipFill>
-          <p:spPr>
-            <a:xfrm>
-              <a:off x="8886816" y="2743047"/>
-              <a:ext cx="3305184" cy="3305184"/>
-            </a:xfrm>
-            <a:prstGeom prst="rect">
-              <a:avLst/>
-            </a:prstGeom>
-            <a:effectLst>
-              <a:glow rad="127000">
-                <a:schemeClr val="accent1">
-                  <a:alpha val="14000"/>
-                </a:schemeClr>
-              </a:glow>
-            </a:effectLst>
-          </p:spPr>
-        </p:pic>
-        <p:sp>
-          <p:nvSpPr>
-            <p:cNvPr id="35" name="Flowchart: Connector 34">
-              <a:extLst>
-                <a:ext uri="{FF2B5EF4-FFF2-40B4-BE49-F238E27FC236}">
-                  <a16:creationId xmlns:a16="http://schemas.microsoft.com/office/drawing/2014/main" id="{55838AC1-DD56-4813-879D-D7B284A40D0B}"/>
-                </a:ext>
-              </a:extLst>
-            </p:cNvPr>
-            <p:cNvSpPr/>
-            <p:nvPr/>
-          </p:nvSpPr>
-          <p:spPr>
-            <a:xfrm>
-              <a:off x="10079182" y="5133831"/>
-              <a:ext cx="228600" cy="227878"/>
-            </a:xfrm>
-            <a:prstGeom prst="flowChartConnector">
-              <a:avLst/>
-            </a:prstGeom>
-            <a:solidFill>
-              <a:srgbClr val="FFFF00"/>
-            </a:solidFill>
-          </p:spPr>
-          <p:style>
-            <a:lnRef idx="2">
-              <a:schemeClr val="accent1">
-                <a:shade val="50000"/>
-              </a:schemeClr>
-            </a:lnRef>
-            <a:fillRef idx="1">
-              <a:schemeClr val="accent1"/>
-            </a:fillRef>
-            <a:effectRef idx="0">
-              <a:schemeClr val="accent1"/>
-            </a:effectRef>
-            <a:fontRef idx="minor">
-              <a:schemeClr val="lt1"/>
-            </a:fontRef>
-          </p:style>
-          <p:txBody>
-            <a:bodyPr rtlCol="0" anchor="ctr"/>
-            <a:lstStyle/>
-            <a:p>
-              <a:pPr algn="ctr"/>
-              <a:endParaRPr lang="en-US"/>
-            </a:p>
-          </p:txBody>
-        </p:sp>
-      </p:grpSp>
-      <p:grpSp>
-        <p:nvGrpSpPr>
-          <p:cNvPr id="3" name="Group 2">
-            <a:extLst>
-              <a:ext uri="{FF2B5EF4-FFF2-40B4-BE49-F238E27FC236}">
-                <a16:creationId xmlns:a16="http://schemas.microsoft.com/office/drawing/2014/main" id="{D2206E3B-B0B0-4980-9FF6-449DA725C181}"/>
-              </a:ext>
-            </a:extLst>
-          </p:cNvPr>
-          <p:cNvGrpSpPr/>
-          <p:nvPr/>
-        </p:nvGrpSpPr>
-        <p:grpSpPr>
-          <a:xfrm>
-            <a:off x="2028870" y="1552362"/>
-            <a:ext cx="2489734" cy="3581622"/>
-            <a:chOff x="4538993" y="1717598"/>
-            <a:chExt cx="2078485" cy="3427522"/>
-          </a:xfrm>
-        </p:grpSpPr>
-        <p:sp>
-          <p:nvSpPr>
-            <p:cNvPr id="21" name="Rectangle 20">
-              <a:extLst>
-                <a:ext uri="{FF2B5EF4-FFF2-40B4-BE49-F238E27FC236}">
-                  <a16:creationId xmlns:a16="http://schemas.microsoft.com/office/drawing/2014/main" id="{20428E07-B38C-41D8-A385-5EB15214B03A}"/>
-                </a:ext>
-              </a:extLst>
-            </p:cNvPr>
-            <p:cNvSpPr/>
-            <p:nvPr/>
-          </p:nvSpPr>
-          <p:spPr>
-            <a:xfrm>
-              <a:off x="4538993" y="1717598"/>
-              <a:ext cx="2038368" cy="1197262"/>
-            </a:xfrm>
-            <a:prstGeom prst="rect">
-              <a:avLst/>
-            </a:prstGeom>
-          </p:spPr>
-          <p:style>
-            <a:lnRef idx="2">
-              <a:schemeClr val="accent1">
-                <a:shade val="50000"/>
-              </a:schemeClr>
-            </a:lnRef>
-            <a:fillRef idx="1">
-              <a:schemeClr val="accent1"/>
-            </a:fillRef>
-            <a:effectRef idx="0">
-              <a:schemeClr val="accent1"/>
-            </a:effectRef>
-            <a:fontRef idx="minor">
-              <a:schemeClr val="lt1"/>
-            </a:fontRef>
-          </p:style>
-          <p:txBody>
-            <a:bodyPr rtlCol="0" anchor="ctr"/>
-            <a:lstStyle/>
-            <a:p>
-              <a:pPr algn="ctr"/>
-              <a:r>
-                <a:rPr lang="en-US" dirty="0">
-                  <a:solidFill>
-                    <a:schemeClr val="bg1"/>
-                  </a:solidFill>
-                </a:rPr>
-                <a:t>Update guess</a:t>
-              </a:r>
-            </a:p>
-          </p:txBody>
-        </p:sp>
-        <p:sp>
-          <p:nvSpPr>
-            <p:cNvPr id="13" name="Rectangle 12">
-              <a:extLst>
-                <a:ext uri="{FF2B5EF4-FFF2-40B4-BE49-F238E27FC236}">
-                  <a16:creationId xmlns:a16="http://schemas.microsoft.com/office/drawing/2014/main" id="{BCE79FB8-D867-4141-B8A7-19743C737DF1}"/>
-                </a:ext>
-              </a:extLst>
-            </p:cNvPr>
-            <p:cNvSpPr/>
-            <p:nvPr/>
-          </p:nvSpPr>
-          <p:spPr>
-            <a:xfrm>
-              <a:off x="4579110" y="3947858"/>
-              <a:ext cx="2038368" cy="1197262"/>
-            </a:xfrm>
-            <a:prstGeom prst="rect">
-              <a:avLst/>
-            </a:prstGeom>
-          </p:spPr>
-          <p:style>
-            <a:lnRef idx="2">
-              <a:schemeClr val="accent1">
-                <a:shade val="50000"/>
-              </a:schemeClr>
-            </a:lnRef>
-            <a:fillRef idx="1">
-              <a:schemeClr val="accent1"/>
-            </a:fillRef>
-            <a:effectRef idx="0">
-              <a:schemeClr val="accent1"/>
-            </a:effectRef>
-            <a:fontRef idx="minor">
-              <a:schemeClr val="lt1"/>
-            </a:fontRef>
-          </p:style>
-          <p:txBody>
-            <a:bodyPr rtlCol="0" anchor="ctr"/>
-            <a:lstStyle/>
-            <a:p>
-              <a:pPr algn="ctr"/>
-              <a:r>
-                <a:rPr lang="en-US" dirty="0">
-                  <a:solidFill>
-                    <a:schemeClr val="bg1"/>
-                  </a:solidFill>
-                </a:rPr>
-                <a:t>Also called the learning rate or step size</a:t>
-              </a:r>
-            </a:p>
-          </p:txBody>
-        </p:sp>
-      </p:grpSp>
-      <p:pic>
-        <p:nvPicPr>
-          <p:cNvPr id="5" name="Picture 4">
-            <a:extLst>
-              <a:ext uri="{FF2B5EF4-FFF2-40B4-BE49-F238E27FC236}">
-                <a16:creationId xmlns:a16="http://schemas.microsoft.com/office/drawing/2014/main" id="{6CC46ED1-2764-400B-9E7D-8E9F8132238D}"/>
-              </a:ext>
-            </a:extLst>
-          </p:cNvPr>
-          <p:cNvPicPr>
-            <a:picLocks noChangeAspect="1"/>
-          </p:cNvPicPr>
-          <p:nvPr/>
-        </p:nvPicPr>
-        <p:blipFill>
-          <a:blip r:embed="rId5">
-            <a:extLst>
-              <a:ext uri="{837473B0-CC2E-450A-ABE3-18F120FF3D39}">
-                <a1611:picAttrSrcUrl xmlns:a1611="http://schemas.microsoft.com/office/drawing/2016/11/main" r:id="rId6"/>
-              </a:ext>
-            </a:extLst>
-          </a:blip>
-          <a:stretch>
-            <a:fillRect/>
-          </a:stretch>
-        </p:blipFill>
-        <p:spPr>
-          <a:xfrm>
-            <a:off x="9911257" y="3514750"/>
-            <a:ext cx="2240583" cy="3133683"/>
-          </a:xfrm>
-          <a:prstGeom prst="rect">
-            <a:avLst/>
-          </a:prstGeom>
-        </p:spPr>
-      </p:pic>
-      <p:sp>
-        <p:nvSpPr>
-          <p:cNvPr id="6" name="Rectangle: Rounded Corners 5">
-            <a:extLst>
-              <a:ext uri="{FF2B5EF4-FFF2-40B4-BE49-F238E27FC236}">
-                <a16:creationId xmlns:a16="http://schemas.microsoft.com/office/drawing/2014/main" id="{1648894C-A548-4933-AE48-79774B9D3BC4}"/>
-              </a:ext>
-            </a:extLst>
-          </p:cNvPr>
-          <p:cNvSpPr/>
-          <p:nvPr/>
-        </p:nvSpPr>
-        <p:spPr>
-          <a:xfrm>
-            <a:off x="361795" y="1368396"/>
-            <a:ext cx="6602948" cy="4292708"/>
-          </a:xfrm>
-          <a:prstGeom prst="roundRect">
-            <a:avLst/>
-          </a:prstGeom>
-          <a:solidFill>
-            <a:srgbClr val="FFFF00"/>
-          </a:solidFill>
-        </p:spPr>
-        <p:style>
-          <a:lnRef idx="2">
-            <a:schemeClr val="accent1">
-              <a:shade val="50000"/>
-            </a:schemeClr>
-          </a:lnRef>
-          <a:fillRef idx="1">
-            <a:schemeClr val="accent1"/>
-          </a:fillRef>
-          <a:effectRef idx="0">
-            <a:schemeClr val="accent1"/>
-          </a:effectRef>
-          <a:fontRef idx="minor">
-            <a:schemeClr val="lt1"/>
-          </a:fontRef>
-        </p:style>
-        <p:txBody>
-          <a:bodyPr rtlCol="0" anchor="ctr"/>
-          <a:lstStyle/>
-          <a:p>
-            <a:pPr algn="ctr"/>
-            <a:r>
-              <a:rPr lang="en-US" sz="6000" dirty="0">
-                <a:solidFill>
-                  <a:schemeClr val="bg1"/>
-                </a:solidFill>
-              </a:rPr>
-              <a:t>REPEAT lots of times</a:t>
-            </a:r>
-          </a:p>
-          <a:p>
-            <a:pPr algn="ctr"/>
-            <a:r>
-              <a:rPr lang="en-US" sz="6000" dirty="0">
-                <a:solidFill>
-                  <a:schemeClr val="bg1"/>
-                </a:solidFill>
-              </a:rPr>
-              <a:t>Until cost is as small as possible</a:t>
-            </a:r>
-          </a:p>
-          <a:p>
-            <a:pPr algn="ctr"/>
-            <a:endParaRPr lang="en-US" sz="6000" dirty="0">
-              <a:solidFill>
-                <a:schemeClr val="bg1"/>
-              </a:solidFill>
-            </a:endParaRPr>
-          </a:p>
-        </p:txBody>
-      </p:sp>
-      <p:sp>
-        <p:nvSpPr>
-          <p:cNvPr id="14" name="Flowchart: Connector 13">
-            <a:extLst>
-              <a:ext uri="{FF2B5EF4-FFF2-40B4-BE49-F238E27FC236}">
-                <a16:creationId xmlns:a16="http://schemas.microsoft.com/office/drawing/2014/main" id="{201AD7BF-0A78-4DF0-9183-3A8ECE247090}"/>
-              </a:ext>
-            </a:extLst>
-          </p:cNvPr>
-          <p:cNvSpPr/>
-          <p:nvPr/>
-        </p:nvSpPr>
-        <p:spPr>
-          <a:xfrm>
-            <a:off x="8842095" y="2689513"/>
-            <a:ext cx="228600" cy="227878"/>
-          </a:xfrm>
-          <a:prstGeom prst="flowChartConnector">
-            <a:avLst/>
-          </a:prstGeom>
-          <a:solidFill>
-            <a:srgbClr val="FFFF00"/>
-          </a:solidFill>
-        </p:spPr>
-        <p:style>
-          <a:lnRef idx="2">
-            <a:schemeClr val="accent1">
-              <a:shade val="50000"/>
-            </a:schemeClr>
-          </a:lnRef>
-          <a:fillRef idx="1">
-            <a:schemeClr val="accent1"/>
-          </a:fillRef>
-          <a:effectRef idx="0">
-            <a:schemeClr val="accent1"/>
-          </a:effectRef>
-          <a:fontRef idx="minor">
-            <a:schemeClr val="lt1"/>
-          </a:fontRef>
-        </p:style>
-        <p:txBody>
-          <a:bodyPr rtlCol="0" anchor="ctr"/>
-          <a:lstStyle/>
-          <a:p>
-            <a:pPr algn="ctr"/>
-            <a:endParaRPr lang="en-US"/>
-          </a:p>
-        </p:txBody>
-      </p:sp>
-      <p:sp>
-        <p:nvSpPr>
-          <p:cNvPr id="15" name="Flowchart: Connector 14">
-            <a:extLst>
-              <a:ext uri="{FF2B5EF4-FFF2-40B4-BE49-F238E27FC236}">
-                <a16:creationId xmlns:a16="http://schemas.microsoft.com/office/drawing/2014/main" id="{EABAFF12-B5C3-418C-9F2F-1212C2917A5F}"/>
-              </a:ext>
-            </a:extLst>
-          </p:cNvPr>
-          <p:cNvSpPr/>
-          <p:nvPr/>
-        </p:nvSpPr>
-        <p:spPr>
-          <a:xfrm>
-            <a:off x="8613495" y="3146713"/>
-            <a:ext cx="228600" cy="227878"/>
-          </a:xfrm>
-          <a:prstGeom prst="flowChartConnector">
-            <a:avLst/>
-          </a:prstGeom>
-          <a:solidFill>
-            <a:srgbClr val="FFFF00"/>
-          </a:solidFill>
-        </p:spPr>
-        <p:style>
-          <a:lnRef idx="2">
-            <a:schemeClr val="accent1">
-              <a:shade val="50000"/>
-            </a:schemeClr>
-          </a:lnRef>
-          <a:fillRef idx="1">
-            <a:schemeClr val="accent1"/>
-          </a:fillRef>
-          <a:effectRef idx="0">
-            <a:schemeClr val="accent1"/>
-          </a:effectRef>
-          <a:fontRef idx="minor">
-            <a:schemeClr val="lt1"/>
-          </a:fontRef>
-        </p:style>
-        <p:txBody>
-          <a:bodyPr rtlCol="0" anchor="ctr"/>
-          <a:lstStyle/>
-          <a:p>
-            <a:pPr algn="ctr"/>
-            <a:endParaRPr lang="en-US"/>
-          </a:p>
-        </p:txBody>
-      </p:sp>
-      <p:sp>
-        <p:nvSpPr>
-          <p:cNvPr id="16" name="Flowchart: Connector 15">
-            <a:extLst>
-              <a:ext uri="{FF2B5EF4-FFF2-40B4-BE49-F238E27FC236}">
-                <a16:creationId xmlns:a16="http://schemas.microsoft.com/office/drawing/2014/main" id="{56E74C60-DCBB-4A5A-A8D7-D29154D258CC}"/>
-              </a:ext>
-            </a:extLst>
-          </p:cNvPr>
-          <p:cNvSpPr/>
-          <p:nvPr/>
-        </p:nvSpPr>
-        <p:spPr>
-          <a:xfrm>
-            <a:off x="8897325" y="2915696"/>
-            <a:ext cx="228600" cy="227878"/>
-          </a:xfrm>
-          <a:prstGeom prst="flowChartConnector">
-            <a:avLst/>
-          </a:prstGeom>
-          <a:solidFill>
-            <a:srgbClr val="FFFF00"/>
-          </a:solidFill>
-        </p:spPr>
-        <p:style>
-          <a:lnRef idx="2">
-            <a:schemeClr val="accent1">
-              <a:shade val="50000"/>
-            </a:schemeClr>
-          </a:lnRef>
-          <a:fillRef idx="1">
-            <a:schemeClr val="accent1"/>
-          </a:fillRef>
-          <a:effectRef idx="0">
-            <a:schemeClr val="accent1"/>
-          </a:effectRef>
-          <a:fontRef idx="minor">
-            <a:schemeClr val="lt1"/>
-          </a:fontRef>
-        </p:style>
-        <p:txBody>
-          <a:bodyPr rtlCol="0" anchor="ctr"/>
-          <a:lstStyle/>
-          <a:p>
-            <a:pPr algn="ctr"/>
-            <a:endParaRPr lang="en-US"/>
-          </a:p>
-        </p:txBody>
-      </p:sp>
-    </p:spTree>
-    <p:extLst>
-      <p:ext uri="{BB962C8B-B14F-4D97-AF65-F5344CB8AC3E}">
-        <p14:creationId xmlns:p14="http://schemas.microsoft.com/office/powerpoint/2010/main" val="3432012965"/>
-      </p:ext>
-    </p:extLst>
-  </p:cSld>
-  <p:clrMapOvr>
-    <a:masterClrMapping/>
-  </p:clrMapOvr>
-  <p:timing>
-    <p:tnLst>
-      <p:par>
-        <p:cTn id="1" dur="indefinite" restart="never" nodeType="tmRoot">
-          <p:childTnLst>
-            <p:seq concurrent="1" nextAc="seek">
-              <p:cTn id="2" dur="indefinite" nodeType="mainSeq">
-                <p:childTnLst>
-                  <p:par>
-                    <p:cTn id="3" fill="hold">
-                      <p:stCondLst>
-                        <p:cond delay="indefinite"/>
-                      </p:stCondLst>
-                      <p:childTnLst>
-                        <p:par>
-                          <p:cTn id="4" fill="hold">
-                            <p:stCondLst>
-                              <p:cond delay="0"/>
-                            </p:stCondLst>
-                            <p:childTnLst>
-                              <p:par>
-                                <p:cTn id="5" presetID="1" presetClass="entr" presetSubtype="0" fill="hold" nodeType="clickEffect">
-                                  <p:stCondLst>
-                                    <p:cond delay="0"/>
-                                  </p:stCondLst>
-                                  <p:childTnLst>
-                                    <p:set>
-                                      <p:cBhvr>
-                                        <p:cTn id="6" dur="1" fill="hold">
-                                          <p:stCondLst>
-                                            <p:cond delay="0"/>
-                                          </p:stCondLst>
-                                        </p:cTn>
-                                        <p:tgtEl>
-                                          <p:spTgt spid="37"/>
-                                        </p:tgtEl>
-                                        <p:attrNameLst>
-                                          <p:attrName>style.visibility</p:attrName>
-                                        </p:attrNameLst>
-                                      </p:cBhvr>
-                                      <p:to>
-                                        <p:strVal val="visible"/>
-                                      </p:to>
-                                    </p:set>
-                                  </p:childTnLst>
-                                </p:cTn>
-                              </p:par>
-                            </p:childTnLst>
-                          </p:cTn>
-                        </p:par>
-                      </p:childTnLst>
-                    </p:cTn>
-                  </p:par>
-                  <p:par>
-                    <p:cTn id="7" fill="hold">
-                      <p:stCondLst>
-                        <p:cond delay="indefinite"/>
-                      </p:stCondLst>
-                      <p:childTnLst>
-                        <p:par>
-                          <p:cTn id="8" fill="hold">
-                            <p:stCondLst>
-                              <p:cond delay="0"/>
-                            </p:stCondLst>
-                            <p:childTnLst>
-                              <p:par>
-                                <p:cTn id="9" presetID="1" presetClass="entr" presetSubtype="0" fill="hold" grpId="0" nodeType="clickEffect">
-                                  <p:stCondLst>
-                                    <p:cond delay="0"/>
-                                  </p:stCondLst>
-                                  <p:childTnLst>
-                                    <p:set>
-                                      <p:cBhvr>
-                                        <p:cTn id="10" dur="1" fill="hold">
-                                          <p:stCondLst>
-                                            <p:cond delay="0"/>
-                                          </p:stCondLst>
-                                        </p:cTn>
-                                        <p:tgtEl>
-                                          <p:spTgt spid="15"/>
-                                        </p:tgtEl>
-                                        <p:attrNameLst>
-                                          <p:attrName>style.visibility</p:attrName>
-                                        </p:attrNameLst>
-                                      </p:cBhvr>
-                                      <p:to>
-                                        <p:strVal val="visible"/>
-                                      </p:to>
-                                    </p:set>
-                                  </p:childTnLst>
-                                </p:cTn>
-                              </p:par>
-                            </p:childTnLst>
-                          </p:cTn>
-                        </p:par>
-                      </p:childTnLst>
-                    </p:cTn>
-                  </p:par>
-                  <p:par>
-                    <p:cTn id="11" fill="hold">
-                      <p:stCondLst>
-                        <p:cond delay="indefinite"/>
-                      </p:stCondLst>
-                      <p:childTnLst>
-                        <p:par>
-                          <p:cTn id="12" fill="hold">
-                            <p:stCondLst>
-                              <p:cond delay="0"/>
-                            </p:stCondLst>
-                            <p:childTnLst>
-                              <p:par>
-                                <p:cTn id="13" presetID="1" presetClass="entr" presetSubtype="0" fill="hold" grpId="0" nodeType="clickEffect">
-                                  <p:stCondLst>
-                                    <p:cond delay="0"/>
-                                  </p:stCondLst>
-                                  <p:childTnLst>
-                                    <p:set>
-                                      <p:cBhvr>
-                                        <p:cTn id="14" dur="1" fill="hold">
-                                          <p:stCondLst>
-                                            <p:cond delay="0"/>
-                                          </p:stCondLst>
-                                        </p:cTn>
-                                        <p:tgtEl>
-                                          <p:spTgt spid="16"/>
-                                        </p:tgtEl>
-                                        <p:attrNameLst>
-                                          <p:attrName>style.visibility</p:attrName>
-                                        </p:attrNameLst>
-                                      </p:cBhvr>
-                                      <p:to>
-                                        <p:strVal val="visible"/>
-                                      </p:to>
-                                    </p:set>
-                                  </p:childTnLst>
-                                </p:cTn>
-                              </p:par>
-                            </p:childTnLst>
-                          </p:cTn>
-                        </p:par>
-                      </p:childTnLst>
-                    </p:cTn>
-                  </p:par>
-                  <p:par>
-                    <p:cTn id="15" fill="hold">
-                      <p:stCondLst>
-                        <p:cond delay="indefinite"/>
-                      </p:stCondLst>
-                      <p:childTnLst>
-                        <p:par>
-                          <p:cTn id="16" fill="hold">
-                            <p:stCondLst>
-                              <p:cond delay="0"/>
-                            </p:stCondLst>
-                            <p:childTnLst>
-                              <p:par>
-                                <p:cTn id="17" presetID="1" presetClass="entr" presetSubtype="0" fill="hold" grpId="0" nodeType="clickEffect">
-                                  <p:stCondLst>
-                                    <p:cond delay="0"/>
-                                  </p:stCondLst>
-                                  <p:childTnLst>
-                                    <p:set>
-                                      <p:cBhvr>
-                                        <p:cTn id="18" dur="1" fill="hold">
-                                          <p:stCondLst>
-                                            <p:cond delay="0"/>
-                                          </p:stCondLst>
-                                        </p:cTn>
-                                        <p:tgtEl>
-                                          <p:spTgt spid="14"/>
-                                        </p:tgtEl>
-                                        <p:attrNameLst>
-                                          <p:attrName>style.visibility</p:attrName>
-                                        </p:attrNameLst>
-                                      </p:cBhvr>
-                                      <p:to>
-                                        <p:strVal val="visible"/>
-                                      </p:to>
-                                    </p:set>
-                                  </p:childTnLst>
-                                </p:cTn>
-                              </p:par>
-                            </p:childTnLst>
-                          </p:cTn>
-                        </p:par>
-                      </p:childTnLst>
-                    </p:cTn>
-                  </p:par>
-                </p:childTnLst>
-              </p:cTn>
-              <p:prevCondLst>
-                <p:cond evt="onPrev" delay="0">
-                  <p:tgtEl>
-                    <p:sldTgt/>
-                  </p:tgtEl>
-                </p:cond>
-              </p:prevCondLst>
-              <p:nextCondLst>
-                <p:cond evt="onNext" delay="0">
-                  <p:tgtEl>
-                    <p:sldTgt/>
-                  </p:tgtEl>
-                </p:cond>
-              </p:nextCondLst>
-            </p:seq>
-          </p:childTnLst>
-        </p:cTn>
-      </p:par>
-    </p:tnLst>
-    <p:bldLst>
-      <p:bldP spid="14" grpId="0" animBg="1"/>
-      <p:bldP spid="15" grpId="0" animBg="1"/>
-      <p:bldP spid="16" grpId="0" animBg="1"/>
-    </p:bldLst>
-  </p:timing>
 </p:sld>
 </file>
 
@@ -29407,15 +31447,6 @@
 </file>
 
 <file path=customXml/item2.xml><?xml version="1.0" encoding="utf-8"?>
-<?mso-contentType ?>
-<FormTemplates xmlns="http://schemas.microsoft.com/sharepoint/v3/contenttype/forms">
-  <Display>DocumentLibraryForm</Display>
-  <Edit>DocumentLibraryForm</Edit>
-  <New>DocumentLibraryForm</New>
-</FormTemplates>
-</file>
-
-<file path=customXml/item3.xml><?xml version="1.0" encoding="utf-8"?>
 <ct:contentTypeSchema xmlns:ct="http://schemas.microsoft.com/office/2006/metadata/contentType" xmlns:ma="http://schemas.microsoft.com/office/2006/metadata/properties/metaAttributes" ct:_="" ma:_="" ma:contentTypeName="Document" ma:contentTypeID="0x01010079F111ED35F8CC479449609E8A0923A6" ma:contentTypeVersion="12" ma:contentTypeDescription="Create a new document." ma:contentTypeScope="" ma:versionID="93813dd7ca6ad654711aa0ab317e03a3">
   <xsd:schema xmlns:xsd="http://www.w3.org/2001/XMLSchema" xmlns:xs="http://www.w3.org/2001/XMLSchema" xmlns:p="http://schemas.microsoft.com/office/2006/metadata/properties" xmlns:ns2="71af3243-3dd4-4a8d-8c0d-dd76da1f02a5" xmlns:ns3="16c05727-aa75-4e4a-9b5f-8a80a1165891" targetNamespace="http://schemas.microsoft.com/office/2006/metadata/properties" ma:root="true" ma:fieldsID="f11dc0ce689dd3925e84e4e35398c6e7" ns2:_="" ns3:_="">
     <xsd:import namespace="71af3243-3dd4-4a8d-8c0d-dd76da1f02a5"/>
@@ -29636,6 +31667,15 @@
 </ct:contentTypeSchema>
 </file>
 
+<file path=customXml/item3.xml><?xml version="1.0" encoding="utf-8"?>
+<?mso-contentType ?>
+<FormTemplates xmlns="http://schemas.microsoft.com/sharepoint/v3/contenttype/forms">
+  <Display>DocumentLibraryForm</Display>
+  <Edit>DocumentLibraryForm</Edit>
+  <New>DocumentLibraryForm</New>
+</FormTemplates>
+</file>
+
 <file path=customXml/itemProps1.xml><?xml version="1.0" encoding="utf-8"?>
 <ds:datastoreItem xmlns:ds="http://schemas.openxmlformats.org/officeDocument/2006/customXml" ds:itemID="{B518BD99-41E9-467C-9777-74587F831718}">
   <ds:schemaRefs>
@@ -29647,14 +31687,6 @@
 </file>
 
 <file path=customXml/itemProps2.xml><?xml version="1.0" encoding="utf-8"?>
-<ds:datastoreItem xmlns:ds="http://schemas.openxmlformats.org/officeDocument/2006/customXml" ds:itemID="{C03EF818-EDF6-480C-9B86-0A3B979BCCF0}">
-  <ds:schemaRefs>
-    <ds:schemaRef ds:uri="http://schemas.microsoft.com/sharepoint/v3/contenttype/forms"/>
-  </ds:schemaRefs>
-</ds:datastoreItem>
-</file>
-
-<file path=customXml/itemProps3.xml><?xml version="1.0" encoding="utf-8"?>
 <ds:datastoreItem xmlns:ds="http://schemas.openxmlformats.org/officeDocument/2006/customXml" ds:itemID="{4C8C32A8-E4D9-473C-833A-8950C6E7C09A}">
   <ds:schemaRefs>
     <ds:schemaRef ds:uri="http://schemas.microsoft.com/office/2006/metadata/contentType"/>
@@ -29671,4 +31703,12 @@
     <ds:schemaRef ds:uri="http://schemas.microsoft.com/internal/obd"/>
   </ds:schemaRefs>
 </ds:datastoreItem>
+</file>
+
+<file path=customXml/itemProps3.xml><?xml version="1.0" encoding="utf-8"?>
+<ds:datastoreItem xmlns:ds="http://schemas.openxmlformats.org/officeDocument/2006/customXml" ds:itemID="{C03EF818-EDF6-480C-9B86-0A3B979BCCF0}">
+  <ds:schemaRefs>
+    <ds:schemaRef ds:uri="http://schemas.microsoft.com/sharepoint/v3/contenttype/forms"/>
+  </ds:schemaRefs>
+</ds:datastoreItem>
 </file>